--- a/耿玉坤答辩ppt.pptx
+++ b/耿玉坤答辩ppt.pptx
@@ -26,24 +26,25 @@
     <p:sldId id="467" r:id="rId19"/>
     <p:sldId id="382" r:id="rId20"/>
     <p:sldId id="468" r:id="rId21"/>
-    <p:sldId id="402" r:id="rId22"/>
-    <p:sldId id="470" r:id="rId23"/>
-    <p:sldId id="383" r:id="rId24"/>
-    <p:sldId id="469" r:id="rId25"/>
-    <p:sldId id="385" r:id="rId26"/>
-    <p:sldId id="471" r:id="rId27"/>
-    <p:sldId id="472" r:id="rId28"/>
-    <p:sldId id="473" r:id="rId29"/>
-    <p:sldId id="474" r:id="rId30"/>
-    <p:sldId id="475" r:id="rId31"/>
-    <p:sldId id="476" r:id="rId32"/>
-    <p:sldId id="477" r:id="rId33"/>
-    <p:sldId id="478" r:id="rId34"/>
-    <p:sldId id="424" r:id="rId35"/>
-    <p:sldId id="479" r:id="rId36"/>
-    <p:sldId id="386" r:id="rId37"/>
-    <p:sldId id="480" r:id="rId38"/>
-    <p:sldId id="335" r:id="rId39"/>
+    <p:sldId id="493" r:id="rId22"/>
+    <p:sldId id="402" r:id="rId23"/>
+    <p:sldId id="470" r:id="rId24"/>
+    <p:sldId id="383" r:id="rId25"/>
+    <p:sldId id="469" r:id="rId26"/>
+    <p:sldId id="385" r:id="rId27"/>
+    <p:sldId id="471" r:id="rId28"/>
+    <p:sldId id="472" r:id="rId29"/>
+    <p:sldId id="473" r:id="rId30"/>
+    <p:sldId id="474" r:id="rId31"/>
+    <p:sldId id="475" r:id="rId32"/>
+    <p:sldId id="476" r:id="rId33"/>
+    <p:sldId id="477" r:id="rId34"/>
+    <p:sldId id="478" r:id="rId35"/>
+    <p:sldId id="424" r:id="rId36"/>
+    <p:sldId id="479" r:id="rId37"/>
+    <p:sldId id="386" r:id="rId38"/>
+    <p:sldId id="480" r:id="rId39"/>
+    <p:sldId id="335" r:id="rId40"/>
   </p:sldIdLst>
   <p:sldSz cx="12192000" cy="6858000"/>
   <p:notesSz cx="6858000" cy="9144000"/>
@@ -620,7 +621,11 @@
         <p:txBody>
           <a:bodyPr/>
           <a:p>
-            <a:endParaRPr lang="zh-CN" altLang="en-US"/>
+            <a:r>
+              <a:rPr lang="zh-CN" altLang="zh-CN"/>
+              <a:t>老师同学们，大家好，我毕业答辩的题目是二阶时延多智能体系统加权一致性研究。我叫耿玉坤，我的指导老师是纪良浩教授。首先看下我答辩内容的目录结构。</a:t>
+            </a:r>
+            <a:endParaRPr lang="zh-CN" altLang="zh-CN"/>
           </a:p>
         </p:txBody>
       </p:sp>
@@ -644,10 +649,8 @@
       <p:grpSpPr/>
       <p:sp>
         <p:nvSpPr>
-          <p:cNvPr id="13313" name="幻灯片图像占位符 1"/>
-          <p:cNvSpPr>
-            <a:spLocks noGrp="1" noRot="1"/>
-          </p:cNvSpPr>
+          <p:cNvPr id="2" name="幻灯片图像占位符 1"/>
+          <p:cNvSpPr/>
           <p:nvPr>
             <p:ph type="sldImg"/>
           </p:nvPr>
@@ -656,45 +659,21 @@
       </p:sp>
       <p:sp>
         <p:nvSpPr>
-          <p:cNvPr id="13314" name="文本占位符 2"/>
-          <p:cNvSpPr>
-            <a:spLocks noGrp="1"/>
-          </p:cNvSpPr>
+          <p:cNvPr id="3" name="文本占位符 2"/>
+          <p:cNvSpPr/>
           <p:nvPr>
             <p:ph type="body"/>
           </p:nvPr>
         </p:nvSpPr>
         <p:spPr/>
         <p:txBody>
-          <a:bodyPr lIns="91440" tIns="45720" rIns="91440" bIns="45720" anchor="t"/>
+          <a:bodyPr/>
           <a:p>
-            <a:pPr lvl="0"/>
             <a:r>
               <a:rPr lang="zh-CN" altLang="en-US"/>
-              <a:t>在不满足满足定理</a:t>
-            </a:r>
-            <a:r>
-              <a:rPr lang="en-US" altLang="zh-CN"/>
-              <a:t>1</a:t>
-            </a:r>
-            <a:r>
-              <a:rPr lang="zh-CN" altLang="en-US"/>
-              <a:t>的条件下，随机生成一组数据。</a:t>
+              <a:t>一致性问题首次是在管理科学和统计学领域提出的。经过多年的发展，多智能体系统一致性问题已经成为了国际人工智能领域的前言和研究热点。由于时延的不可避免性，时延已经成为了多智能体一致性研究的重要的问题。另外，在实际的工程引用中，通常要控制多智能体系统最终的收敛状态，所以加权一致性问题也成为了一致性研究的重要内容。随着这些年多智能体系统加权一致性问题的研究，加权一致性方面的研究在一阶多智能体方面也有了丰富的理论成果。</a:t>
             </a:r>
             <a:endParaRPr lang="zh-CN" altLang="en-US"/>
-          </a:p>
-          <a:p>
-            <a:pPr lvl="0"/>
-            <a:r>
-              <a:t>实验</a:t>
-            </a:r>
-            <a:r>
-              <a:rPr lang="en-US"/>
-              <a:t>3.1.2</a:t>
-            </a:r>
-            <a:r>
-              <a:t>通过反例验证了定理2.1的正确性和有效性。</a:t>
-            </a:r>
           </a:p>
         </p:txBody>
       </p:sp>
@@ -743,72 +722,178 @@
           <a:bodyPr lIns="91440" tIns="45720" rIns="91440" bIns="45720" anchor="t"/>
           <a:p>
             <a:pPr lvl="0"/>
-            <a:r>
-              <a:rPr lang="zh-CN" altLang="en-US">
-                <a:sym typeface="+mn-ea"/>
-              </a:rPr>
-              <a:t>其中，</a:t>
-            </a:r>
-            <a:r>
-              <a:rPr lang="en-US" altLang="zh-CN">
-                <a:sym typeface="+mn-ea"/>
-              </a:rPr>
-              <a:t>Xi</a:t>
-            </a:r>
-            <a:r>
-              <a:rPr lang="zh-CN" altLang="en-US">
-                <a:sym typeface="+mn-ea"/>
-              </a:rPr>
-              <a:t>指多智能体系统的一阶的状态，</a:t>
-            </a:r>
-            <a:r>
-              <a:rPr lang="en-US" altLang="zh-CN">
-                <a:sym typeface="+mn-ea"/>
-              </a:rPr>
-              <a:t>Vi</a:t>
-            </a:r>
-            <a:r>
-              <a:rPr lang="zh-CN" altLang="en-US">
-                <a:sym typeface="+mn-ea"/>
-              </a:rPr>
-              <a:t>指多智能体系统的二阶状态，</a:t>
-            </a:r>
-            <a:r>
-              <a:rPr lang="en-US" altLang="zh-CN">
-                <a:sym typeface="+mn-ea"/>
-              </a:rPr>
-              <a:t>bi</a:t>
-            </a:r>
-            <a:r>
-              <a:rPr lang="zh-CN" altLang="en-US">
-                <a:sym typeface="+mn-ea"/>
-              </a:rPr>
-              <a:t>为各节点的控制权重，阿尔法和贝塔是系统的耦合系数，</a:t>
-            </a:r>
-            <a:r>
-              <a:rPr lang="en-US" altLang="zh-CN">
-                <a:sym typeface="+mn-ea"/>
-              </a:rPr>
-              <a:t>eij</a:t>
-            </a:r>
-            <a:r>
-              <a:rPr lang="zh-CN" altLang="en-US">
-                <a:sym typeface="+mn-ea"/>
-              </a:rPr>
-              <a:t>是各个节点之间的耦合系数。</a:t>
-            </a:r>
-            <a:endParaRPr lang="zh-CN" altLang="en-US">
-              <a:sym typeface="+mn-ea"/>
+            <a:endParaRPr lang="zh-CN" altLang="en-US" dirty="0">
+              <a:solidFill>
+                <a:srgbClr val="FF0000"/>
+              </a:solidFill>
             </a:endParaRPr>
           </a:p>
           <a:p>
             <a:pPr lvl="0"/>
-            <a:endParaRPr lang="zh-CN" altLang="en-US"/>
+            <a:r>
+              <a:rPr lang="zh-CN" altLang="en-US" dirty="0">
+                <a:solidFill>
+                  <a:srgbClr val="161616"/>
+                </a:solidFill>
+                <a:latin typeface="Arial" panose="020B0604020202020204" pitchFamily="34" charset="0"/>
+                <a:ea typeface="楷体_GB2312" pitchFamily="49" charset="-122"/>
+                <a:sym typeface="宋体" panose="02010600030101010101" pitchFamily="2" charset="-122"/>
+              </a:rPr>
+              <a:t>在现在研究中还存在哪些不足呢？主要包括两点，第一。。。。第二。。。。</a:t>
+            </a:r>
+            <a:endParaRPr lang="zh-CN" altLang="en-US" dirty="0">
+              <a:solidFill>
+                <a:srgbClr val="161616"/>
+              </a:solidFill>
+              <a:latin typeface="Arial" panose="020B0604020202020204" pitchFamily="34" charset="0"/>
+              <a:ea typeface="楷体_GB2312" pitchFamily="49" charset="-122"/>
+              <a:sym typeface="宋体" panose="02010600030101010101" pitchFamily="2" charset="-122"/>
+            </a:endParaRPr>
           </a:p>
           <a:p>
             <a:pPr lvl="0"/>
-            <a:endParaRPr lang="zh-CN" altLang="en-US">
-              <a:sym typeface="+mn-ea"/>
+            <a:endParaRPr lang="zh-CN" altLang="en-US" dirty="0">
+              <a:solidFill>
+                <a:srgbClr val="161616"/>
+              </a:solidFill>
+              <a:latin typeface="Arial" panose="020B0604020202020204" pitchFamily="34" charset="0"/>
+              <a:ea typeface="楷体_GB2312" pitchFamily="49" charset="-122"/>
+              <a:sym typeface="宋体" panose="02010600030101010101" pitchFamily="2" charset="-122"/>
+            </a:endParaRPr>
+          </a:p>
+          <a:p>
+            <a:pPr lvl="0"/>
+            <a:endParaRPr lang="zh-CN" altLang="en-US" dirty="0">
+              <a:solidFill>
+                <a:srgbClr val="161616"/>
+              </a:solidFill>
+              <a:latin typeface="Arial" panose="020B0604020202020204" pitchFamily="34" charset="0"/>
+              <a:ea typeface="楷体_GB2312" pitchFamily="49" charset="-122"/>
+              <a:sym typeface="宋体" panose="02010600030101010101" pitchFamily="2" charset="-122"/>
+            </a:endParaRPr>
+          </a:p>
+          <a:p>
+            <a:pPr lvl="0"/>
+            <a:r>
+              <a:rPr lang="zh-CN" altLang="en-US" dirty="0">
+                <a:solidFill>
+                  <a:srgbClr val="161616"/>
+                </a:solidFill>
+                <a:latin typeface="Arial" panose="020B0604020202020204" pitchFamily="34" charset="0"/>
+                <a:ea typeface="楷体_GB2312" pitchFamily="49" charset="-122"/>
+                <a:sym typeface="宋体" panose="02010600030101010101" pitchFamily="2" charset="-122"/>
+              </a:rPr>
+              <a:t>提出了加权一致性的概念, 设计了一类分散协调控制器,使在该控制器下多智能体达到加权平均一致性。但是没有研究时滞和二阶多智能体系统。</a:t>
+            </a:r>
+            <a:endParaRPr lang="zh-CN" altLang="en-US" dirty="0">
+              <a:solidFill>
+                <a:srgbClr val="161616"/>
+              </a:solidFill>
+              <a:latin typeface="Arial" panose="020B0604020202020204" pitchFamily="34" charset="0"/>
+              <a:ea typeface="楷体_GB2312" pitchFamily="49" charset="-122"/>
+              <a:sym typeface="宋体" panose="02010600030101010101" pitchFamily="2" charset="-122"/>
+            </a:endParaRPr>
+          </a:p>
+          <a:p>
+            <a:pPr lvl="0"/>
+            <a:r>
+              <a:rPr lang="zh-CN" altLang="en-US" dirty="0">
+                <a:solidFill>
+                  <a:srgbClr val="161616"/>
+                </a:solidFill>
+                <a:latin typeface="Arial" panose="020B0604020202020204" pitchFamily="34" charset="0"/>
+                <a:ea typeface="楷体_GB2312" pitchFamily="49" charset="-122"/>
+                <a:sym typeface="宋体" panose="02010600030101010101" pitchFamily="2" charset="-122"/>
+              </a:rPr>
+              <a:t>考虑时延情况下智能体的加权平均一致问题,设计了线性与非线性两种控制器, 并给出了线性控制器下系统可容忍的最大时延上界.但是只针对一阶系统进行了研究。</a:t>
+            </a:r>
+            <a:endParaRPr lang="zh-CN" altLang="en-US" dirty="0">
+              <a:solidFill>
+                <a:srgbClr val="161616"/>
+              </a:solidFill>
+              <a:latin typeface="Arial" panose="020B0604020202020204" pitchFamily="34" charset="0"/>
+              <a:ea typeface="楷体_GB2312" pitchFamily="49" charset="-122"/>
+              <a:sym typeface="宋体" panose="02010600030101010101" pitchFamily="2" charset="-122"/>
+            </a:endParaRPr>
+          </a:p>
+          <a:p>
+            <a:pPr lvl="0"/>
+            <a:r>
+              <a:rPr lang="zh-CN" altLang="zh-CN" dirty="0">
+                <a:solidFill>
+                  <a:srgbClr val="161616"/>
+                </a:solidFill>
+                <a:latin typeface="Arial" panose="020B0604020202020204" pitchFamily="34" charset="0"/>
+                <a:ea typeface="楷体_GB2312" pitchFamily="49" charset="-122"/>
+                <a:sym typeface="宋体" panose="02010600030101010101" pitchFamily="2" charset="-122"/>
+              </a:rPr>
+              <a:t>考虑时延情况下智能体的加权分组一致性，设计了基于竞争关系的分散协调控制协议。并给出系统可以容忍的最大时延上界。但是只是针对一阶系统进行研究。</a:t>
+            </a:r>
+            <a:endParaRPr lang="zh-CN" altLang="zh-CN" dirty="0">
+              <a:solidFill>
+                <a:srgbClr val="161616"/>
+              </a:solidFill>
+              <a:latin typeface="Arial" panose="020B0604020202020204" pitchFamily="34" charset="0"/>
+              <a:ea typeface="楷体_GB2312" pitchFamily="49" charset="-122"/>
+            </a:endParaRPr>
+          </a:p>
+          <a:p>
+            <a:pPr lvl="0"/>
+            <a:endParaRPr lang="zh-CN" altLang="en-US" dirty="0">
+              <a:solidFill>
+                <a:srgbClr val="161616"/>
+              </a:solidFill>
+              <a:latin typeface="Arial" panose="020B0604020202020204" pitchFamily="34" charset="0"/>
+              <a:ea typeface="楷体_GB2312" pitchFamily="49" charset="-122"/>
+            </a:endParaRPr>
+          </a:p>
+          <a:p>
+            <a:pPr lvl="0"/>
+            <a:r>
+              <a:rPr lang="en-US" altLang="zh-CN" dirty="0">
+                <a:solidFill>
+                  <a:srgbClr val="161616"/>
+                </a:solidFill>
+                <a:latin typeface="Arial" panose="020B0604020202020204" pitchFamily="34" charset="0"/>
+                <a:ea typeface="楷体_GB2312" pitchFamily="49" charset="-122"/>
+                <a:sym typeface="+mn-ea"/>
+              </a:rPr>
+              <a:t>Zhang Tiecheng,Yu Hui. Average Consensus in Networks of Multi-Agent with Multiple Time-Varying Delays. International Journal of Communications.</a:t>
+            </a:r>
+            <a:endParaRPr lang="zh-CN" altLang="en-US" dirty="0">
+              <a:solidFill>
+                <a:srgbClr val="161616"/>
+              </a:solidFill>
+              <a:latin typeface="Arial" panose="020B0604020202020204" pitchFamily="34" charset="0"/>
+              <a:ea typeface="楷体_GB2312" pitchFamily="49" charset="-122"/>
+            </a:endParaRPr>
+          </a:p>
+          <a:p>
+            <a:pPr lvl="0"/>
+            <a:endParaRPr lang="zh-CN" altLang="en-US" dirty="0">
+              <a:solidFill>
+                <a:srgbClr val="161616"/>
+              </a:solidFill>
+              <a:latin typeface="Arial" panose="020B0604020202020204" pitchFamily="34" charset="0"/>
+              <a:ea typeface="楷体_GB2312" pitchFamily="49" charset="-122"/>
+            </a:endParaRPr>
+          </a:p>
+          <a:p>
+            <a:pPr lvl="0"/>
+            <a:endParaRPr lang="zh-CN" altLang="en-US" dirty="0">
+              <a:solidFill>
+                <a:srgbClr val="161616"/>
+              </a:solidFill>
+              <a:latin typeface="Arial" panose="020B0604020202020204" pitchFamily="34" charset="0"/>
+              <a:ea typeface="楷体_GB2312" pitchFamily="49" charset="-122"/>
+            </a:endParaRPr>
+          </a:p>
+          <a:p>
+            <a:pPr lvl="0"/>
+            <a:endParaRPr lang="zh-CN" altLang="en-US" dirty="0">
+              <a:solidFill>
+                <a:srgbClr val="FF0000"/>
+              </a:solidFill>
             </a:endParaRPr>
           </a:p>
           <a:p>
@@ -837,10 +922,8 @@
       <p:grpSpPr/>
       <p:sp>
         <p:nvSpPr>
-          <p:cNvPr id="13313" name="幻灯片图像占位符 1"/>
-          <p:cNvSpPr>
-            <a:spLocks noGrp="1" noRot="1"/>
-          </p:cNvSpPr>
+          <p:cNvPr id="2" name="幻灯片图像占位符 1"/>
+          <p:cNvSpPr/>
           <p:nvPr>
             <p:ph type="sldImg"/>
           </p:nvPr>
@@ -849,89 +932,27 @@
       </p:sp>
       <p:sp>
         <p:nvSpPr>
-          <p:cNvPr id="13314" name="文本占位符 2"/>
-          <p:cNvSpPr>
-            <a:spLocks noGrp="1"/>
-          </p:cNvSpPr>
+          <p:cNvPr id="3" name="文本占位符 2"/>
+          <p:cNvSpPr/>
           <p:nvPr>
             <p:ph type="body"/>
           </p:nvPr>
         </p:nvSpPr>
         <p:spPr/>
         <p:txBody>
-          <a:bodyPr lIns="91440" tIns="45720" rIns="91440" bIns="45720" anchor="t"/>
+          <a:bodyPr/>
           <a:p>
-            <a:pPr lvl="0"/>
-            <a:r>
-              <a:rPr lang="zh-CN" altLang="en-US">
-                <a:sym typeface="+mn-ea"/>
+            <a:r>
+              <a:rPr lang="zh-CN" altLang="en-US" dirty="0">
+                <a:solidFill>
+                  <a:srgbClr val="161616"/>
+                </a:solidFill>
+                <a:latin typeface="Arial" panose="020B0604020202020204" pitchFamily="34" charset="0"/>
+                <a:ea typeface="楷体_GB2312" pitchFamily="49" charset="-122"/>
+                <a:sym typeface="宋体" panose="02010600030101010101" pitchFamily="2" charset="-122"/>
               </a:rPr>
-              <a:t>其中，</a:t>
-            </a:r>
-            <a:r>
-              <a:rPr lang="en-US" altLang="zh-CN">
-                <a:sym typeface="+mn-ea"/>
-              </a:rPr>
-              <a:t>Xi</a:t>
-            </a:r>
-            <a:r>
-              <a:rPr lang="zh-CN" altLang="en-US">
-                <a:sym typeface="+mn-ea"/>
-              </a:rPr>
-              <a:t>指多智能体系统的一阶的状态，</a:t>
-            </a:r>
-            <a:r>
-              <a:rPr lang="en-US" altLang="zh-CN">
-                <a:sym typeface="+mn-ea"/>
-              </a:rPr>
-              <a:t>Vi</a:t>
-            </a:r>
-            <a:r>
-              <a:rPr lang="zh-CN" altLang="en-US">
-                <a:sym typeface="+mn-ea"/>
-              </a:rPr>
-              <a:t>指多智能体系统的二阶状态，</a:t>
-            </a:r>
-            <a:r>
-              <a:rPr lang="en-US" altLang="zh-CN">
-                <a:sym typeface="+mn-ea"/>
-              </a:rPr>
-              <a:t>bi</a:t>
-            </a:r>
-            <a:r>
-              <a:rPr lang="zh-CN" altLang="en-US">
-                <a:sym typeface="+mn-ea"/>
-              </a:rPr>
-              <a:t>为各节点的控制权重，阿尔法和贝塔是系统的耦合系数，</a:t>
-            </a:r>
-            <a:r>
-              <a:rPr lang="en-US" altLang="zh-CN">
-                <a:sym typeface="+mn-ea"/>
-              </a:rPr>
-              <a:t>eij</a:t>
-            </a:r>
-            <a:r>
-              <a:rPr lang="zh-CN" altLang="en-US">
-                <a:sym typeface="+mn-ea"/>
-              </a:rPr>
-              <a:t>是各个节点之间的耦合系数。</a:t>
-            </a:r>
-            <a:endParaRPr lang="zh-CN" altLang="en-US">
-              <a:sym typeface="+mn-ea"/>
-            </a:endParaRPr>
-          </a:p>
-          <a:p>
-            <a:pPr lvl="0"/>
-            <a:endParaRPr lang="zh-CN" altLang="en-US"/>
-          </a:p>
-          <a:p>
-            <a:pPr lvl="0"/>
-            <a:endParaRPr lang="zh-CN" altLang="en-US">
-              <a:sym typeface="+mn-ea"/>
-            </a:endParaRPr>
-          </a:p>
-          <a:p>
-            <a:pPr lvl="0"/>
+              <a:t>基于上述研究中存在的问题，我们开展了自己的研究内容。</a:t>
+            </a:r>
             <a:endParaRPr lang="zh-CN" altLang="en-US"/>
           </a:p>
         </p:txBody>
@@ -956,10 +977,8 @@
       <p:grpSpPr/>
       <p:sp>
         <p:nvSpPr>
-          <p:cNvPr id="13313" name="幻灯片图像占位符 1"/>
-          <p:cNvSpPr>
-            <a:spLocks noGrp="1" noRot="1"/>
-          </p:cNvSpPr>
+          <p:cNvPr id="2" name="幻灯片图像占位符 1"/>
+          <p:cNvSpPr/>
           <p:nvPr>
             <p:ph type="sldImg"/>
           </p:nvPr>
@@ -968,19 +987,65 @@
       </p:sp>
       <p:sp>
         <p:nvSpPr>
-          <p:cNvPr id="13314" name="文本占位符 2"/>
-          <p:cNvSpPr>
-            <a:spLocks noGrp="1"/>
-          </p:cNvSpPr>
+          <p:cNvPr id="3" name="文本占位符 2"/>
+          <p:cNvSpPr/>
           <p:nvPr>
             <p:ph type="body"/>
           </p:nvPr>
         </p:nvSpPr>
         <p:spPr/>
         <p:txBody>
-          <a:bodyPr lIns="91440" tIns="45720" rIns="91440" bIns="45720" anchor="t"/>
+          <a:bodyPr/>
           <a:p>
-            <a:pPr lvl="0"/>
+            <a:r>
+              <a:rPr lang="zh-CN" altLang="en-US"/>
+              <a:t>我们的研究的主要内容可分为如下三点：</a:t>
+            </a:r>
+            <a:endParaRPr lang="zh-CN" altLang="en-US"/>
+          </a:p>
+          <a:p>
+            <a:r>
+              <a:rPr lang="en-US" altLang="zh-CN"/>
+              <a:t>1 </a:t>
+            </a:r>
+            <a:r>
+              <a:rPr lang="zh-CN" altLang="en-US"/>
+              <a:t>无时延影响下二阶连续时间多智能体系统加权一致性</a:t>
+            </a:r>
+            <a:endParaRPr lang="zh-CN" altLang="en-US"/>
+          </a:p>
+          <a:p>
+            <a:r>
+              <a:rPr lang="en-US" altLang="zh-CN"/>
+              <a:t>2 </a:t>
+            </a:r>
+            <a:r>
+              <a:rPr lang="zh-CN" altLang="en-US"/>
+              <a:t>有时延影响下二阶连续时间多智能体系统加权一致性</a:t>
+            </a:r>
+            <a:endParaRPr lang="zh-CN" altLang="en-US"/>
+          </a:p>
+          <a:p>
+            <a:r>
+              <a:rPr lang="en-US" altLang="zh-CN"/>
+              <a:t>3 </a:t>
+            </a:r>
+            <a:r>
+              <a:rPr lang="zh-CN" altLang="en-US"/>
+              <a:t>探讨有时延影响下二阶离散时间多智能体系统加权一致性</a:t>
+            </a:r>
+            <a:endParaRPr lang="zh-CN" altLang="en-US"/>
+          </a:p>
+          <a:p>
+            <a:endParaRPr lang="zh-CN" altLang="en-US">
+              <a:solidFill>
+                <a:srgbClr val="FF0000"/>
+              </a:solidFill>
+              <a:latin typeface="Century Gothic" panose="020B0502020202020204" charset="0"/>
+              <a:ea typeface="微软雅黑" panose="020B0503020204020204" pitchFamily="34" charset="-122"/>
+            </a:endParaRPr>
+          </a:p>
+          <a:p>
             <a:endParaRPr lang="zh-CN" altLang="en-US"/>
           </a:p>
         </p:txBody>
@@ -1005,10 +1070,8 @@
       <p:grpSpPr/>
       <p:sp>
         <p:nvSpPr>
-          <p:cNvPr id="13313" name="幻灯片图像占位符 1"/>
-          <p:cNvSpPr>
-            <a:spLocks noGrp="1" noRot="1"/>
-          </p:cNvSpPr>
+          <p:cNvPr id="2" name="幻灯片图像占位符 1"/>
+          <p:cNvSpPr/>
           <p:nvPr>
             <p:ph type="sldImg"/>
           </p:nvPr>
@@ -1017,20 +1080,49 @@
       </p:sp>
       <p:sp>
         <p:nvSpPr>
-          <p:cNvPr id="13314" name="文本占位符 2"/>
-          <p:cNvSpPr>
-            <a:spLocks noGrp="1"/>
-          </p:cNvSpPr>
+          <p:cNvPr id="3" name="文本占位符 2"/>
+          <p:cNvSpPr/>
           <p:nvPr>
             <p:ph type="body"/>
           </p:nvPr>
         </p:nvSpPr>
         <p:spPr/>
         <p:txBody>
-          <a:bodyPr lIns="91440" tIns="45720" rIns="91440" bIns="45720" anchor="t"/>
+          <a:bodyPr/>
           <a:p>
-            <a:pPr lvl="0"/>
+            <a:r>
+              <a:rPr lang="zh-CN" altLang="en-US"/>
+              <a:t>用到的研究方法可归纳为以下三点：</a:t>
+            </a:r>
             <a:endParaRPr lang="zh-CN" altLang="en-US"/>
+          </a:p>
+          <a:p>
+            <a:endParaRPr lang="zh-CN" altLang="en-US"/>
+          </a:p>
+          <a:p>
+            <a:r>
+              <a:rPr lang="zh-CN" altLang="en-US"/>
+              <a:t>首先提出一致性控制协议，然后利用</a:t>
+            </a:r>
+            <a:r>
+              <a:rPr lang="zh-CN" altLang="en-US" dirty="0">
+                <a:solidFill>
+                  <a:srgbClr val="FF0000"/>
+                </a:solidFill>
+                <a:latin typeface="Arial" panose="020B0604020202020204" pitchFamily="34" charset="0"/>
+                <a:ea typeface="楷体_GB2312" pitchFamily="49" charset="-122"/>
+                <a:sym typeface="+mn-ea"/>
+              </a:rPr>
+              <a:t>矩阵论、代数图论、频域控制理论以及稳定性理论得到系统达到加权一致的代数条件判据。最终利用仿真实验模拟真实环境，验证所得理论结果的正确性和有效性。接下来详细介绍下我们的研究内容。</a:t>
+            </a:r>
+            <a:endParaRPr lang="en-US" altLang="zh-CN" dirty="0">
+              <a:solidFill>
+                <a:srgbClr val="FF0000"/>
+              </a:solidFill>
+              <a:latin typeface="Arial" panose="020B0604020202020204" pitchFamily="34" charset="0"/>
+              <a:ea typeface="楷体_GB2312" pitchFamily="49" charset="-122"/>
+              <a:sym typeface="+mn-ea"/>
+            </a:endParaRPr>
           </a:p>
         </p:txBody>
       </p:sp>
@@ -1080,16 +1172,70 @@
           <a:p>
             <a:pPr lvl="0"/>
             <a:r>
-              <a:rPr lang="zh-CN" altLang="en-US"/>
-              <a:t>实验3.2</a:t>
-            </a:r>
-            <a:r>
-              <a:rPr lang="en-US" altLang="zh-CN"/>
-              <a:t>.2</a:t>
-            </a:r>
-            <a:r>
-              <a:rPr lang="zh-CN" altLang="en-US"/>
-              <a:t>验证了当系统不满足本章给出的代数条件时，系统是发散的。</a:t>
+              <a:rPr lang="zh-CN" altLang="en-US">
+                <a:sym typeface="+mn-ea"/>
+              </a:rPr>
+              <a:t>第一是无时延影响下的二阶连续时间多智能体系统加权一致性。上边这个式子为提出的控制协议，其中，</a:t>
+            </a:r>
+            <a:r>
+              <a:rPr lang="en-US" altLang="zh-CN">
+                <a:sym typeface="+mn-ea"/>
+              </a:rPr>
+              <a:t>Xi</a:t>
+            </a:r>
+            <a:r>
+              <a:rPr lang="zh-CN" altLang="en-US">
+                <a:sym typeface="+mn-ea"/>
+              </a:rPr>
+              <a:t>指多智能体系统的一阶的状态，</a:t>
+            </a:r>
+            <a:r>
+              <a:rPr lang="en-US" altLang="zh-CN">
+                <a:sym typeface="+mn-ea"/>
+              </a:rPr>
+              <a:t>Vi</a:t>
+            </a:r>
+            <a:r>
+              <a:rPr lang="zh-CN" altLang="en-US">
+                <a:sym typeface="+mn-ea"/>
+              </a:rPr>
+              <a:t>指多智能体系统的二阶状态，</a:t>
+            </a:r>
+            <a:r>
+              <a:rPr lang="en-US" altLang="zh-CN">
+                <a:sym typeface="+mn-ea"/>
+              </a:rPr>
+              <a:t>bi</a:t>
+            </a:r>
+            <a:r>
+              <a:rPr lang="zh-CN" altLang="en-US">
+                <a:sym typeface="+mn-ea"/>
+              </a:rPr>
+              <a:t>为各节点的控制权重，阿尔法和贝塔是系统的耦合系数，</a:t>
+            </a:r>
+            <a:r>
+              <a:rPr lang="en-US" altLang="zh-CN">
+                <a:sym typeface="+mn-ea"/>
+              </a:rPr>
+              <a:t>eij</a:t>
+            </a:r>
+            <a:r>
+              <a:rPr lang="zh-CN" altLang="en-US">
+                <a:sym typeface="+mn-ea"/>
+              </a:rPr>
+              <a:t>是各个节点之间的耦合系数。在控制协议下，只要满足定理</a:t>
+            </a:r>
+            <a:r>
+              <a:rPr lang="en-US" altLang="zh-CN">
+                <a:sym typeface="+mn-ea"/>
+              </a:rPr>
+              <a:t>3.1</a:t>
+            </a:r>
+            <a:r>
+              <a:rPr lang="zh-CN" altLang="en-US">
+                <a:sym typeface="+mn-ea"/>
+              </a:rPr>
+              <a:t>的代数条件，就能实现系统的加权一致性。</a:t>
             </a:r>
             <a:endParaRPr lang="zh-CN" altLang="en-US"/>
           </a:p>
@@ -1144,63 +1290,95 @@
               <a:rPr lang="zh-CN" altLang="en-US">
                 <a:sym typeface="+mn-ea"/>
               </a:rPr>
-              <a:t>其中，</a:t>
+              <a:t>基于</a:t>
             </a:r>
             <a:r>
               <a:rPr lang="en-US" altLang="zh-CN">
                 <a:sym typeface="+mn-ea"/>
               </a:rPr>
-              <a:t>Xi</a:t>
+              <a:t>无时延</a:t>
             </a:r>
             <a:r>
               <a:rPr lang="zh-CN" altLang="en-US">
                 <a:sym typeface="+mn-ea"/>
               </a:rPr>
-              <a:t>指多智能体系统的一阶的状态，</a:t>
+              <a:t>影响</a:t>
             </a:r>
             <a:r>
               <a:rPr lang="en-US" altLang="zh-CN">
                 <a:sym typeface="+mn-ea"/>
               </a:rPr>
-              <a:t>Vi</a:t>
+              <a:t>下二阶</a:t>
             </a:r>
             <a:r>
               <a:rPr lang="zh-CN" altLang="en-US">
                 <a:sym typeface="+mn-ea"/>
               </a:rPr>
-              <a:t>指多智能体系统的二阶状态，</a:t>
+              <a:t>连续时间</a:t>
             </a:r>
             <a:r>
               <a:rPr lang="en-US" altLang="zh-CN">
                 <a:sym typeface="+mn-ea"/>
               </a:rPr>
-              <a:t>bi</a:t>
+              <a:t>多智能体系统的加权一致性</a:t>
             </a:r>
             <a:r>
               <a:rPr lang="zh-CN" altLang="en-US">
                 <a:sym typeface="+mn-ea"/>
               </a:rPr>
-              <a:t>为各节点的控制权重，阿尔法和贝塔是系统的耦合系数，</a:t>
-            </a:r>
-            <a:r>
-              <a:rPr lang="en-US" altLang="zh-CN">
-                <a:sym typeface="+mn-ea"/>
-              </a:rPr>
-              <a:t>eij</a:t>
+              <a:t>的</a:t>
             </a:r>
             <a:r>
               <a:rPr lang="zh-CN" altLang="en-US">
                 <a:sym typeface="+mn-ea"/>
               </a:rPr>
-              <a:t>是各个节点之间的耦合系数。</a:t>
-            </a:r>
-            <a:endParaRPr lang="zh-CN" altLang="en-US">
-              <a:sym typeface="+mn-ea"/>
-            </a:endParaRPr>
+              <a:t>理论结果，我们做了如下实验。</a:t>
+            </a:r>
+            <a:endParaRPr lang="zh-CN" altLang="en-US"/>
           </a:p>
           <a:p>
             <a:pPr lvl="0"/>
-            <a:endParaRPr lang="zh-CN" altLang="en-US"/>
+            <a:r>
+              <a:rPr lang="zh-CN" altLang="en-US"/>
+              <a:t>首先，在满足定理</a:t>
+            </a:r>
+            <a:r>
+              <a:rPr lang="en-US" altLang="zh-CN"/>
+              <a:t>1</a:t>
+            </a:r>
+            <a:r>
+              <a:rPr lang="zh-CN" altLang="en-US"/>
+              <a:t>的条件下，随机生成表格中的数据。因为是本次研究是关于无时延影响的系统，所以这里设置时延大小为</a:t>
+            </a:r>
+            <a:r>
+              <a:rPr lang="en-US" altLang="zh-CN"/>
+              <a:t>0.</a:t>
+            </a:r>
+            <a:r>
+              <a:rPr lang="zh-CN" altLang="en-US"/>
+              <a:t>根据定理</a:t>
+            </a:r>
+            <a:r>
+              <a:rPr lang="en-US" altLang="zh-CN"/>
+              <a:t>3.1</a:t>
+            </a:r>
+            <a:r>
+              <a:rPr lang="zh-CN" altLang="en-US"/>
+              <a:t>，可得二阶系统最终的加权一致性状态为</a:t>
+            </a:r>
+            <a:r>
+              <a:rPr lang="en-US" altLang="zh-CN"/>
+              <a:t>10.</a:t>
+            </a:r>
+            <a:r>
+              <a:rPr lang="zh-CN" altLang="en-US"/>
+              <a:t>通过仿真实验图，可以看到系统收敛到</a:t>
+            </a:r>
+            <a:r>
+              <a:rPr lang="en-US" altLang="zh-CN"/>
+              <a:t>10.</a:t>
+            </a:r>
+            <a:endParaRPr lang="en-US" altLang="zh-CN"/>
           </a:p>
         </p:txBody>
       </p:sp>
@@ -1250,62 +1428,34 @@
           <a:p>
             <a:pPr lvl="0"/>
             <a:r>
-              <a:rPr lang="zh-CN" altLang="en-US">
-                <a:sym typeface="+mn-ea"/>
-              </a:rPr>
-              <a:t>其中，</a:t>
-            </a:r>
-            <a:r>
-              <a:rPr lang="en-US" altLang="zh-CN">
-                <a:sym typeface="+mn-ea"/>
-              </a:rPr>
-              <a:t>Xi</a:t>
-            </a:r>
-            <a:r>
-              <a:rPr lang="zh-CN" altLang="en-US">
-                <a:sym typeface="+mn-ea"/>
-              </a:rPr>
-              <a:t>指多智能体系统的一阶的状态，</a:t>
-            </a:r>
-            <a:r>
-              <a:rPr lang="en-US" altLang="zh-CN">
-                <a:sym typeface="+mn-ea"/>
-              </a:rPr>
-              <a:t>Vi</a:t>
-            </a:r>
-            <a:r>
-              <a:rPr lang="zh-CN" altLang="en-US">
-                <a:sym typeface="+mn-ea"/>
-              </a:rPr>
-              <a:t>指多智能体系统的二阶状态，</a:t>
-            </a:r>
-            <a:r>
-              <a:rPr lang="en-US" altLang="zh-CN">
-                <a:sym typeface="+mn-ea"/>
-              </a:rPr>
-              <a:t>bi</a:t>
-            </a:r>
-            <a:r>
-              <a:rPr lang="zh-CN" altLang="en-US">
-                <a:sym typeface="+mn-ea"/>
-              </a:rPr>
-              <a:t>为各节点的控制权重，阿尔法和贝塔是系统的耦合系数，</a:t>
-            </a:r>
-            <a:r>
-              <a:rPr lang="en-US" altLang="zh-CN">
-                <a:sym typeface="+mn-ea"/>
-              </a:rPr>
-              <a:t>eij</a:t>
-            </a:r>
-            <a:r>
-              <a:rPr lang="zh-CN" altLang="en-US">
-                <a:sym typeface="+mn-ea"/>
-              </a:rPr>
-              <a:t>是各个节点之间的耦合系数。</a:t>
-            </a:r>
-            <a:endParaRPr lang="zh-CN" altLang="en-US">
-              <a:sym typeface="+mn-ea"/>
-            </a:endParaRPr>
+              <a:rPr lang="zh-CN" altLang="en-US"/>
+              <a:t>为了验证不同初始化状态下所得理论结果的正确性和有效性，在满足定理</a:t>
+            </a:r>
+            <a:r>
+              <a:rPr lang="en-US" altLang="zh-CN"/>
+              <a:t>3.1</a:t>
+            </a:r>
+            <a:r>
+              <a:rPr lang="zh-CN" altLang="en-US"/>
+              <a:t>的条件下，我们再次随机生成了一组数据，根据理论结论，系统应该最终收敛</a:t>
+            </a:r>
+            <a:r>
+              <a:rPr lang="en-US" altLang="zh-CN"/>
+              <a:t>20</a:t>
+            </a:r>
+            <a:r>
+              <a:rPr lang="zh-CN" altLang="en-US"/>
+              <a:t>，仿真实验也是收敛到</a:t>
+            </a:r>
+            <a:r>
+              <a:rPr lang="en-US" altLang="zh-CN"/>
+              <a:t>20.</a:t>
+            </a:r>
+            <a:r>
+              <a:rPr lang="zh-CN" altLang="en-US"/>
+              <a:t>理论结果和实验结果再次一致。</a:t>
+            </a:r>
+            <a:endParaRPr lang="zh-CN" altLang="en-US"/>
           </a:p>
           <a:p>
             <a:pPr lvl="0"/>
@@ -1313,12 +1463,18 @@
           </a:p>
           <a:p>
             <a:pPr lvl="0"/>
-            <a:endParaRPr lang="zh-CN" altLang="en-US">
-              <a:sym typeface="+mn-ea"/>
-            </a:endParaRPr>
-          </a:p>
-          <a:p>
-            <a:pPr lvl="0"/>
+            <a:r>
+              <a:rPr lang="zh-CN" altLang="en-US"/>
+              <a:t>于是，实验</a:t>
+            </a:r>
+            <a:r>
+              <a:rPr lang="en-US" altLang="zh-CN"/>
+              <a:t>3.1</a:t>
+            </a:r>
+            <a:r>
+              <a:rPr lang="zh-CN" altLang="en-US"/>
+              <a:t>的两种情况从正面说明，系统在不同初始化状态下，均可实现加权一致</a:t>
+            </a:r>
             <a:endParaRPr lang="zh-CN" altLang="en-US"/>
           </a:p>
         </p:txBody>
@@ -1370,17 +1526,50 @@
             <a:pPr lvl="0"/>
             <a:r>
               <a:rPr lang="zh-CN" altLang="en-US"/>
-              <a:t>实验3.2</a:t>
+              <a:t>在时延</a:t>
             </a:r>
             <a:r>
               <a:rPr lang="en-US" altLang="zh-CN"/>
-              <a:t>.2</a:t>
+              <a:t>3.1.1</a:t>
             </a:r>
             <a:r>
               <a:rPr lang="zh-CN" altLang="en-US"/>
-              <a:t>验证了当系统不满足本章给出的代数条件时，系统是发散的。</a:t>
+              <a:t>的基础上，我们设置了反例实验。</a:t>
             </a:r>
             <a:endParaRPr lang="zh-CN" altLang="en-US"/>
+          </a:p>
+          <a:p>
+            <a:pPr lvl="0"/>
+            <a:r>
+              <a:rPr lang="zh-CN" altLang="en-US"/>
+              <a:t>在不满足满足定理</a:t>
+            </a:r>
+            <a:r>
+              <a:rPr lang="en-US" altLang="zh-CN"/>
+              <a:t>1</a:t>
+            </a:r>
+            <a:r>
+              <a:rPr lang="zh-CN" altLang="en-US"/>
+              <a:t>的条件下，随机生成一组数据。从仿真实验的结果来看，系统最终不能渐进收敛到一致性状态。</a:t>
+            </a:r>
+            <a:endParaRPr lang="zh-CN" altLang="en-US"/>
+          </a:p>
+          <a:p>
+            <a:pPr lvl="0"/>
+            <a:r>
+              <a:rPr lang="zh-CN"/>
+              <a:t>因此，</a:t>
+            </a:r>
+            <a:r>
+              <a:t>实验</a:t>
+            </a:r>
+            <a:r>
+              <a:rPr lang="en-US"/>
+              <a:t>3.1.2</a:t>
+            </a:r>
+            <a:r>
+              <a:t>通过反例验证了定理2.1的正确性和有效性。</a:t>
+            </a:r>
           </a:p>
         </p:txBody>
       </p:sp>
@@ -1430,17 +1619,99 @@
           <a:p>
             <a:pPr lvl="0"/>
             <a:r>
-              <a:rPr lang="zh-CN" altLang="en-US"/>
-              <a:t>实验3.2</a:t>
-            </a:r>
-            <a:r>
-              <a:rPr lang="en-US" altLang="zh-CN"/>
-              <a:t>.2</a:t>
-            </a:r>
-            <a:r>
-              <a:rPr lang="zh-CN" altLang="en-US"/>
-              <a:t>验证了当系统不满足本章给出的代数条件时，系统是发散的。</a:t>
-            </a:r>
+              <a:rPr lang="zh-CN" altLang="en-US">
+                <a:sym typeface="+mn-ea"/>
+              </a:rPr>
+              <a:t>第二部门研究内容为时延影响下二阶连续时间多智能体系统加权一致性。控制协议为如下式子。其中，时延即为红框标出的大</a:t>
+            </a:r>
+            <a:r>
+              <a:rPr lang="en-US" altLang="zh-CN">
+                <a:sym typeface="+mn-ea"/>
+              </a:rPr>
+              <a:t>T</a:t>
+            </a:r>
+            <a:r>
+              <a:rPr lang="zh-CN" altLang="en-US">
+                <a:sym typeface="+mn-ea"/>
+              </a:rPr>
+              <a:t>。</a:t>
+            </a:r>
+            <a:endParaRPr lang="zh-CN" altLang="en-US">
+              <a:sym typeface="+mn-ea"/>
+            </a:endParaRPr>
+          </a:p>
+          <a:p>
+            <a:pPr lvl="0"/>
+            <a:r>
+              <a:rPr lang="zh-CN" altLang="en-US">
+                <a:sym typeface="+mn-ea"/>
+              </a:rPr>
+              <a:t>其中，</a:t>
+            </a:r>
+            <a:r>
+              <a:rPr lang="en-US" altLang="zh-CN">
+                <a:sym typeface="+mn-ea"/>
+              </a:rPr>
+              <a:t>Xi</a:t>
+            </a:r>
+            <a:r>
+              <a:rPr lang="zh-CN" altLang="en-US">
+                <a:sym typeface="+mn-ea"/>
+              </a:rPr>
+              <a:t>指多智能体系统的一阶的状态，</a:t>
+            </a:r>
+            <a:r>
+              <a:rPr lang="en-US" altLang="zh-CN">
+                <a:sym typeface="+mn-ea"/>
+              </a:rPr>
+              <a:t>Vi</a:t>
+            </a:r>
+            <a:r>
+              <a:rPr lang="zh-CN" altLang="en-US">
+                <a:sym typeface="+mn-ea"/>
+              </a:rPr>
+              <a:t>指多智能体系统的二阶状态，</a:t>
+            </a:r>
+            <a:r>
+              <a:rPr lang="en-US" altLang="zh-CN">
+                <a:sym typeface="+mn-ea"/>
+              </a:rPr>
+              <a:t>bi</a:t>
+            </a:r>
+            <a:r>
+              <a:rPr lang="zh-CN" altLang="en-US">
+                <a:sym typeface="+mn-ea"/>
+              </a:rPr>
+              <a:t>为各节点的控制权重，阿尔法和贝塔是系统的耦合系数，</a:t>
+            </a:r>
+            <a:r>
+              <a:rPr lang="en-US" altLang="zh-CN">
+                <a:sym typeface="+mn-ea"/>
+              </a:rPr>
+              <a:t>eij</a:t>
+            </a:r>
+            <a:r>
+              <a:rPr lang="zh-CN" altLang="en-US">
+                <a:sym typeface="+mn-ea"/>
+              </a:rPr>
+              <a:t>是各个节点之间的耦合系数。</a:t>
+            </a:r>
+            <a:endParaRPr lang="zh-CN" altLang="en-US">
+              <a:sym typeface="+mn-ea"/>
+            </a:endParaRPr>
+          </a:p>
+          <a:p>
+            <a:pPr lvl="0"/>
+            <a:endParaRPr lang="zh-CN" altLang="en-US"/>
+          </a:p>
+          <a:p>
+            <a:pPr lvl="0"/>
+            <a:endParaRPr lang="zh-CN" altLang="en-US">
+              <a:sym typeface="+mn-ea"/>
+            </a:endParaRPr>
+          </a:p>
+          <a:p>
+            <a:pPr lvl="0"/>
             <a:endParaRPr lang="zh-CN" altLang="en-US"/>
           </a:p>
         </p:txBody>
@@ -1487,32 +1758,56 @@
           <a:p>
             <a:r>
               <a:rPr lang="zh-CN" altLang="en-US"/>
-              <a:t>无人机编队</a:t>
-            </a:r>
-            <a:endParaRPr lang="zh-CN" altLang="en-US"/>
-          </a:p>
-          <a:p>
+              <a:t>我主要从以下</a:t>
+            </a:r>
+            <a:r>
+              <a:rPr lang="en-US" altLang="zh-CN"/>
+              <a:t>5</a:t>
+            </a:r>
             <a:r>
               <a:rPr lang="zh-CN" altLang="en-US"/>
-              <a:t>无线传感器的信息融合</a:t>
-            </a:r>
-            <a:endParaRPr lang="zh-CN" altLang="en-US"/>
-          </a:p>
-          <a:p>
+              <a:t>个方面进行阐述， </a:t>
+            </a:r>
+            <a:r>
+              <a:rPr lang="en-US" altLang="zh-CN"/>
+              <a:t>1 </a:t>
+            </a:r>
             <a:r>
               <a:rPr lang="zh-CN" altLang="en-US"/>
-              <a:t>机器人编队</a:t>
-            </a:r>
-            <a:endParaRPr lang="zh-CN" altLang="en-US"/>
-          </a:p>
-          <a:p>
+              <a:t>研究背景，</a:t>
+            </a:r>
+            <a:r>
+              <a:rPr lang="en-US" altLang="zh-CN"/>
+              <a:t>2 </a:t>
+            </a:r>
             <a:r>
               <a:rPr lang="zh-CN" altLang="en-US"/>
-              <a:t>自治战争系统协同控制</a:t>
-            </a:r>
-            <a:endParaRPr lang="en-US" altLang="zh-CN"/>
-          </a:p>
-          <a:p>
+              <a:t>研究现状 </a:t>
+            </a:r>
+            <a:r>
+              <a:rPr lang="en-US" altLang="zh-CN"/>
+              <a:t>3 </a:t>
+            </a:r>
+            <a:r>
+              <a:rPr lang="zh-CN" altLang="en-US"/>
+              <a:t>主要内容， </a:t>
+            </a:r>
+            <a:r>
+              <a:rPr lang="en-US" altLang="zh-CN"/>
+              <a:t>4 </a:t>
+            </a:r>
+            <a:r>
+              <a:rPr lang="zh-CN" altLang="en-US"/>
+              <a:t>创新点 </a:t>
+            </a:r>
+            <a:r>
+              <a:rPr lang="en-US" altLang="zh-CN"/>
+              <a:t>5 </a:t>
+            </a:r>
+            <a:r>
+              <a:rPr lang="zh-CN" altLang="en-US"/>
+              <a:t>总结及下一步工作。</a:t>
+            </a:r>
             <a:endParaRPr lang="zh-CN" altLang="en-US"/>
           </a:p>
         </p:txBody>
@@ -1563,17 +1858,45 @@
           <a:p>
             <a:pPr lvl="0"/>
             <a:r>
-              <a:rPr lang="zh-CN" altLang="en-US"/>
-              <a:t>实验3.2</a:t>
-            </a:r>
-            <a:r>
-              <a:rPr lang="en-US" altLang="zh-CN"/>
-              <a:t>.2</a:t>
-            </a:r>
-            <a:r>
-              <a:rPr lang="zh-CN" altLang="en-US"/>
-              <a:t>验证了当系统不满足本章给出的代数条件时，系统是发散的。</a:t>
-            </a:r>
+              <a:rPr lang="zh-CN" altLang="en-US">
+                <a:sym typeface="+mn-ea"/>
+              </a:rPr>
+              <a:t>再上页提出的控制协议作用下，满足定理</a:t>
+            </a:r>
+            <a:r>
+              <a:rPr lang="en-US" altLang="zh-CN">
+                <a:sym typeface="+mn-ea"/>
+              </a:rPr>
+              <a:t>3.2</a:t>
+            </a:r>
+            <a:r>
+              <a:rPr lang="zh-CN" altLang="en-US">
+                <a:sym typeface="+mn-ea"/>
+              </a:rPr>
+              <a:t>各代数条件后，即可实现系统的加权一致性。</a:t>
+            </a:r>
+            <a:endParaRPr lang="zh-CN" altLang="en-US">
+              <a:sym typeface="+mn-ea"/>
+            </a:endParaRPr>
+          </a:p>
+          <a:p>
+            <a:pPr lvl="0"/>
+            <a:endParaRPr lang="zh-CN" altLang="en-US">
+              <a:sym typeface="+mn-ea"/>
+            </a:endParaRPr>
+          </a:p>
+          <a:p>
+            <a:pPr lvl="0"/>
+            <a:endParaRPr lang="zh-CN" altLang="en-US"/>
+          </a:p>
+          <a:p>
+            <a:pPr lvl="0"/>
+            <a:endParaRPr lang="zh-CN" altLang="en-US">
+              <a:sym typeface="+mn-ea"/>
+            </a:endParaRPr>
+          </a:p>
+          <a:p>
+            <a:pPr lvl="0"/>
             <a:endParaRPr lang="zh-CN" altLang="en-US"/>
           </a:p>
         </p:txBody>
@@ -1623,6 +1946,66 @@
           <a:bodyPr lIns="91440" tIns="45720" rIns="91440" bIns="45720" anchor="t"/>
           <a:p>
             <a:pPr lvl="0"/>
+            <a:r>
+              <a:rPr lang="zh-CN" altLang="en-US"/>
+              <a:t>同样，在时延影响下二阶连续时间多智能体系统加权一致性理论结果的基础上，我们设置了仿真实验。在满足定理</a:t>
+            </a:r>
+            <a:r>
+              <a:rPr lang="en-US" altLang="zh-CN"/>
+              <a:t>3.2</a:t>
+            </a:r>
+            <a:r>
+              <a:rPr lang="zh-CN" altLang="en-US"/>
+              <a:t>的条件下，随机生成一组数据。同时设置时延</a:t>
+            </a:r>
+            <a:r>
+              <a:rPr lang="en-US" altLang="zh-CN"/>
+              <a:t>t</a:t>
+            </a:r>
+            <a:r>
+              <a:rPr lang="zh-CN" altLang="en-US"/>
+              <a:t>等于</a:t>
+            </a:r>
+            <a:r>
+              <a:rPr lang="en-US" altLang="zh-CN"/>
+              <a:t>0.05</a:t>
+            </a:r>
+            <a:r>
+              <a:rPr lang="zh-CN" altLang="en-US"/>
+              <a:t>，满足定理</a:t>
+            </a:r>
+            <a:r>
+              <a:rPr lang="en-US" altLang="zh-CN"/>
+              <a:t>3.2</a:t>
+            </a:r>
+            <a:r>
+              <a:rPr lang="zh-CN" altLang="en-US"/>
+              <a:t>的关于时延的代数条件限制。通过定理</a:t>
+            </a:r>
+            <a:r>
+              <a:rPr lang="en-US" altLang="zh-CN"/>
+              <a:t>3.2</a:t>
+            </a:r>
+            <a:r>
+              <a:rPr lang="zh-CN" altLang="en-US"/>
+              <a:t>可得，系统理论上最终的收敛状态为</a:t>
+            </a:r>
+            <a:r>
+              <a:rPr lang="en-US" altLang="zh-CN"/>
+              <a:t>10</a:t>
+            </a:r>
+            <a:r>
+              <a:rPr lang="zh-CN" altLang="en-US"/>
+              <a:t>，仿真实验也是收敛到</a:t>
+            </a:r>
+            <a:r>
+              <a:rPr lang="en-US" altLang="zh-CN"/>
+              <a:t>10</a:t>
+            </a:r>
+            <a:r>
+              <a:rPr lang="zh-CN" altLang="en-US"/>
+              <a:t>，因此理论结果和仿真实验结果一致。</a:t>
+            </a:r>
             <a:endParaRPr lang="zh-CN" altLang="en-US"/>
           </a:p>
         </p:txBody>
@@ -1670,6 +2053,94 @@
         <p:spPr/>
         <p:txBody>
           <a:bodyPr lIns="91440" tIns="45720" rIns="91440" bIns="45720" anchor="t"/>
+          <a:p>
+            <a:pPr lvl="0"/>
+            <a:r>
+              <a:rPr lang="zh-CN" altLang="en-US"/>
+              <a:t>同样为了验证在</a:t>
+            </a:r>
+            <a:r>
+              <a:rPr lang="zh-CN" altLang="en-US">
+                <a:sym typeface="+mn-ea"/>
+              </a:rPr>
+              <a:t>不同初始化状态下所得定理</a:t>
+            </a:r>
+            <a:r>
+              <a:rPr lang="en-US" altLang="zh-CN">
+                <a:sym typeface="+mn-ea"/>
+              </a:rPr>
+              <a:t>3.2</a:t>
+            </a:r>
+            <a:r>
+              <a:rPr lang="zh-CN" altLang="en-US">
+                <a:sym typeface="+mn-ea"/>
+              </a:rPr>
+              <a:t>中理论结果的正确性和有效性，设置了如下实验。在满足定理</a:t>
+            </a:r>
+            <a:r>
+              <a:rPr lang="en-US" altLang="zh-CN">
+                <a:sym typeface="+mn-ea"/>
+              </a:rPr>
+              <a:t>3.2</a:t>
+            </a:r>
+            <a:r>
+              <a:rPr lang="zh-CN" altLang="en-US">
+                <a:sym typeface="+mn-ea"/>
+              </a:rPr>
+              <a:t>的条件下，我们再次随机生成了一组数据，根据理论结论，系统应该最终收敛</a:t>
+            </a:r>
+            <a:r>
+              <a:rPr lang="en-US" altLang="zh-CN">
+                <a:sym typeface="+mn-ea"/>
+              </a:rPr>
+              <a:t>20</a:t>
+            </a:r>
+            <a:r>
+              <a:rPr lang="zh-CN" altLang="en-US">
+                <a:sym typeface="+mn-ea"/>
+              </a:rPr>
+              <a:t>，仿真实验也是收敛到</a:t>
+            </a:r>
+            <a:r>
+              <a:rPr lang="en-US" altLang="zh-CN">
+                <a:sym typeface="+mn-ea"/>
+              </a:rPr>
+              <a:t>20.</a:t>
+            </a:r>
+            <a:r>
+              <a:rPr lang="zh-CN" altLang="en-US">
+                <a:sym typeface="+mn-ea"/>
+              </a:rPr>
+              <a:t>理论结果和实验结果再次一致。</a:t>
+            </a:r>
+            <a:endParaRPr lang="zh-CN" altLang="en-US"/>
+          </a:p>
+          <a:p>
+            <a:pPr lvl="0"/>
+            <a:endParaRPr lang="zh-CN" altLang="en-US"/>
+          </a:p>
+          <a:p>
+            <a:pPr lvl="0"/>
+            <a:r>
+              <a:rPr lang="zh-CN" altLang="en-US">
+                <a:sym typeface="+mn-ea"/>
+              </a:rPr>
+              <a:t>于是，实验</a:t>
+            </a:r>
+            <a:r>
+              <a:rPr lang="en-US" altLang="zh-CN">
+                <a:sym typeface="+mn-ea"/>
+              </a:rPr>
+              <a:t>3.2</a:t>
+            </a:r>
+            <a:r>
+              <a:rPr lang="zh-CN" altLang="en-US">
+                <a:sym typeface="+mn-ea"/>
+              </a:rPr>
+              <a:t>的两种情况从正面说明，系统在不同初始化状态下，均可实现加权一致</a:t>
+            </a:r>
+            <a:endParaRPr lang="zh-CN" altLang="en-US"/>
+          </a:p>
           <a:p>
             <a:pPr lvl="0"/>
             <a:endParaRPr lang="zh-CN" altLang="en-US"/>
@@ -1721,6 +2192,86 @@
           <a:bodyPr lIns="91440" tIns="45720" rIns="91440" bIns="45720" anchor="t"/>
           <a:p>
             <a:pPr lvl="0"/>
+            <a:r>
+              <a:rPr lang="zh-CN" altLang="en-US">
+                <a:sym typeface="+mn-ea"/>
+              </a:rPr>
+              <a:t>在实验</a:t>
+            </a:r>
+            <a:r>
+              <a:rPr lang="en-US" altLang="zh-CN">
+                <a:sym typeface="+mn-ea"/>
+              </a:rPr>
+              <a:t>3.2.1</a:t>
+            </a:r>
+            <a:r>
+              <a:rPr lang="zh-CN" altLang="en-US">
+                <a:sym typeface="+mn-ea"/>
+              </a:rPr>
+              <a:t>的基础上，我们设置了反例实验。</a:t>
+            </a:r>
+            <a:endParaRPr lang="zh-CN" altLang="en-US"/>
+          </a:p>
+          <a:p>
+            <a:pPr lvl="0"/>
+            <a:r>
+              <a:rPr lang="zh-CN" altLang="en-US">
+                <a:sym typeface="+mn-ea"/>
+              </a:rPr>
+              <a:t>在不满足满足定理</a:t>
+            </a:r>
+            <a:r>
+              <a:rPr lang="en-US" altLang="zh-CN">
+                <a:sym typeface="+mn-ea"/>
+              </a:rPr>
+              <a:t>3.2</a:t>
+            </a:r>
+            <a:r>
+              <a:rPr lang="zh-CN" altLang="en-US">
+                <a:sym typeface="+mn-ea"/>
+              </a:rPr>
+              <a:t>的条件下，随机生成一组数据。从仿真实验的结果来看，系统最终不能渐进收敛到一致性状态。</a:t>
+            </a:r>
+            <a:endParaRPr lang="zh-CN" altLang="en-US"/>
+          </a:p>
+          <a:p>
+            <a:pPr lvl="0"/>
+            <a:r>
+              <a:rPr lang="zh-CN">
+                <a:sym typeface="+mn-ea"/>
+              </a:rPr>
+              <a:t>因此，</a:t>
+            </a:r>
+            <a:r>
+              <a:rPr>
+                <a:sym typeface="+mn-ea"/>
+              </a:rPr>
+              <a:t>实验</a:t>
+            </a:r>
+            <a:r>
+              <a:rPr lang="en-US">
+                <a:sym typeface="+mn-ea"/>
+              </a:rPr>
+              <a:t>3.1.2</a:t>
+            </a:r>
+            <a:r>
+              <a:rPr>
+                <a:sym typeface="+mn-ea"/>
+              </a:rPr>
+              <a:t>通过反例验证了定理</a:t>
+            </a:r>
+            <a:r>
+              <a:rPr lang="en-US">
+                <a:sym typeface="+mn-ea"/>
+              </a:rPr>
+              <a:t>3.2</a:t>
+            </a:r>
+            <a:r>
+              <a:rPr>
+                <a:sym typeface="+mn-ea"/>
+              </a:rPr>
+              <a:t>的正确性和有效性。</a:t>
+            </a:r>
             <a:endParaRPr lang="zh-CN" altLang="en-US"/>
           </a:p>
         </p:txBody>
@@ -1745,9 +2296,9 @@
       <p:grpSpPr/>
       <p:sp>
         <p:nvSpPr>
-          <p:cNvPr id="25601" name="幻灯片图像占位符 1"/>
+          <p:cNvPr id="13313" name="幻灯片图像占位符 1"/>
           <p:cNvSpPr>
-            <a:spLocks noGrp="1" noRot="1" noChangeAspect="1"/>
+            <a:spLocks noGrp="1" noRot="1"/>
           </p:cNvSpPr>
           <p:nvPr>
             <p:ph type="sldImg"/>
@@ -1757,7 +2308,558 @@
       </p:sp>
       <p:sp>
         <p:nvSpPr>
-          <p:cNvPr id="25602" name="文本占位符 2"/>
+          <p:cNvPr id="13314" name="文本占位符 2"/>
+          <p:cNvSpPr>
+            <a:spLocks noGrp="1"/>
+          </p:cNvSpPr>
+          <p:nvPr>
+            <p:ph type="body"/>
+          </p:nvPr>
+        </p:nvSpPr>
+        <p:spPr/>
+        <p:txBody>
+          <a:bodyPr lIns="91440" tIns="45720" rIns="91440" bIns="45720" anchor="t"/>
+          <a:p>
+            <a:pPr lvl="0"/>
+            <a:r>
+              <a:rPr lang="zh-CN" altLang="en-US">
+                <a:sym typeface="+mn-ea"/>
+              </a:rPr>
+              <a:t>接下来看第三点研究内容：时延影响下的二阶离散时间多智能体系统加权一致性。</a:t>
+            </a:r>
+            <a:endParaRPr lang="zh-CN" altLang="en-US">
+              <a:sym typeface="+mn-ea"/>
+            </a:endParaRPr>
+          </a:p>
+          <a:p>
+            <a:pPr lvl="0"/>
+            <a:endParaRPr lang="zh-CN" altLang="en-US">
+              <a:sym typeface="+mn-ea"/>
+            </a:endParaRPr>
+          </a:p>
+          <a:p>
+            <a:pPr lvl="0"/>
+            <a:endParaRPr lang="zh-CN" altLang="en-US"/>
+          </a:p>
+        </p:txBody>
+      </p:sp>
+    </p:spTree>
+  </p:cSld>
+  <p:clrMapOvr>
+    <a:masterClrMapping/>
+  </p:clrMapOvr>
+</p:notes>
+</file>
+
+<file path=ppt/notesSlides/notesSlide25.xml><?xml version="1.0" encoding="utf-8"?>
+<p:notes xmlns:a="http://schemas.openxmlformats.org/drawingml/2006/main" xmlns:r="http://schemas.openxmlformats.org/officeDocument/2006/relationships" xmlns:p="http://schemas.openxmlformats.org/presentationml/2006/main">
+  <p:cSld>
+    <p:spTree>
+      <p:nvGrpSpPr>
+        <p:cNvPr id="1" name=""/>
+        <p:cNvGrpSpPr/>
+        <p:nvPr/>
+      </p:nvGrpSpPr>
+      <p:grpSpPr/>
+      <p:sp>
+        <p:nvSpPr>
+          <p:cNvPr id="13313" name="幻灯片图像占位符 1"/>
+          <p:cNvSpPr>
+            <a:spLocks noGrp="1" noRot="1"/>
+          </p:cNvSpPr>
+          <p:nvPr>
+            <p:ph type="sldImg"/>
+          </p:nvPr>
+        </p:nvSpPr>
+        <p:spPr/>
+      </p:sp>
+      <p:sp>
+        <p:nvSpPr>
+          <p:cNvPr id="13314" name="文本占位符 2"/>
+          <p:cNvSpPr>
+            <a:spLocks noGrp="1"/>
+          </p:cNvSpPr>
+          <p:nvPr>
+            <p:ph type="body"/>
+          </p:nvPr>
+        </p:nvSpPr>
+        <p:spPr/>
+        <p:txBody>
+          <a:bodyPr lIns="91440" tIns="45720" rIns="91440" bIns="45720" anchor="t"/>
+          <a:p>
+            <a:pPr lvl="0"/>
+            <a:r>
+              <a:rPr lang="zh-CN" altLang="en-US">
+                <a:sym typeface="+mn-ea"/>
+              </a:rPr>
+              <a:t>控制协议如下所示，在该控制协议作用下，满足定理</a:t>
+            </a:r>
+            <a:r>
+              <a:rPr lang="en-US" altLang="zh-CN">
+                <a:sym typeface="+mn-ea"/>
+              </a:rPr>
+              <a:t>3.3</a:t>
+            </a:r>
+            <a:r>
+              <a:rPr lang="zh-CN" altLang="en-US">
+                <a:sym typeface="+mn-ea"/>
+              </a:rPr>
+              <a:t>中的代数条件，系统可达到加权一致。</a:t>
+            </a:r>
+            <a:endParaRPr lang="zh-CN" altLang="en-US">
+              <a:sym typeface="+mn-ea"/>
+            </a:endParaRPr>
+          </a:p>
+          <a:p>
+            <a:pPr lvl="0"/>
+            <a:endParaRPr lang="zh-CN" altLang="en-US">
+              <a:sym typeface="+mn-ea"/>
+            </a:endParaRPr>
+          </a:p>
+          <a:p>
+            <a:pPr lvl="0"/>
+            <a:endParaRPr lang="zh-CN" altLang="en-US"/>
+          </a:p>
+        </p:txBody>
+      </p:sp>
+    </p:spTree>
+  </p:cSld>
+  <p:clrMapOvr>
+    <a:masterClrMapping/>
+  </p:clrMapOvr>
+</p:notes>
+</file>
+
+<file path=ppt/notesSlides/notesSlide26.xml><?xml version="1.0" encoding="utf-8"?>
+<p:notes xmlns:a="http://schemas.openxmlformats.org/drawingml/2006/main" xmlns:r="http://schemas.openxmlformats.org/officeDocument/2006/relationships" xmlns:p="http://schemas.openxmlformats.org/presentationml/2006/main">
+  <p:cSld>
+    <p:spTree>
+      <p:nvGrpSpPr>
+        <p:cNvPr id="1" name=""/>
+        <p:cNvGrpSpPr/>
+        <p:nvPr/>
+      </p:nvGrpSpPr>
+      <p:grpSpPr/>
+      <p:sp>
+        <p:nvSpPr>
+          <p:cNvPr id="13313" name="幻灯片图像占位符 1"/>
+          <p:cNvSpPr>
+            <a:spLocks noGrp="1" noRot="1"/>
+          </p:cNvSpPr>
+          <p:nvPr>
+            <p:ph type="sldImg"/>
+          </p:nvPr>
+        </p:nvSpPr>
+        <p:spPr/>
+      </p:sp>
+      <p:sp>
+        <p:nvSpPr>
+          <p:cNvPr id="13314" name="文本占位符 2"/>
+          <p:cNvSpPr>
+            <a:spLocks noGrp="1"/>
+          </p:cNvSpPr>
+          <p:nvPr>
+            <p:ph type="body"/>
+          </p:nvPr>
+        </p:nvSpPr>
+        <p:spPr/>
+        <p:txBody>
+          <a:bodyPr lIns="91440" tIns="45720" rIns="91440" bIns="45720" anchor="t"/>
+          <a:p>
+            <a:pPr lvl="0"/>
+            <a:r>
+              <a:rPr lang="zh-CN" altLang="en-US">
+                <a:sym typeface="+mn-ea"/>
+              </a:rPr>
+              <a:t>同样，在时延影响下二阶离散系统加权一致性理论结果的基础上，我们设置了仿真实验。在满足定理</a:t>
+            </a:r>
+            <a:r>
+              <a:rPr lang="en-US" altLang="zh-CN">
+                <a:sym typeface="+mn-ea"/>
+              </a:rPr>
+              <a:t>3.2</a:t>
+            </a:r>
+            <a:r>
+              <a:rPr lang="zh-CN" altLang="en-US">
+                <a:sym typeface="+mn-ea"/>
+              </a:rPr>
+              <a:t>的条件下，随机生成一组数据。同时设置时延</a:t>
+            </a:r>
+            <a:r>
+              <a:rPr lang="en-US" altLang="zh-CN">
+                <a:sym typeface="+mn-ea"/>
+              </a:rPr>
+              <a:t>t</a:t>
+            </a:r>
+            <a:r>
+              <a:rPr lang="zh-CN" altLang="en-US">
+                <a:sym typeface="+mn-ea"/>
+              </a:rPr>
+              <a:t>等于</a:t>
+            </a:r>
+            <a:r>
+              <a:rPr lang="en-US" altLang="zh-CN">
+                <a:sym typeface="+mn-ea"/>
+              </a:rPr>
+              <a:t>0.5</a:t>
+            </a:r>
+            <a:r>
+              <a:rPr lang="zh-CN" altLang="en-US">
+                <a:sym typeface="+mn-ea"/>
+              </a:rPr>
+              <a:t>，满足定理</a:t>
+            </a:r>
+            <a:r>
+              <a:rPr lang="en-US" altLang="zh-CN">
+                <a:sym typeface="+mn-ea"/>
+              </a:rPr>
+              <a:t>3.2</a:t>
+            </a:r>
+            <a:r>
+              <a:rPr lang="zh-CN" altLang="en-US">
+                <a:sym typeface="+mn-ea"/>
+              </a:rPr>
+              <a:t>的关于时延的代数条件限制。通过定理</a:t>
+            </a:r>
+            <a:r>
+              <a:rPr lang="en-US" altLang="zh-CN">
+                <a:sym typeface="+mn-ea"/>
+              </a:rPr>
+              <a:t>3.3</a:t>
+            </a:r>
+            <a:r>
+              <a:rPr lang="zh-CN" altLang="en-US">
+                <a:sym typeface="+mn-ea"/>
+              </a:rPr>
+              <a:t>可得，系统理论上最终的收敛状态为</a:t>
+            </a:r>
+            <a:r>
+              <a:rPr lang="en-US" altLang="zh-CN">
+                <a:sym typeface="+mn-ea"/>
+              </a:rPr>
+              <a:t>10</a:t>
+            </a:r>
+            <a:r>
+              <a:rPr lang="zh-CN" altLang="en-US">
+                <a:sym typeface="+mn-ea"/>
+              </a:rPr>
+              <a:t>，仿真实验也是收敛到</a:t>
+            </a:r>
+            <a:r>
+              <a:rPr lang="en-US" altLang="zh-CN">
+                <a:sym typeface="+mn-ea"/>
+              </a:rPr>
+              <a:t>10</a:t>
+            </a:r>
+            <a:r>
+              <a:rPr lang="zh-CN" altLang="en-US">
+                <a:sym typeface="+mn-ea"/>
+              </a:rPr>
+              <a:t>，因此理论结果和仿真实验结果一致。</a:t>
+            </a:r>
+            <a:endParaRPr lang="zh-CN" altLang="en-US"/>
+          </a:p>
+        </p:txBody>
+      </p:sp>
+    </p:spTree>
+  </p:cSld>
+  <p:clrMapOvr>
+    <a:masterClrMapping/>
+  </p:clrMapOvr>
+</p:notes>
+</file>
+
+<file path=ppt/notesSlides/notesSlide27.xml><?xml version="1.0" encoding="utf-8"?>
+<p:notes xmlns:a="http://schemas.openxmlformats.org/drawingml/2006/main" xmlns:r="http://schemas.openxmlformats.org/officeDocument/2006/relationships" xmlns:p="http://schemas.openxmlformats.org/presentationml/2006/main">
+  <p:cSld>
+    <p:spTree>
+      <p:nvGrpSpPr>
+        <p:cNvPr id="1" name=""/>
+        <p:cNvGrpSpPr/>
+        <p:nvPr/>
+      </p:nvGrpSpPr>
+      <p:grpSpPr/>
+      <p:sp>
+        <p:nvSpPr>
+          <p:cNvPr id="13313" name="幻灯片图像占位符 1"/>
+          <p:cNvSpPr>
+            <a:spLocks noGrp="1" noRot="1"/>
+          </p:cNvSpPr>
+          <p:nvPr>
+            <p:ph type="sldImg"/>
+          </p:nvPr>
+        </p:nvSpPr>
+        <p:spPr/>
+      </p:sp>
+      <p:sp>
+        <p:nvSpPr>
+          <p:cNvPr id="13314" name="文本占位符 2"/>
+          <p:cNvSpPr>
+            <a:spLocks noGrp="1"/>
+          </p:cNvSpPr>
+          <p:nvPr>
+            <p:ph type="body"/>
+          </p:nvPr>
+        </p:nvSpPr>
+        <p:spPr/>
+        <p:txBody>
+          <a:bodyPr lIns="91440" tIns="45720" rIns="91440" bIns="45720" anchor="t"/>
+          <a:p>
+            <a:pPr lvl="0"/>
+            <a:r>
+              <a:rPr lang="zh-CN" altLang="en-US">
+                <a:sym typeface="+mn-ea"/>
+              </a:rPr>
+              <a:t>依然是为了验证在</a:t>
+            </a:r>
+            <a:r>
+              <a:rPr lang="zh-CN" altLang="en-US">
+                <a:sym typeface="+mn-ea"/>
+              </a:rPr>
+              <a:t>不同初始化状态下所得定理</a:t>
+            </a:r>
+            <a:r>
+              <a:rPr lang="en-US" altLang="zh-CN">
+                <a:sym typeface="+mn-ea"/>
+              </a:rPr>
+              <a:t>3.3</a:t>
+            </a:r>
+            <a:r>
+              <a:rPr lang="zh-CN" altLang="en-US">
+                <a:sym typeface="+mn-ea"/>
+              </a:rPr>
+              <a:t>中理论结果的正确性和有效性，设置了如下实验。在满足定理</a:t>
+            </a:r>
+            <a:r>
+              <a:rPr lang="en-US" altLang="zh-CN">
+                <a:sym typeface="+mn-ea"/>
+              </a:rPr>
+              <a:t>3.3</a:t>
+            </a:r>
+            <a:r>
+              <a:rPr lang="zh-CN" altLang="en-US">
+                <a:sym typeface="+mn-ea"/>
+              </a:rPr>
+              <a:t>的条件下，我们再次随机生成了一组数据，根据理论结论，系统应该最终收敛</a:t>
+            </a:r>
+            <a:r>
+              <a:rPr lang="en-US" altLang="zh-CN">
+                <a:sym typeface="+mn-ea"/>
+              </a:rPr>
+              <a:t>20</a:t>
+            </a:r>
+            <a:r>
+              <a:rPr lang="zh-CN" altLang="en-US">
+                <a:sym typeface="+mn-ea"/>
+              </a:rPr>
+              <a:t>，仿真实验也是收敛到</a:t>
+            </a:r>
+            <a:r>
+              <a:rPr lang="en-US" altLang="zh-CN">
+                <a:sym typeface="+mn-ea"/>
+              </a:rPr>
+              <a:t>20.</a:t>
+            </a:r>
+            <a:r>
+              <a:rPr lang="zh-CN" altLang="en-US">
+                <a:sym typeface="+mn-ea"/>
+              </a:rPr>
+              <a:t>理论结果和实验结果再次一致。</a:t>
+            </a:r>
+            <a:endParaRPr lang="zh-CN" altLang="en-US">
+              <a:sym typeface="+mn-ea"/>
+            </a:endParaRPr>
+          </a:p>
+          <a:p>
+            <a:pPr lvl="0"/>
+            <a:endParaRPr lang="zh-CN" altLang="en-US"/>
+          </a:p>
+          <a:p>
+            <a:pPr lvl="0"/>
+            <a:r>
+              <a:rPr lang="zh-CN" altLang="en-US">
+                <a:sym typeface="+mn-ea"/>
+              </a:rPr>
+              <a:t>于是，实验</a:t>
+            </a:r>
+            <a:r>
+              <a:rPr lang="en-US" altLang="zh-CN">
+                <a:sym typeface="+mn-ea"/>
+              </a:rPr>
+              <a:t>3.3.1</a:t>
+            </a:r>
+            <a:r>
+              <a:rPr lang="zh-CN" altLang="en-US">
+                <a:sym typeface="+mn-ea"/>
+              </a:rPr>
+              <a:t>的两种情况从正面说明，系统在不同初始化状态下，均可实现加权一致</a:t>
+            </a:r>
+            <a:endParaRPr lang="zh-CN" altLang="en-US"/>
+          </a:p>
+        </p:txBody>
+      </p:sp>
+    </p:spTree>
+  </p:cSld>
+  <p:clrMapOvr>
+    <a:masterClrMapping/>
+  </p:clrMapOvr>
+</p:notes>
+</file>
+
+<file path=ppt/notesSlides/notesSlide28.xml><?xml version="1.0" encoding="utf-8"?>
+<p:notes xmlns:a="http://schemas.openxmlformats.org/drawingml/2006/main" xmlns:r="http://schemas.openxmlformats.org/officeDocument/2006/relationships" xmlns:p="http://schemas.openxmlformats.org/presentationml/2006/main">
+  <p:cSld>
+    <p:spTree>
+      <p:nvGrpSpPr>
+        <p:cNvPr id="1" name=""/>
+        <p:cNvGrpSpPr/>
+        <p:nvPr/>
+      </p:nvGrpSpPr>
+      <p:grpSpPr/>
+      <p:sp>
+        <p:nvSpPr>
+          <p:cNvPr id="13313" name="幻灯片图像占位符 1"/>
+          <p:cNvSpPr>
+            <a:spLocks noGrp="1" noRot="1"/>
+          </p:cNvSpPr>
+          <p:nvPr>
+            <p:ph type="sldImg"/>
+          </p:nvPr>
+        </p:nvSpPr>
+        <p:spPr/>
+      </p:sp>
+      <p:sp>
+        <p:nvSpPr>
+          <p:cNvPr id="13314" name="文本占位符 2"/>
+          <p:cNvSpPr>
+            <a:spLocks noGrp="1"/>
+          </p:cNvSpPr>
+          <p:nvPr>
+            <p:ph type="body"/>
+          </p:nvPr>
+        </p:nvSpPr>
+        <p:spPr/>
+        <p:txBody>
+          <a:bodyPr lIns="91440" tIns="45720" rIns="91440" bIns="45720" anchor="t"/>
+          <a:p>
+            <a:pPr lvl="0"/>
+            <a:r>
+              <a:rPr lang="zh-CN" altLang="en-US">
+                <a:sym typeface="+mn-ea"/>
+              </a:rPr>
+              <a:t>在实验</a:t>
+            </a:r>
+            <a:r>
+              <a:rPr lang="en-US" altLang="zh-CN">
+                <a:sym typeface="+mn-ea"/>
+              </a:rPr>
+              <a:t>3.3.1</a:t>
+            </a:r>
+            <a:r>
+              <a:rPr lang="zh-CN" altLang="en-US">
+                <a:sym typeface="+mn-ea"/>
+              </a:rPr>
+              <a:t>的基础上，我们设置了反例实验。</a:t>
+            </a:r>
+            <a:endParaRPr lang="zh-CN" altLang="en-US"/>
+          </a:p>
+          <a:p>
+            <a:pPr lvl="0"/>
+            <a:r>
+              <a:rPr lang="zh-CN" altLang="en-US">
+                <a:sym typeface="+mn-ea"/>
+              </a:rPr>
+              <a:t>在不满足满足定理</a:t>
+            </a:r>
+            <a:r>
+              <a:rPr lang="en-US" altLang="zh-CN">
+                <a:sym typeface="+mn-ea"/>
+              </a:rPr>
+              <a:t>3.3</a:t>
+            </a:r>
+            <a:r>
+              <a:rPr lang="zh-CN" altLang="en-US">
+                <a:sym typeface="+mn-ea"/>
+              </a:rPr>
+              <a:t>的条件下，随机生成一组数据。从仿真实验的结果来看，系统最终不能渐进收敛到一致性状态。</a:t>
+            </a:r>
+            <a:endParaRPr lang="zh-CN" altLang="en-US"/>
+          </a:p>
+          <a:p>
+            <a:pPr lvl="0"/>
+            <a:r>
+              <a:rPr lang="zh-CN">
+                <a:sym typeface="+mn-ea"/>
+              </a:rPr>
+              <a:t>因此，</a:t>
+            </a:r>
+            <a:r>
+              <a:rPr>
+                <a:sym typeface="+mn-ea"/>
+              </a:rPr>
+              <a:t>实验</a:t>
+            </a:r>
+            <a:r>
+              <a:rPr lang="en-US">
+                <a:sym typeface="+mn-ea"/>
+              </a:rPr>
+              <a:t>3.1.2</a:t>
+            </a:r>
+            <a:r>
+              <a:rPr>
+                <a:sym typeface="+mn-ea"/>
+              </a:rPr>
+              <a:t>通过反例验证了定理</a:t>
+            </a:r>
+            <a:r>
+              <a:rPr lang="en-US">
+                <a:sym typeface="+mn-ea"/>
+              </a:rPr>
+              <a:t>3.2</a:t>
+            </a:r>
+            <a:r>
+              <a:rPr>
+                <a:sym typeface="+mn-ea"/>
+              </a:rPr>
+              <a:t>的正确性和有效性。</a:t>
+            </a:r>
+            <a:endParaRPr lang="zh-CN" altLang="en-US"/>
+          </a:p>
+        </p:txBody>
+      </p:sp>
+    </p:spTree>
+  </p:cSld>
+  <p:clrMapOvr>
+    <a:masterClrMapping/>
+  </p:clrMapOvr>
+</p:notes>
+</file>
+
+<file path=ppt/notesSlides/notesSlide29.xml><?xml version="1.0" encoding="utf-8"?>
+<p:notes xmlns:a="http://schemas.openxmlformats.org/drawingml/2006/main" xmlns:r="http://schemas.openxmlformats.org/officeDocument/2006/relationships" xmlns:p="http://schemas.openxmlformats.org/presentationml/2006/main">
+  <p:cSld>
+    <p:spTree>
+      <p:nvGrpSpPr>
+        <p:cNvPr id="1" name=""/>
+        <p:cNvGrpSpPr/>
+        <p:nvPr/>
+      </p:nvGrpSpPr>
+      <p:grpSpPr/>
+      <p:sp>
+        <p:nvSpPr>
+          <p:cNvPr id="13313" name="幻灯片图像占位符 1"/>
+          <p:cNvSpPr>
+            <a:spLocks noGrp="1" noRot="1"/>
+          </p:cNvSpPr>
+          <p:nvPr>
+            <p:ph type="sldImg"/>
+          </p:nvPr>
+        </p:nvSpPr>
+        <p:spPr/>
+      </p:sp>
+      <p:sp>
+        <p:nvSpPr>
+          <p:cNvPr id="13314" name="文本占位符 2"/>
           <p:cNvSpPr>
             <a:spLocks noGrp="1"/>
           </p:cNvSpPr>
@@ -1814,6 +2916,12 @@
         <p:txBody>
           <a:bodyPr/>
           <a:p>
+            <a:r>
+              <a:rPr lang="zh-CN" altLang="en-US">
+                <a:sym typeface="+mn-ea"/>
+              </a:rPr>
+              <a:t>首先看第一部分： 研究背景。</a:t>
+            </a:r>
             <a:endParaRPr lang="zh-CN" altLang="en-US"/>
           </a:p>
         </p:txBody>
@@ -1826,7 +2934,55 @@
 </p:notes>
 </file>
 
-<file path=ppt/notesSlides/notesSlide4.xml><?xml version="1.0" encoding="utf-8"?>
+<file path=ppt/notesSlides/notesSlide30.xml><?xml version="1.0" encoding="utf-8"?>
+<p:notes xmlns:a="http://schemas.openxmlformats.org/drawingml/2006/main" xmlns:r="http://schemas.openxmlformats.org/officeDocument/2006/relationships" xmlns:p="http://schemas.openxmlformats.org/presentationml/2006/main">
+  <p:cSld>
+    <p:spTree>
+      <p:nvGrpSpPr>
+        <p:cNvPr id="1" name=""/>
+        <p:cNvGrpSpPr/>
+        <p:nvPr/>
+      </p:nvGrpSpPr>
+      <p:grpSpPr/>
+      <p:sp>
+        <p:nvSpPr>
+          <p:cNvPr id="2" name="幻灯片图像占位符 1"/>
+          <p:cNvSpPr/>
+          <p:nvPr>
+            <p:ph type="sldImg"/>
+          </p:nvPr>
+        </p:nvSpPr>
+        <p:spPr/>
+      </p:sp>
+      <p:sp>
+        <p:nvSpPr>
+          <p:cNvPr id="3" name="文本占位符 2"/>
+          <p:cNvSpPr/>
+          <p:nvPr>
+            <p:ph type="body"/>
+          </p:nvPr>
+        </p:nvSpPr>
+        <p:spPr/>
+        <p:txBody>
+          <a:bodyPr/>
+          <a:p>
+            <a:r>
+              <a:rPr lang="zh-CN" altLang="en-US"/>
+              <a:t>我们所做的工作大致可总结为以下三点：</a:t>
+            </a:r>
+            <a:endParaRPr lang="zh-CN" altLang="en-US"/>
+          </a:p>
+        </p:txBody>
+      </p:sp>
+    </p:spTree>
+  </p:cSld>
+  <p:clrMapOvr>
+    <a:masterClrMapping/>
+  </p:clrMapOvr>
+</p:notes>
+</file>
+
+<file path=ppt/notesSlides/notesSlide31.xml><?xml version="1.0" encoding="utf-8"?>
 <p:notes xmlns:a="http://schemas.openxmlformats.org/drawingml/2006/main" xmlns:r="http://schemas.openxmlformats.org/officeDocument/2006/relationships" xmlns:p="http://schemas.openxmlformats.org/presentationml/2006/main">
   <p:cSld>
     <p:spTree>
@@ -1863,138 +3019,152 @@
           <a:bodyPr lIns="91440" tIns="45720" rIns="91440" bIns="45720" anchor="t"/>
           <a:p>
             <a:pPr lvl="0"/>
-            <a:endParaRPr lang="zh-CN" altLang="en-US" dirty="0">
-              <a:solidFill>
-                <a:srgbClr val="FF0000"/>
-              </a:solidFill>
-            </a:endParaRPr>
+            <a:endParaRPr lang="zh-CN" altLang="en-US"/>
           </a:p>
+        </p:txBody>
+      </p:sp>
+    </p:spTree>
+  </p:cSld>
+  <p:clrMapOvr>
+    <a:masterClrMapping/>
+  </p:clrMapOvr>
+</p:notes>
+</file>
+
+<file path=ppt/notesSlides/notesSlide32.xml><?xml version="1.0" encoding="utf-8"?>
+<p:notes xmlns:a="http://schemas.openxmlformats.org/drawingml/2006/main" xmlns:r="http://schemas.openxmlformats.org/officeDocument/2006/relationships" xmlns:p="http://schemas.openxmlformats.org/presentationml/2006/main">
+  <p:cSld>
+    <p:spTree>
+      <p:nvGrpSpPr>
+        <p:cNvPr id="1" name=""/>
+        <p:cNvGrpSpPr/>
+        <p:nvPr/>
+      </p:nvGrpSpPr>
+      <p:grpSpPr/>
+      <p:sp>
+        <p:nvSpPr>
+          <p:cNvPr id="13313" name="幻灯片图像占位符 1"/>
+          <p:cNvSpPr>
+            <a:spLocks noGrp="1" noRot="1"/>
+          </p:cNvSpPr>
+          <p:nvPr>
+            <p:ph type="sldImg"/>
+          </p:nvPr>
+        </p:nvSpPr>
+        <p:spPr/>
+      </p:sp>
+      <p:sp>
+        <p:nvSpPr>
+          <p:cNvPr id="13314" name="文本占位符 2"/>
+          <p:cNvSpPr>
+            <a:spLocks noGrp="1"/>
+          </p:cNvSpPr>
+          <p:nvPr>
+            <p:ph type="body"/>
+          </p:nvPr>
+        </p:nvSpPr>
+        <p:spPr/>
+        <p:txBody>
+          <a:bodyPr lIns="91440" tIns="45720" rIns="91440" bIns="45720" anchor="t"/>
           <a:p>
             <a:pPr lvl="0"/>
-            <a:r>
-              <a:rPr lang="zh-CN" altLang="en-US" dirty="0">
-                <a:solidFill>
-                  <a:srgbClr val="161616"/>
-                </a:solidFill>
-                <a:latin typeface="Arial" panose="020B0604020202020204" pitchFamily="34" charset="0"/>
-                <a:ea typeface="楷体_GB2312" pitchFamily="49" charset="-122"/>
-                <a:sym typeface="宋体" panose="02010600030101010101" pitchFamily="2" charset="-122"/>
-              </a:rPr>
-              <a:t>提出了加权一致性的概念, 设计了一类分散协调控制器,使在该控制器下多智能体达到加权平均一致性。但是没有研究时滞和二阶多智能体系统。</a:t>
-            </a:r>
-            <a:endParaRPr lang="zh-CN" altLang="en-US" dirty="0">
-              <a:solidFill>
-                <a:srgbClr val="161616"/>
-              </a:solidFill>
-              <a:latin typeface="Arial" panose="020B0604020202020204" pitchFamily="34" charset="0"/>
-              <a:ea typeface="楷体_GB2312" pitchFamily="49" charset="-122"/>
-              <a:sym typeface="宋体" panose="02010600030101010101" pitchFamily="2" charset="-122"/>
-            </a:endParaRPr>
+            <a:endParaRPr lang="zh-CN" altLang="en-US"/>
           </a:p>
+        </p:txBody>
+      </p:sp>
+    </p:spTree>
+  </p:cSld>
+  <p:clrMapOvr>
+    <a:masterClrMapping/>
+  </p:clrMapOvr>
+</p:notes>
+</file>
+
+<file path=ppt/notesSlides/notesSlide33.xml><?xml version="1.0" encoding="utf-8"?>
+<p:notes xmlns:a="http://schemas.openxmlformats.org/drawingml/2006/main" xmlns:r="http://schemas.openxmlformats.org/officeDocument/2006/relationships" xmlns:p="http://schemas.openxmlformats.org/presentationml/2006/main">
+  <p:cSld>
+    <p:spTree>
+      <p:nvGrpSpPr>
+        <p:cNvPr id="1" name=""/>
+        <p:cNvGrpSpPr/>
+        <p:nvPr/>
+      </p:nvGrpSpPr>
+      <p:grpSpPr/>
+      <p:sp>
+        <p:nvSpPr>
+          <p:cNvPr id="25601" name="幻灯片图像占位符 1"/>
+          <p:cNvSpPr>
+            <a:spLocks noGrp="1" noRot="1" noChangeAspect="1"/>
+          </p:cNvSpPr>
+          <p:nvPr>
+            <p:ph type="sldImg"/>
+          </p:nvPr>
+        </p:nvSpPr>
+        <p:spPr/>
+      </p:sp>
+      <p:sp>
+        <p:nvSpPr>
+          <p:cNvPr id="25602" name="文本占位符 2"/>
+          <p:cNvSpPr>
+            <a:spLocks noGrp="1"/>
+          </p:cNvSpPr>
+          <p:nvPr>
+            <p:ph type="body"/>
+          </p:nvPr>
+        </p:nvSpPr>
+        <p:spPr/>
+        <p:txBody>
+          <a:bodyPr lIns="91440" tIns="45720" rIns="91440" bIns="45720" anchor="t"/>
           <a:p>
             <a:pPr lvl="0"/>
-            <a:r>
-              <a:rPr lang="zh-CN" altLang="en-US" dirty="0">
-                <a:solidFill>
-                  <a:srgbClr val="161616"/>
-                </a:solidFill>
-                <a:latin typeface="Arial" panose="020B0604020202020204" pitchFamily="34" charset="0"/>
-                <a:ea typeface="楷体_GB2312" pitchFamily="49" charset="-122"/>
-                <a:sym typeface="宋体" panose="02010600030101010101" pitchFamily="2" charset="-122"/>
-              </a:rPr>
-              <a:t>考虑时延情况下智能体的加权平均一致问题,设计了线性与非线性两种控制器, 并给出了线性控制器下系统可容忍的最大时延上界.但是只针对一阶系统进行了研究。</a:t>
-            </a:r>
-            <a:endParaRPr lang="zh-CN" altLang="en-US" dirty="0">
-              <a:solidFill>
-                <a:srgbClr val="161616"/>
-              </a:solidFill>
-              <a:latin typeface="Arial" panose="020B0604020202020204" pitchFamily="34" charset="0"/>
-              <a:ea typeface="楷体_GB2312" pitchFamily="49" charset="-122"/>
-              <a:sym typeface="宋体" panose="02010600030101010101" pitchFamily="2" charset="-122"/>
-            </a:endParaRPr>
+            <a:endParaRPr lang="zh-CN" altLang="en-US"/>
           </a:p>
+        </p:txBody>
+      </p:sp>
+    </p:spTree>
+  </p:cSld>
+  <p:clrMapOvr>
+    <a:masterClrMapping/>
+  </p:clrMapOvr>
+</p:notes>
+</file>
+
+<file path=ppt/notesSlides/notesSlide4.xml><?xml version="1.0" encoding="utf-8"?>
+<p:notes xmlns:a="http://schemas.openxmlformats.org/drawingml/2006/main" xmlns:r="http://schemas.openxmlformats.org/officeDocument/2006/relationships" xmlns:p="http://schemas.openxmlformats.org/presentationml/2006/main">
+  <p:cSld>
+    <p:spTree>
+      <p:nvGrpSpPr>
+        <p:cNvPr id="1" name=""/>
+        <p:cNvGrpSpPr/>
+        <p:nvPr/>
+      </p:nvGrpSpPr>
+      <p:grpSpPr/>
+      <p:sp>
+        <p:nvSpPr>
+          <p:cNvPr id="2" name="幻灯片图像占位符 1"/>
+          <p:cNvSpPr/>
+          <p:nvPr>
+            <p:ph type="sldImg"/>
+          </p:nvPr>
+        </p:nvSpPr>
+        <p:spPr/>
+      </p:sp>
+      <p:sp>
+        <p:nvSpPr>
+          <p:cNvPr id="3" name="文本占位符 2"/>
+          <p:cNvSpPr/>
+          <p:nvPr>
+            <p:ph type="body"/>
+          </p:nvPr>
+        </p:nvSpPr>
+        <p:spPr/>
+        <p:txBody>
+          <a:bodyPr/>
           <a:p>
-            <a:pPr lvl="0"/>
-            <a:r>
-              <a:rPr lang="zh-CN" altLang="zh-CN" dirty="0">
-                <a:solidFill>
-                  <a:srgbClr val="161616"/>
-                </a:solidFill>
-                <a:latin typeface="Arial" panose="020B0604020202020204" pitchFamily="34" charset="0"/>
-                <a:ea typeface="楷体_GB2312" pitchFamily="49" charset="-122"/>
-                <a:sym typeface="宋体" panose="02010600030101010101" pitchFamily="2" charset="-122"/>
-              </a:rPr>
-              <a:t>考虑时延情况下智能体的加权分组一致性，设计了基于竞争关系的分散协调控制协议。并给出系统可以容忍的最大时延上界。但是只是针对一阶系统进行研究。</a:t>
-            </a:r>
-            <a:endParaRPr lang="zh-CN" altLang="zh-CN" dirty="0">
-              <a:solidFill>
-                <a:srgbClr val="161616"/>
-              </a:solidFill>
-              <a:latin typeface="Arial" panose="020B0604020202020204" pitchFamily="34" charset="0"/>
-              <a:ea typeface="楷体_GB2312" pitchFamily="49" charset="-122"/>
-            </a:endParaRPr>
-          </a:p>
-          <a:p>
-            <a:pPr lvl="0"/>
-            <a:endParaRPr lang="zh-CN" altLang="en-US" dirty="0">
-              <a:solidFill>
-                <a:srgbClr val="161616"/>
-              </a:solidFill>
-              <a:latin typeface="Arial" panose="020B0604020202020204" pitchFamily="34" charset="0"/>
-              <a:ea typeface="楷体_GB2312" pitchFamily="49" charset="-122"/>
-            </a:endParaRPr>
-          </a:p>
-          <a:p>
-            <a:pPr lvl="0"/>
-            <a:r>
-              <a:rPr lang="en-US" altLang="zh-CN" dirty="0">
-                <a:solidFill>
-                  <a:srgbClr val="161616"/>
-                </a:solidFill>
-                <a:latin typeface="Arial" panose="020B0604020202020204" pitchFamily="34" charset="0"/>
-                <a:ea typeface="楷体_GB2312" pitchFamily="49" charset="-122"/>
-                <a:sym typeface="+mn-ea"/>
-              </a:rPr>
-              <a:t>Zhang Tiecheng,Yu Hui. Average Consensus in Networks of Multi-Agent with Multiple Time-Varying Delays. International Journal of Communications.</a:t>
-            </a:r>
-            <a:endParaRPr lang="zh-CN" altLang="en-US" dirty="0">
-              <a:solidFill>
-                <a:srgbClr val="161616"/>
-              </a:solidFill>
-              <a:latin typeface="Arial" panose="020B0604020202020204" pitchFamily="34" charset="0"/>
-              <a:ea typeface="楷体_GB2312" pitchFamily="49" charset="-122"/>
-            </a:endParaRPr>
-          </a:p>
-          <a:p>
-            <a:pPr lvl="0"/>
-            <a:endParaRPr lang="zh-CN" altLang="en-US" dirty="0">
-              <a:solidFill>
-                <a:srgbClr val="161616"/>
-              </a:solidFill>
-              <a:latin typeface="Arial" panose="020B0604020202020204" pitchFamily="34" charset="0"/>
-              <a:ea typeface="楷体_GB2312" pitchFamily="49" charset="-122"/>
-            </a:endParaRPr>
-          </a:p>
-          <a:p>
-            <a:pPr lvl="0"/>
-            <a:endParaRPr lang="zh-CN" altLang="en-US" dirty="0">
-              <a:solidFill>
-                <a:srgbClr val="161616"/>
-              </a:solidFill>
-              <a:latin typeface="Arial" panose="020B0604020202020204" pitchFamily="34" charset="0"/>
-              <a:ea typeface="楷体_GB2312" pitchFamily="49" charset="-122"/>
-            </a:endParaRPr>
-          </a:p>
-          <a:p>
-            <a:pPr lvl="0"/>
-            <a:endParaRPr lang="zh-CN" altLang="en-US" dirty="0">
-              <a:solidFill>
-                <a:srgbClr val="FF0000"/>
-              </a:solidFill>
-            </a:endParaRPr>
-          </a:p>
-          <a:p>
-            <a:pPr lvl="0"/>
+            <a:r>
+              <a:rPr lang="zh-CN" altLang="en-US"/>
+              <a:t>自然界中存在着很多的生物集群现象，比如鱼类的捕食，蚁群的群集，萤火虫的同步闪烁，鸟类的迁徙等。那么，为什么要研究这些现象呢？</a:t>
+            </a:r>
             <a:endParaRPr lang="zh-CN" altLang="en-US"/>
           </a:p>
         </p:txBody>
@@ -2041,92 +3211,15 @@
           <a:p>
             <a:r>
               <a:rPr lang="zh-CN" altLang="en-US"/>
-              <a:t>创新点：</a:t>
+              <a:t>生物学家。。。。， 物理学家。。。，最重要的是研究人员可以把这些现象应用在真实的工程应用中，从而可以。。。。</a:t>
             </a:r>
             <a:endParaRPr lang="zh-CN" altLang="en-US"/>
           </a:p>
           <a:p>
-            <a:pPr marL="342900" indent="-342900">
-              <a:lnSpc>
-                <a:spcPct val="150000"/>
-              </a:lnSpc>
-              <a:buFont typeface="Wingdings" panose="05000000000000000000" charset="0"/>
-              <a:buChar char=""/>
-            </a:pPr>
-            <a:r>
-              <a:rPr lang="zh-CN" altLang="en-US">
-                <a:solidFill>
-                  <a:srgbClr val="FF0000"/>
-                </a:solidFill>
-                <a:latin typeface="Century Gothic" panose="020B0502020202020204" charset="0"/>
-                <a:ea typeface="微软雅黑" panose="020B0503020204020204" pitchFamily="34" charset="-122"/>
-                <a:sym typeface="+mn-ea"/>
-              </a:rPr>
-              <a:t>二阶多智能体系统的加权一致性</a:t>
-            </a:r>
-            <a:endParaRPr lang="zh-CN" altLang="en-US">
-              <a:solidFill>
-                <a:srgbClr val="FF0000"/>
-              </a:solidFill>
-              <a:latin typeface="Century Gothic" panose="020B0502020202020204" charset="0"/>
-              <a:ea typeface="微软雅黑" panose="020B0503020204020204" pitchFamily="34" charset="-122"/>
-            </a:endParaRPr>
-          </a:p>
-          <a:p>
-            <a:pPr marL="342900" indent="-342900">
-              <a:lnSpc>
-                <a:spcPct val="150000"/>
-              </a:lnSpc>
-              <a:buFont typeface="Wingdings" panose="05000000000000000000" charset="0"/>
-              <a:buChar char=""/>
-            </a:pPr>
-            <a:r>
-              <a:rPr lang="zh-CN" altLang="en-US">
-                <a:solidFill>
-                  <a:srgbClr val="FF0000"/>
-                </a:solidFill>
-                <a:latin typeface="Century Gothic" panose="020B0502020202020204" charset="0"/>
-                <a:ea typeface="微软雅黑" panose="020B0503020204020204" pitchFamily="34" charset="-122"/>
-                <a:sym typeface="+mn-ea"/>
-              </a:rPr>
-              <a:t>探讨有无时延的影响</a:t>
-            </a:r>
-            <a:endParaRPr lang="zh-CN" altLang="en-US">
-              <a:solidFill>
-                <a:srgbClr val="FF0000"/>
-              </a:solidFill>
-              <a:latin typeface="Century Gothic" panose="020B0502020202020204" charset="0"/>
-              <a:ea typeface="微软雅黑" panose="020B0503020204020204" pitchFamily="34" charset="-122"/>
-            </a:endParaRPr>
-          </a:p>
-          <a:p>
-            <a:pPr marL="342900" indent="-342900">
-              <a:lnSpc>
-                <a:spcPct val="150000"/>
-              </a:lnSpc>
-              <a:buFont typeface="Wingdings" panose="05000000000000000000" charset="0"/>
-              <a:buChar char=""/>
-            </a:pPr>
-            <a:r>
-              <a:rPr lang="zh-CN" altLang="en-US">
-                <a:solidFill>
-                  <a:srgbClr val="FF0000"/>
-                </a:solidFill>
-                <a:latin typeface="Century Gothic" panose="020B0502020202020204" charset="0"/>
-                <a:ea typeface="微软雅黑" panose="020B0503020204020204" pitchFamily="34" charset="-122"/>
-                <a:sym typeface="+mn-ea"/>
-              </a:rPr>
-              <a:t>时延影响下二阶离散多智能体系统的加权一致性</a:t>
-            </a:r>
-            <a:endParaRPr lang="zh-CN" altLang="en-US">
-              <a:solidFill>
-                <a:srgbClr val="FF0000"/>
-              </a:solidFill>
-              <a:latin typeface="Century Gothic" panose="020B0502020202020204" charset="0"/>
-              <a:ea typeface="微软雅黑" panose="020B0503020204020204" pitchFamily="34" charset="-122"/>
-            </a:endParaRPr>
-          </a:p>
-          <a:p>
+            <a:r>
+              <a:rPr lang="zh-CN" altLang="en-US"/>
+              <a:t>那么，现如今有以下几种典型的工程应用。</a:t>
+            </a:r>
             <a:endParaRPr lang="zh-CN" altLang="en-US"/>
           </a:p>
         </p:txBody>
@@ -2171,6 +3264,34 @@
         <p:txBody>
           <a:bodyPr/>
           <a:p>
+            <a:r>
+              <a:rPr lang="zh-CN" altLang="en-US"/>
+              <a:t>无人机编队</a:t>
+            </a:r>
+            <a:endParaRPr lang="zh-CN" altLang="en-US"/>
+          </a:p>
+          <a:p>
+            <a:r>
+              <a:rPr lang="zh-CN" altLang="en-US"/>
+              <a:t>无线传感器的信息融合</a:t>
+            </a:r>
+            <a:endParaRPr lang="zh-CN" altLang="en-US"/>
+          </a:p>
+          <a:p>
+            <a:r>
+              <a:rPr lang="zh-CN" altLang="en-US"/>
+              <a:t>机器人编队</a:t>
+            </a:r>
+            <a:endParaRPr lang="zh-CN" altLang="en-US"/>
+          </a:p>
+          <a:p>
+            <a:r>
+              <a:rPr lang="zh-CN" altLang="en-US"/>
+              <a:t>自治战争系统协同控制</a:t>
+            </a:r>
+            <a:endParaRPr lang="zh-CN" altLang="en-US"/>
+          </a:p>
+          <a:p>
             <a:endParaRPr lang="zh-CN" altLang="en-US"/>
           </a:p>
         </p:txBody>
@@ -2195,10 +3316,8 @@
       <p:grpSpPr/>
       <p:sp>
         <p:nvSpPr>
-          <p:cNvPr id="13313" name="幻灯片图像占位符 1"/>
-          <p:cNvSpPr>
-            <a:spLocks noGrp="1" noRot="1"/>
-          </p:cNvSpPr>
+          <p:cNvPr id="2" name="幻灯片图像占位符 1"/>
+          <p:cNvSpPr/>
           <p:nvPr>
             <p:ph type="sldImg"/>
           </p:nvPr>
@@ -2207,79 +3326,25 @@
       </p:sp>
       <p:sp>
         <p:nvSpPr>
-          <p:cNvPr id="13314" name="文本占位符 2"/>
-          <p:cNvSpPr>
-            <a:spLocks noGrp="1"/>
-          </p:cNvSpPr>
+          <p:cNvPr id="3" name="文本占位符 2"/>
+          <p:cNvSpPr/>
           <p:nvPr>
             <p:ph type="body"/>
           </p:nvPr>
         </p:nvSpPr>
         <p:spPr/>
         <p:txBody>
-          <a:bodyPr lIns="91440" tIns="45720" rIns="91440" bIns="45720" anchor="t"/>
+          <a:bodyPr/>
           <a:p>
-            <a:pPr lvl="0"/>
             <a:r>
               <a:rPr lang="zh-CN" altLang="en-US">
                 <a:sym typeface="+mn-ea"/>
               </a:rPr>
-              <a:t>其中，</a:t>
-            </a:r>
-            <a:r>
-              <a:rPr lang="en-US" altLang="zh-CN">
-                <a:sym typeface="+mn-ea"/>
-              </a:rPr>
-              <a:t>Xi</a:t>
-            </a:r>
-            <a:r>
-              <a:rPr lang="zh-CN" altLang="en-US">
-                <a:sym typeface="+mn-ea"/>
-              </a:rPr>
-              <a:t>指多智能体系统的一阶的状态，</a:t>
-            </a:r>
-            <a:r>
-              <a:rPr lang="en-US" altLang="zh-CN">
-                <a:sym typeface="+mn-ea"/>
-              </a:rPr>
-              <a:t>Vi</a:t>
-            </a:r>
-            <a:r>
-              <a:rPr lang="zh-CN" altLang="en-US">
-                <a:sym typeface="+mn-ea"/>
-              </a:rPr>
-              <a:t>指多智能体系统的二阶状态，</a:t>
-            </a:r>
-            <a:r>
-              <a:rPr lang="en-US" altLang="zh-CN">
-                <a:sym typeface="+mn-ea"/>
-              </a:rPr>
-              <a:t>bi</a:t>
-            </a:r>
-            <a:r>
-              <a:rPr lang="zh-CN" altLang="en-US">
-                <a:sym typeface="+mn-ea"/>
-              </a:rPr>
-              <a:t>为各节点的控制权重，阿尔法和贝塔是系统的耦合系数，</a:t>
-            </a:r>
-            <a:r>
-              <a:rPr lang="en-US" altLang="zh-CN">
-                <a:sym typeface="+mn-ea"/>
-              </a:rPr>
-              <a:t>eij</a:t>
-            </a:r>
-            <a:r>
-              <a:rPr lang="zh-CN" altLang="en-US">
-                <a:sym typeface="+mn-ea"/>
-              </a:rPr>
-              <a:t>是各个节点之间的耦合系数。</a:t>
-            </a:r>
-            <a:endParaRPr lang="zh-CN" altLang="en-US">
-              <a:sym typeface="+mn-ea"/>
-            </a:endParaRPr>
+              <a:t>基于上述多智能体系统一致性的背景知识，下面介绍一些重要的概念。</a:t>
+            </a:r>
+            <a:endParaRPr lang="zh-CN" altLang="en-US"/>
           </a:p>
           <a:p>
-            <a:pPr lvl="0"/>
             <a:endParaRPr lang="zh-CN" altLang="en-US"/>
           </a:p>
         </p:txBody>
@@ -2304,10 +3369,8 @@
       <p:grpSpPr/>
       <p:sp>
         <p:nvSpPr>
-          <p:cNvPr id="13313" name="幻灯片图像占位符 1"/>
-          <p:cNvSpPr>
-            <a:spLocks noGrp="1" noRot="1"/>
-          </p:cNvSpPr>
+          <p:cNvPr id="2" name="幻灯片图像占位符 1"/>
+          <p:cNvSpPr/>
           <p:nvPr>
             <p:ph type="sldImg"/>
           </p:nvPr>
@@ -2316,30 +3379,19 @@
       </p:sp>
       <p:sp>
         <p:nvSpPr>
-          <p:cNvPr id="13314" name="文本占位符 2"/>
-          <p:cNvSpPr>
-            <a:spLocks noGrp="1"/>
-          </p:cNvSpPr>
+          <p:cNvPr id="3" name="文本占位符 2"/>
+          <p:cNvSpPr/>
           <p:nvPr>
             <p:ph type="body"/>
           </p:nvPr>
         </p:nvSpPr>
         <p:spPr/>
         <p:txBody>
-          <a:bodyPr lIns="91440" tIns="45720" rIns="91440" bIns="45720" anchor="t"/>
+          <a:bodyPr/>
           <a:p>
-            <a:pPr lvl="0"/>
             <a:r>
               <a:rPr lang="zh-CN" altLang="en-US"/>
-              <a:t>在满足定理</a:t>
-            </a:r>
-            <a:r>
-              <a:rPr lang="en-US" altLang="zh-CN"/>
-              <a:t>1</a:t>
-            </a:r>
-            <a:r>
-              <a:rPr lang="zh-CN" altLang="en-US"/>
-              <a:t>的条件下，随机生成表格中的数据。</a:t>
+              <a:t>这就引出了本文研究的多智能体系统加权一致性，为什么要研究多智能体系统加权一致性呢？传统的多智能体系统一致性并不能控制系统内节点收敛到特定的转台，但是加权一致性就能很好的实现这一目标。另外，在实际的通信网络中，时延是不可避免的，所以在研究多智能体形同加权一致性时讨论时延的影响是具有非常大的现实意义的。</a:t>
             </a:r>
             <a:endParaRPr lang="zh-CN" altLang="en-US"/>
           </a:p>
@@ -2365,10 +3417,8 @@
       <p:grpSpPr/>
       <p:sp>
         <p:nvSpPr>
-          <p:cNvPr id="13313" name="幻灯片图像占位符 1"/>
-          <p:cNvSpPr>
-            <a:spLocks noGrp="1" noRot="1"/>
-          </p:cNvSpPr>
+          <p:cNvPr id="2" name="幻灯片图像占位符 1"/>
+          <p:cNvSpPr/>
           <p:nvPr>
             <p:ph type="sldImg"/>
           </p:nvPr>
@@ -2377,46 +3427,19 @@
       </p:sp>
       <p:sp>
         <p:nvSpPr>
-          <p:cNvPr id="13314" name="文本占位符 2"/>
-          <p:cNvSpPr>
-            <a:spLocks noGrp="1"/>
-          </p:cNvSpPr>
+          <p:cNvPr id="3" name="文本占位符 2"/>
+          <p:cNvSpPr/>
           <p:nvPr>
             <p:ph type="body"/>
           </p:nvPr>
         </p:nvSpPr>
         <p:spPr/>
         <p:txBody>
-          <a:bodyPr lIns="91440" tIns="45720" rIns="91440" bIns="45720" anchor="t"/>
+          <a:bodyPr/>
           <a:p>
-            <a:pPr lvl="0"/>
             <a:r>
               <a:rPr lang="zh-CN" altLang="en-US"/>
-              <a:t>在满足定理</a:t>
-            </a:r>
-            <a:r>
-              <a:rPr lang="en-US" altLang="zh-CN"/>
-              <a:t>1</a:t>
-            </a:r>
-            <a:r>
-              <a:rPr lang="zh-CN" altLang="en-US"/>
-              <a:t>的条件下，另外再随机生成一组数据。</a:t>
-            </a:r>
-            <a:endParaRPr lang="zh-CN" altLang="en-US"/>
-          </a:p>
-          <a:p>
-            <a:pPr lvl="0"/>
-            <a:r>
-              <a:rPr lang="zh-CN" altLang="en-US"/>
-              <a:t>实验</a:t>
-            </a:r>
-            <a:r>
-              <a:rPr lang="en-US" altLang="zh-CN"/>
-              <a:t>3.1</a:t>
-            </a:r>
-            <a:r>
-              <a:rPr lang="zh-CN" altLang="en-US"/>
-              <a:t>的两种情况从正面说明，系统在不同初始化状态下，均可实现加权一致</a:t>
+              <a:t>基于上述研究背景，我们来看下多智能体系统一致性问题的研究现状。</a:t>
             </a:r>
             <a:endParaRPr lang="zh-CN" altLang="en-US"/>
           </a:p>
@@ -6503,7 +7526,7 @@
   <p:clrMapOvr>
     <a:masterClrMapping/>
   </p:clrMapOvr>
-  <p:transition>
+  <p:transition advTm="20561">
     <p:blinds dir="vert"/>
   </p:transition>
 </p:sld>
@@ -7610,7 +8633,7 @@
                 <a:latin typeface="Arial" panose="020B0604020202020204" pitchFamily="34" charset="0"/>
                 <a:ea typeface="楷体_GB2312" pitchFamily="49" charset="-122"/>
               </a:rPr>
-              <a:t>经过近些年的发展，多智能体系统已经成为国际人工智能领域的前沿和研究热点.</a:t>
+              <a:t>经过近些年的发展，多智能体系统一致性问题已经成为国际人工智能领域的前沿和研究热点.</a:t>
             </a:r>
             <a:endParaRPr lang="zh-CN" altLang="en-US" sz="1600" dirty="0">
               <a:solidFill>
@@ -7737,7 +8760,7 @@
                 <a:latin typeface="Arial" panose="020B0604020202020204" pitchFamily="34" charset="0"/>
                 <a:ea typeface="楷体_GB2312" pitchFamily="49" charset="-122"/>
               </a:rPr>
-              <a:t>加权一致性的文章在一阶多智能体系统方面有了较为丰富的理论成果。</a:t>
+              <a:t>加权一致性的研究在一阶多智能体系统方面有了丰富的理论成果。</a:t>
             </a:r>
             <a:endParaRPr lang="zh-CN" altLang="en-US" sz="2400" dirty="0">
               <a:solidFill>
@@ -7803,7 +8826,7 @@
   <p:clrMapOvr>
     <a:masterClrMapping/>
   </p:clrMapOvr>
-  <p:transition>
+  <p:transition advTm="40997">
     <p:blinds dir="vert"/>
   </p:transition>
   <p:timing>
@@ -8756,7 +9779,7 @@
   <p:clrMapOvr>
     <a:masterClrMapping/>
   </p:clrMapOvr>
-  <p:transition>
+  <p:transition advTm="26161">
     <p:blinds dir="vert"/>
   </p:transition>
 </p:sld>
@@ -10257,7 +11280,7 @@
   <p:clrMapOvr>
     <a:masterClrMapping/>
   </p:clrMapOvr>
-  <p:transition>
+  <p:transition advTm="6645">
     <p:blinds dir="vert"/>
   </p:transition>
 </p:sld>
@@ -10940,7 +11963,7 @@
                 <a:latin typeface="Arial" panose="020B0604020202020204" pitchFamily="34" charset="0"/>
                 <a:ea typeface="楷体_GB2312" pitchFamily="49" charset="-122"/>
               </a:rPr>
-              <a:t>无时延情况下二阶连续时间多智能体系统的加权一致性</a:t>
+              <a:t>无时延影响下二阶连续时间多智能体系统的加权一致性</a:t>
             </a:r>
             <a:endParaRPr lang="zh-CN" altLang="en-US" sz="2400" dirty="0">
               <a:solidFill>
@@ -10975,7 +11998,7 @@
                 <a:latin typeface="Arial" panose="020B0604020202020204" pitchFamily="34" charset="0"/>
                 <a:ea typeface="楷体_GB2312" pitchFamily="49" charset="-122"/>
               </a:rPr>
-              <a:t> 有时延情况下的二阶连续时间多智能体系统的加权一致性</a:t>
+              <a:t> 有时延影响下的二阶连续时间多智能体系统的加权一致性</a:t>
             </a:r>
             <a:endParaRPr lang="zh-CN" altLang="en-US" sz="2400" dirty="0">
               <a:solidFill>
@@ -11010,7 +12033,7 @@
                 <a:latin typeface="Arial" panose="020B0604020202020204" pitchFamily="34" charset="0"/>
                 <a:ea typeface="楷体_GB2312" pitchFamily="49" charset="-122"/>
               </a:rPr>
-              <a:t> 探讨有时延情况下的二阶离散时间多智能体系统的加权一致性</a:t>
+              <a:t> 探讨有时延影响下的二阶离散时间多智能体系统的加权一致性</a:t>
             </a:r>
             <a:endParaRPr lang="zh-CN" altLang="en-US" sz="2400" dirty="0">
               <a:solidFill>
@@ -11101,7 +12124,7 @@
   <p:clrMapOvr>
     <a:masterClrMapping/>
   </p:clrMapOvr>
-  <p:transition>
+  <p:transition advTm="20233">
     <p:blinds dir="vert"/>
   </p:transition>
 </p:sld>
@@ -11745,7 +12768,7 @@
         <p:spPr>
           <a:xfrm>
             <a:off x="1612583" y="2067243"/>
-            <a:ext cx="9613900" cy="4523105"/>
+            <a:ext cx="9613900" cy="3969385"/>
           </a:xfrm>
           <a:prstGeom prst="rect">
             <a:avLst/>
@@ -11776,7 +12799,7 @@
                 <a:ea typeface="楷体_GB2312" pitchFamily="49" charset="-122"/>
                 <a:sym typeface="+mn-ea"/>
               </a:rPr>
-              <a:t>针对平衡图拓扑结构的多智能体系统，构建一种有无时滞情况下动力学模型，利用</a:t>
+              <a:t>针对平衡图拓扑结构的多智能体系统，构建多智能体系统</a:t>
             </a:r>
             <a:r>
               <a:rPr lang="zh-CN" altLang="en-US" sz="2400" dirty="0">
@@ -11787,7 +12810,7 @@
                 <a:ea typeface="楷体_GB2312" pitchFamily="49" charset="-122"/>
                 <a:sym typeface="+mn-ea"/>
               </a:rPr>
-              <a:t>矩阵论和代数图论</a:t>
+              <a:t>一致性控制协议</a:t>
             </a:r>
             <a:r>
               <a:rPr lang="zh-CN" altLang="en-US" sz="2400" dirty="0">
@@ -11798,25 +12821,8 @@
                 <a:ea typeface="楷体_GB2312" pitchFamily="49" charset="-122"/>
                 <a:sym typeface="+mn-ea"/>
               </a:rPr>
-              <a:t>作为有利工具，使得在该控制协议下，多智能体系统均可全局收敛到任意指定的加权一致状态。</a:t>
-            </a:r>
-            <a:endParaRPr lang="zh-CN" altLang="en-US" sz="2400" dirty="0">
-              <a:solidFill>
-                <a:srgbClr val="161616"/>
-              </a:solidFill>
-              <a:latin typeface="Arial" panose="020B0604020202020204" pitchFamily="34" charset="0"/>
-              <a:ea typeface="楷体_GB2312" pitchFamily="49" charset="-122"/>
-              <a:sym typeface="+mn-ea"/>
-            </a:endParaRPr>
-          </a:p>
-          <a:p>
-            <a:pPr marL="342900" indent="-342900" algn="l">
-              <a:lnSpc>
-                <a:spcPct val="150000"/>
-              </a:lnSpc>
-              <a:buFont typeface="Wingdings" panose="05000000000000000000" charset="0"/>
-              <a:buChar char=""/>
-            </a:pPr>
+              <a:t>，使得在该控制协议下，多智能体系统均可全局收敛到任意指定的加权一致状态。</a:t>
+            </a:r>
             <a:endParaRPr lang="zh-CN" altLang="en-US" sz="2400" noProof="1" dirty="0">
               <a:solidFill>
                 <a:srgbClr val="161616"/>
@@ -11847,13 +12853,35 @@
             <a:r>
               <a:rPr lang="zh-CN" altLang="en-US" sz="2400" dirty="0">
                 <a:solidFill>
-                  <a:srgbClr val="FF0000"/>
+                  <a:srgbClr val="161616"/>
                 </a:solidFill>
                 <a:latin typeface="Arial" panose="020B0604020202020204" pitchFamily="34" charset="0"/>
                 <a:ea typeface="楷体_GB2312" pitchFamily="49" charset="-122"/>
                 <a:sym typeface="+mn-ea"/>
               </a:rPr>
-              <a:t>圆盘定理和广义奈氏准则</a:t>
+              <a:t>利用</a:t>
+            </a:r>
+            <a:r>
+              <a:rPr lang="zh-CN" altLang="en-US" sz="2400" dirty="0">
+                <a:solidFill>
+                  <a:srgbClr val="FF0000"/>
+                </a:solidFill>
+                <a:latin typeface="Arial" panose="020B0604020202020204" pitchFamily="34" charset="0"/>
+                <a:ea typeface="楷体_GB2312" pitchFamily="49" charset="-122"/>
+                <a:sym typeface="+mn-ea"/>
+              </a:rPr>
+              <a:t>矩阵论、代数图论、</a:t>
+            </a:r>
+            <a:r>
+              <a:rPr lang="zh-CN" altLang="en-US" sz="2400" dirty="0">
+                <a:solidFill>
+                  <a:srgbClr val="FF0000"/>
+                </a:solidFill>
+                <a:latin typeface="Arial" panose="020B0604020202020204" pitchFamily="34" charset="0"/>
+                <a:ea typeface="楷体_GB2312" pitchFamily="49" charset="-122"/>
+                <a:sym typeface="+mn-ea"/>
+              </a:rPr>
+              <a:t>频域控制理论以及稳定性理论</a:t>
             </a:r>
             <a:r>
               <a:rPr lang="zh-CN" altLang="en-US" sz="2400" dirty="0">
@@ -11866,22 +12894,6 @@
               </a:rPr>
               <a:t>, 得到时延多智能系统下，达到加权一致状态时时延所能满足的代数条件判据。</a:t>
             </a:r>
-            <a:endParaRPr lang="zh-CN" altLang="en-US" sz="2400" dirty="0">
-              <a:solidFill>
-                <a:srgbClr val="161616"/>
-              </a:solidFill>
-              <a:latin typeface="Arial" panose="020B0604020202020204" pitchFamily="34" charset="0"/>
-              <a:ea typeface="楷体_GB2312" pitchFamily="49" charset="-122"/>
-              <a:sym typeface="+mn-ea"/>
-            </a:endParaRPr>
-          </a:p>
-          <a:p>
-            <a:pPr algn="l">
-              <a:lnSpc>
-                <a:spcPct val="150000"/>
-              </a:lnSpc>
-              <a:buFont typeface="Wingdings" panose="05000000000000000000" charset="0"/>
-            </a:pPr>
             <a:endParaRPr lang="zh-CN" altLang="en-US" sz="2400" noProof="1" dirty="0">
               <a:solidFill>
                 <a:srgbClr val="161616"/>
@@ -12020,7 +13032,7 @@
   <p:clrMapOvr>
     <a:masterClrMapping/>
   </p:clrMapOvr>
-  <p:transition>
+  <p:transition advTm="38329">
     <p:blinds dir="vert"/>
   </p:transition>
 </p:sld>
@@ -12099,7 +13111,23 @@
             <a:pPr algn="l" fontAlgn="auto"/>
             <a:r>
               <a:rPr lang="en-US" altLang="zh-CN" sz="2400" strike="noStrike" noProof="1"/>
-              <a:t>3.1 无时延情况下二阶多智能体系统的加权一致性</a:t>
+              <a:t>3.1 无时延</a:t>
+            </a:r>
+            <a:r>
+              <a:rPr lang="zh-CN" altLang="en-US" sz="2400" strike="noStrike" noProof="1"/>
+              <a:t>影响</a:t>
+            </a:r>
+            <a:r>
+              <a:rPr lang="en-US" altLang="zh-CN" sz="2400" strike="noStrike" noProof="1"/>
+              <a:t>下二阶</a:t>
+            </a:r>
+            <a:r>
+              <a:rPr lang="zh-CN" altLang="en-US" sz="2400" strike="noStrike" noProof="1"/>
+              <a:t>连续时间</a:t>
+            </a:r>
+            <a:r>
+              <a:rPr lang="en-US" altLang="zh-CN" sz="2400" strike="noStrike" noProof="1"/>
+              <a:t>多智能体系统的加权一致性</a:t>
             </a:r>
             <a:endParaRPr lang="zh-CN" altLang="en-US" sz="2400" strike="noStrike" noProof="1"/>
           </a:p>
@@ -12646,7 +13674,7 @@
                   </a:outerShdw>
                 </a:effectLst>
               </a:rPr>
-              <a:t>无时延情况下的二阶多智能体系统加权一致性</a:t>
+              <a:t>无时延情况下的二阶连续时间多智能体系统加权一致性</a:t>
             </a:r>
             <a:endParaRPr lang="zh-CN" altLang="en-US" sz="3200" b="1">
               <a:effectLst>
@@ -13088,7 +14116,7 @@
   <p:clrMapOvr>
     <a:masterClrMapping/>
   </p:clrMapOvr>
-  <p:transition>
+  <p:transition advTm="35147">
     <p:blinds dir="vert"/>
   </p:transition>
 </p:sld>
@@ -13169,7 +14197,31 @@
               <a:rPr lang="en-US" altLang="zh-CN" sz="2400">
                 <a:sym typeface="+mn-ea"/>
               </a:rPr>
-              <a:t>3.1 无时延情况下二阶多智能体系统的加权一致性</a:t>
+              <a:t>3.1 无时延</a:t>
+            </a:r>
+            <a:r>
+              <a:rPr lang="zh-CN" altLang="en-US" sz="2400">
+                <a:sym typeface="+mn-ea"/>
+              </a:rPr>
+              <a:t>影响</a:t>
+            </a:r>
+            <a:r>
+              <a:rPr lang="en-US" altLang="zh-CN" sz="2400">
+                <a:sym typeface="+mn-ea"/>
+              </a:rPr>
+              <a:t>下二阶</a:t>
+            </a:r>
+            <a:r>
+              <a:rPr lang="zh-CN" altLang="en-US" sz="2400">
+                <a:sym typeface="+mn-ea"/>
+              </a:rPr>
+              <a:t>连续时间</a:t>
+            </a:r>
+            <a:r>
+              <a:rPr lang="en-US" altLang="zh-CN" sz="2400">
+                <a:sym typeface="+mn-ea"/>
+              </a:rPr>
+              <a:t>多智能体系统的加权一致性</a:t>
             </a:r>
             <a:endParaRPr lang="zh-CN" altLang="en-US" sz="2400" strike="noStrike" noProof="1"/>
           </a:p>
@@ -14826,7 +15878,7 @@
   <p:clrMapOvr>
     <a:masterClrMapping/>
   </p:clrMapOvr>
-  <p:transition>
+  <p:transition advTm="59670">
     <p:blinds dir="vert"/>
   </p:transition>
   <p:timing>
@@ -14849,6 +15901,30 @@
         <p:nvPr/>
       </p:nvGrpSpPr>
       <p:grpSpPr/>
+      <p:pic>
+        <p:nvPicPr>
+          <p:cNvPr id="14" name="图片 12" descr="实验2-1"/>
+          <p:cNvPicPr>
+            <a:picLocks noChangeAspect="1"/>
+          </p:cNvPicPr>
+          <p:nvPr/>
+        </p:nvPicPr>
+        <p:blipFill>
+          <a:blip r:embed="rId1"/>
+          <a:stretch>
+            <a:fillRect/>
+          </a:stretch>
+        </p:blipFill>
+        <p:spPr>
+          <a:xfrm>
+            <a:off x="5206048" y="1187133"/>
+            <a:ext cx="3417315" cy="2563219"/>
+          </a:xfrm>
+          <a:prstGeom prst="rect">
+            <a:avLst/>
+          </a:prstGeom>
+        </p:spPr>
+      </p:pic>
       <p:sp>
         <p:nvSpPr>
           <p:cNvPr id="394" name="矩形 393"/>
@@ -15915,12 +16991,12 @@
           <a:graphicData uri="http://schemas.openxmlformats.org/presentationml/2006/ole">
             <mc:AlternateContent xmlns:mc="http://schemas.openxmlformats.org/markup-compatibility/2006">
               <mc:Choice xmlns:v="urn:schemas-microsoft-com:vml" Requires="v">
-                <p:oleObj spid="_x0000_s21" name="" r:id="rId1" imgW="1765300" imgH="368300" progId="Equation.DSMT4">
+                <p:oleObj spid="_x0000_s21" name="" r:id="rId2" imgW="1765300" imgH="368300" progId="Equation.DSMT4">
                   <p:embed/>
                 </p:oleObj>
               </mc:Choice>
               <mc:Fallback>
-                <p:oleObj name="" r:id="rId1" imgW="1765300" imgH="368300" progId="Equation.DSMT4">
+                <p:oleObj name="" r:id="rId2" imgW="1765300" imgH="368300" progId="Equation.DSMT4">
                   <p:embed/>
                   <p:pic>
                     <p:nvPicPr>
@@ -15929,7 +17005,7 @@
                       <p:nvPr/>
                     </p:nvPicPr>
                     <p:blipFill>
-                      <a:blip r:embed="rId2"/>
+                      <a:blip r:embed="rId3"/>
                       <a:stretch>
                         <a:fillRect/>
                       </a:stretch>
@@ -16289,12 +17365,12 @@
           <a:graphicData uri="http://schemas.openxmlformats.org/presentationml/2006/ole">
             <mc:AlternateContent xmlns:mc="http://schemas.openxmlformats.org/markup-compatibility/2006">
               <mc:Choice xmlns:v="urn:schemas-microsoft-com:vml" Requires="v">
-                <p:oleObj spid="_x0000_s25" name="" r:id="rId3" imgW="368300" imgH="152400" progId="Equation.DSMT4">
+                <p:oleObj spid="_x0000_s25" name="" r:id="rId4" imgW="368300" imgH="152400" progId="Equation.DSMT4">
                   <p:embed/>
                 </p:oleObj>
               </mc:Choice>
               <mc:Fallback>
-                <p:oleObj name="" r:id="rId3" imgW="368300" imgH="152400" progId="Equation.DSMT4">
+                <p:oleObj name="" r:id="rId4" imgW="368300" imgH="152400" progId="Equation.DSMT4">
                   <p:embed/>
                   <p:pic>
                     <p:nvPicPr>
@@ -16303,7 +17379,7 @@
                       <p:nvPr/>
                     </p:nvPicPr>
                     <p:blipFill>
-                      <a:blip r:embed="rId4"/>
+                      <a:blip r:embed="rId5"/>
                       <a:stretch>
                         <a:fillRect/>
                       </a:stretch>
@@ -16392,7 +17468,7 @@
           <p:nvPr/>
         </p:nvPicPr>
         <p:blipFill>
-          <a:blip r:embed="rId5"/>
+          <a:blip r:embed="rId6"/>
           <a:stretch>
             <a:fillRect/>
           </a:stretch>
@@ -16416,7 +17492,7 @@
           <p:nvPr/>
         </p:nvPicPr>
         <p:blipFill>
-          <a:blip r:embed="rId6"/>
+          <a:blip r:embed="rId7"/>
           <a:stretch>
             <a:fillRect/>
           </a:stretch>
@@ -16424,30 +17500,6 @@
         <p:spPr>
           <a:xfrm>
             <a:off x="1380808" y="1151573"/>
-            <a:ext cx="3417315" cy="2563219"/>
-          </a:xfrm>
-          <a:prstGeom prst="rect">
-            <a:avLst/>
-          </a:prstGeom>
-        </p:spPr>
-      </p:pic>
-      <p:pic>
-        <p:nvPicPr>
-          <p:cNvPr id="14" name="图片 12" descr="实验2-1"/>
-          <p:cNvPicPr>
-            <a:picLocks noChangeAspect="1"/>
-          </p:cNvPicPr>
-          <p:nvPr/>
-        </p:nvPicPr>
-        <p:blipFill>
-          <a:blip r:embed="rId7"/>
-          <a:stretch>
-            <a:fillRect/>
-          </a:stretch>
-        </p:blipFill>
-        <p:spPr>
-          <a:xfrm>
-            <a:off x="5206048" y="1187133"/>
             <a:ext cx="3417315" cy="2563219"/>
           </a:xfrm>
           <a:prstGeom prst="rect">
@@ -16573,7 +17625,7 @@
   <p:clrMapOvr>
     <a:masterClrMapping/>
   </p:clrMapOvr>
-  <p:transition>
+  <p:transition advTm="23494">
     <p:blinds dir="vert"/>
   </p:transition>
   <p:timing>
@@ -16661,7 +17713,19 @@
               <a:rPr lang="en-US" altLang="zh-CN" sz="2400">
                 <a:sym typeface="+mn-ea"/>
               </a:rPr>
-              <a:t>3.1 无时延情况下二阶多智能体系统的加权一致性</a:t>
+              <a:t>3.1 无时延情况下二阶l</a:t>
+            </a:r>
+            <a:r>
+              <a:rPr lang="zh-CN" altLang="zh-CN" sz="2400">
+                <a:sym typeface="+mn-ea"/>
+              </a:rPr>
+              <a:t>连续时间</a:t>
+            </a:r>
+            <a:r>
+              <a:rPr lang="en-US" altLang="zh-CN" sz="2400">
+                <a:sym typeface="+mn-ea"/>
+              </a:rPr>
+              <a:t>多智能体系统的加权一致性</a:t>
             </a:r>
             <a:endParaRPr lang="zh-CN" altLang="en-US" sz="2400" strike="noStrike" noProof="1"/>
           </a:p>
@@ -18256,7 +19320,7 @@
   <p:clrMapOvr>
     <a:masterClrMapping/>
   </p:clrMapOvr>
-  <p:transition>
+  <p:transition advTm="26161">
     <p:blinds dir="vert"/>
   </p:transition>
   <p:timing>
@@ -18281,1035 +19345,57 @@
       <p:grpSpPr/>
       <p:sp>
         <p:nvSpPr>
-          <p:cNvPr id="394" name="矩形 393"/>
-          <p:cNvSpPr/>
-          <p:nvPr/>
+          <p:cNvPr id="2" name="标题 1"/>
+          <p:cNvSpPr>
+            <a:spLocks noGrp="1"/>
+          </p:cNvSpPr>
+          <p:nvPr>
+            <p:ph type="title"/>
+          </p:nvPr>
         </p:nvSpPr>
-        <p:spPr>
-          <a:xfrm>
-            <a:off x="635953" y="249238"/>
-            <a:ext cx="9869488" cy="484188"/>
-          </a:xfrm>
-          <a:prstGeom prst="rect">
-            <a:avLst/>
-          </a:prstGeom>
-          <a:gradFill>
-            <a:gsLst>
-              <a:gs pos="0">
-                <a:schemeClr val="accent1">
-                  <a:lumMod val="5000"/>
-                  <a:lumOff val="95000"/>
-                  <a:alpha val="0"/>
-                </a:schemeClr>
-              </a:gs>
-              <a:gs pos="78000">
-                <a:schemeClr val="accent5"/>
-              </a:gs>
-            </a:gsLst>
-            <a:lin ang="10800000" scaled="0"/>
-          </a:gradFill>
-          <a:ln>
-            <a:noFill/>
-          </a:ln>
-          <a:effectLst>
-            <a:outerShdw blurRad="393700" dist="76200" dir="5820000" sx="99000" sy="99000" algn="t" rotWithShape="0">
-              <a:prstClr val="black">
-                <a:alpha val="50000"/>
-              </a:prstClr>
-            </a:outerShdw>
-          </a:effectLst>
-        </p:spPr>
-        <p:style>
-          <a:lnRef idx="2">
-            <a:schemeClr val="accent1">
-              <a:shade val="50000"/>
-            </a:schemeClr>
-          </a:lnRef>
-          <a:fillRef idx="1">
-            <a:schemeClr val="accent1"/>
-          </a:fillRef>
-          <a:effectRef idx="0">
-            <a:schemeClr val="accent1"/>
-          </a:effectRef>
-          <a:fontRef idx="minor">
-            <a:schemeClr val="lt1"/>
-          </a:fontRef>
-        </p:style>
+        <p:spPr/>
         <p:txBody>
-          <a:bodyPr lIns="91436" tIns="45718" rIns="91436" bIns="45718" rtlCol="0" anchor="ctr"/>
-          <a:lstStyle/>
+          <a:bodyPr/>
           <a:p>
-            <a:pPr algn="l" fontAlgn="auto"/>
-            <a:r>
-              <a:rPr lang="en-US" altLang="zh-CN" sz="2400" strike="noStrike" noProof="1"/>
-              <a:t>3.2 时延情况下的二阶多智能体系统加权一致性</a:t>
-            </a:r>
-            <a:endParaRPr lang="zh-CN" altLang="en-US" sz="2400" strike="noStrike" noProof="1"/>
-          </a:p>
-        </p:txBody>
-      </p:sp>
-      <p:sp>
-        <p:nvSpPr>
-          <p:cNvPr id="395" name="圆角矩形 394"/>
-          <p:cNvSpPr/>
-          <p:nvPr/>
-        </p:nvSpPr>
-        <p:spPr>
-          <a:xfrm rot="10800000" flipV="1">
-            <a:off x="-6350" y="249238"/>
-            <a:ext cx="484188" cy="490538"/>
-          </a:xfrm>
-          <a:prstGeom prst="roundRect">
-            <a:avLst>
-              <a:gd name="adj" fmla="val 5039"/>
-            </a:avLst>
-          </a:prstGeom>
-          <a:solidFill>
-            <a:schemeClr val="accent5"/>
-          </a:solidFill>
-          <a:ln>
-            <a:noFill/>
-          </a:ln>
-          <a:effectLst>
-            <a:outerShdw blurRad="50800" dist="38100" dir="5400000" algn="t" rotWithShape="0">
-              <a:prstClr val="black">
-                <a:alpha val="40000"/>
-              </a:prstClr>
-            </a:outerShdw>
-          </a:effectLst>
-        </p:spPr>
-        <p:style>
-          <a:lnRef idx="2">
-            <a:schemeClr val="accent1">
-              <a:shade val="50000"/>
-            </a:schemeClr>
-          </a:lnRef>
-          <a:fillRef idx="1">
-            <a:schemeClr val="accent1"/>
-          </a:fillRef>
-          <a:effectRef idx="0">
-            <a:schemeClr val="accent1"/>
-          </a:effectRef>
-          <a:fontRef idx="minor">
-            <a:schemeClr val="lt1"/>
-          </a:fontRef>
-        </p:style>
-        <p:txBody>
-          <a:bodyPr lIns="91436" tIns="45718" rIns="91436" bIns="45718" rtlCol="0" anchor="ctr"/>
-          <a:lstStyle/>
-          <a:p>
-            <a:pPr algn="ctr" fontAlgn="auto"/>
-            <a:r>
-              <a:rPr lang="en-US" altLang="zh-CN" sz="3600" strike="noStrike" noProof="1" dirty="0"/>
-              <a:t>3</a:t>
-            </a:r>
-            <a:endParaRPr lang="en-US" altLang="zh-CN" sz="3600" strike="noStrike" noProof="1" dirty="0"/>
-          </a:p>
-        </p:txBody>
-      </p:sp>
-      <p:grpSp>
-        <p:nvGrpSpPr>
-          <p:cNvPr id="12291" name="组 397"/>
-          <p:cNvGrpSpPr/>
-          <p:nvPr/>
-        </p:nvGrpSpPr>
-        <p:grpSpPr>
-          <a:xfrm>
-            <a:off x="9283700" y="252351"/>
-            <a:ext cx="2908300" cy="792224"/>
-            <a:chOff x="9284089" y="252793"/>
-            <a:chExt cx="2907908" cy="791907"/>
-          </a:xfrm>
-        </p:grpSpPr>
-        <p:grpSp>
-          <p:nvGrpSpPr>
-            <p:cNvPr id="12292" name="组 398"/>
-            <p:cNvGrpSpPr/>
-            <p:nvPr/>
-          </p:nvGrpSpPr>
-          <p:grpSpPr>
-            <a:xfrm>
-              <a:off x="11454170" y="252793"/>
-              <a:ext cx="737827" cy="484416"/>
-              <a:chOff x="11454170" y="252793"/>
-              <a:chExt cx="737827" cy="484416"/>
-            </a:xfrm>
-          </p:grpSpPr>
-          <p:grpSp>
-            <p:nvGrpSpPr>
-              <p:cNvPr id="12293" name="组 400"/>
-              <p:cNvGrpSpPr/>
-              <p:nvPr/>
-            </p:nvGrpSpPr>
-            <p:grpSpPr>
-              <a:xfrm>
-                <a:off x="12039604" y="252856"/>
-                <a:ext cx="152393" cy="484287"/>
-                <a:chOff x="12039604" y="252856"/>
-                <a:chExt cx="152393" cy="484287"/>
-              </a:xfrm>
-            </p:grpSpPr>
-            <p:sp>
-              <p:nvSpPr>
-                <p:cNvPr id="405" name="圆角矩形 404"/>
-                <p:cNvSpPr/>
-                <p:nvPr/>
-              </p:nvSpPr>
-              <p:spPr>
-                <a:xfrm rot="16200000" flipV="1">
-                  <a:off x="12072988" y="518121"/>
-                  <a:ext cx="85626" cy="152392"/>
-                </a:xfrm>
-                <a:prstGeom prst="roundRect">
-                  <a:avLst>
-                    <a:gd name="adj" fmla="val 5039"/>
-                  </a:avLst>
-                </a:prstGeom>
-                <a:solidFill>
-                  <a:srgbClr val="4472C4"/>
-                </a:solidFill>
-                <a:ln>
-                  <a:noFill/>
-                </a:ln>
-                <a:effectLst>
-                  <a:outerShdw blurRad="50800" dist="38100" dir="5400000" algn="t" rotWithShape="0">
-                    <a:prstClr val="black">
-                      <a:alpha val="40000"/>
-                    </a:prstClr>
-                  </a:outerShdw>
-                </a:effectLst>
-              </p:spPr>
-              <p:style>
-                <a:lnRef idx="2">
-                  <a:schemeClr val="accent1">
-                    <a:shade val="50000"/>
-                  </a:schemeClr>
-                </a:lnRef>
-                <a:fillRef idx="1">
-                  <a:schemeClr val="accent1"/>
-                </a:fillRef>
-                <a:effectRef idx="0">
-                  <a:schemeClr val="accent1"/>
-                </a:effectRef>
-                <a:fontRef idx="minor">
-                  <a:schemeClr val="lt1"/>
-                </a:fontRef>
-              </p:style>
-              <p:txBody>
-                <a:bodyPr rtlCol="0" anchor="ctr"/>
-                <a:lstStyle/>
-                <a:p>
-                  <a:pPr algn="ctr" fontAlgn="auto"/>
-                  <a:endParaRPr lang="zh-CN" altLang="en-US" strike="noStrike" noProof="1"/>
-                </a:p>
-              </p:txBody>
-            </p:sp>
-            <p:sp>
-              <p:nvSpPr>
-                <p:cNvPr id="406" name="圆角矩形 405"/>
-                <p:cNvSpPr/>
-                <p:nvPr/>
-              </p:nvSpPr>
-              <p:spPr>
-                <a:xfrm rot="16200000" flipV="1">
-                  <a:off x="12072988" y="618134"/>
-                  <a:ext cx="85626" cy="152392"/>
-                </a:xfrm>
-                <a:prstGeom prst="roundRect">
-                  <a:avLst>
-                    <a:gd name="adj" fmla="val 5039"/>
-                  </a:avLst>
-                </a:prstGeom>
-                <a:solidFill>
-                  <a:srgbClr val="2F5597"/>
-                </a:solidFill>
-                <a:ln>
-                  <a:noFill/>
-                </a:ln>
-                <a:effectLst>
-                  <a:outerShdw blurRad="50800" dist="38100" dir="5400000" algn="t" rotWithShape="0">
-                    <a:prstClr val="black">
-                      <a:alpha val="40000"/>
-                    </a:prstClr>
-                  </a:outerShdw>
-                </a:effectLst>
-              </p:spPr>
-              <p:style>
-                <a:lnRef idx="2">
-                  <a:schemeClr val="accent1">
-                    <a:shade val="50000"/>
-                  </a:schemeClr>
-                </a:lnRef>
-                <a:fillRef idx="1">
-                  <a:schemeClr val="accent1"/>
-                </a:fillRef>
-                <a:effectRef idx="0">
-                  <a:schemeClr val="accent1"/>
-                </a:effectRef>
-                <a:fontRef idx="minor">
-                  <a:schemeClr val="lt1"/>
-                </a:fontRef>
-              </p:style>
-              <p:txBody>
-                <a:bodyPr rtlCol="0" anchor="ctr"/>
-                <a:lstStyle/>
-                <a:p>
-                  <a:pPr algn="ctr" fontAlgn="auto"/>
-                  <a:endParaRPr lang="zh-CN" altLang="en-US" strike="noStrike" noProof="1"/>
-                </a:p>
-              </p:txBody>
-            </p:sp>
-            <p:sp>
-              <p:nvSpPr>
-                <p:cNvPr id="407" name="圆角矩形 406"/>
-                <p:cNvSpPr/>
-                <p:nvPr/>
-              </p:nvSpPr>
-              <p:spPr>
-                <a:xfrm rot="16200000" flipV="1">
-                  <a:off x="12072988" y="321750"/>
-                  <a:ext cx="85626" cy="152392"/>
-                </a:xfrm>
-                <a:prstGeom prst="roundRect">
-                  <a:avLst>
-                    <a:gd name="adj" fmla="val 5039"/>
-                  </a:avLst>
-                </a:prstGeom>
-                <a:solidFill>
-                  <a:srgbClr val="4472C4"/>
-                </a:solidFill>
-                <a:ln>
-                  <a:noFill/>
-                </a:ln>
-                <a:effectLst>
-                  <a:outerShdw blurRad="50800" dist="38100" dir="5400000" algn="t" rotWithShape="0">
-                    <a:prstClr val="black">
-                      <a:alpha val="40000"/>
-                    </a:prstClr>
-                  </a:outerShdw>
-                </a:effectLst>
-              </p:spPr>
-              <p:style>
-                <a:lnRef idx="2">
-                  <a:schemeClr val="accent1">
-                    <a:shade val="50000"/>
-                  </a:schemeClr>
-                </a:lnRef>
-                <a:fillRef idx="1">
-                  <a:schemeClr val="accent1"/>
-                </a:fillRef>
-                <a:effectRef idx="0">
-                  <a:schemeClr val="accent1"/>
-                </a:effectRef>
-                <a:fontRef idx="minor">
-                  <a:schemeClr val="lt1"/>
-                </a:fontRef>
-              </p:style>
-              <p:txBody>
-                <a:bodyPr rtlCol="0" anchor="ctr"/>
-                <a:lstStyle/>
-                <a:p>
-                  <a:pPr algn="ctr" fontAlgn="auto"/>
-                  <a:endParaRPr lang="zh-CN" altLang="en-US" strike="noStrike" noProof="1"/>
-                </a:p>
-              </p:txBody>
-            </p:sp>
-            <p:sp>
-              <p:nvSpPr>
-                <p:cNvPr id="408" name="圆角矩形 407"/>
-                <p:cNvSpPr/>
-                <p:nvPr/>
-              </p:nvSpPr>
-              <p:spPr>
-                <a:xfrm rot="16200000" flipV="1">
-                  <a:off x="12072988" y="421763"/>
-                  <a:ext cx="85626" cy="152392"/>
-                </a:xfrm>
-                <a:prstGeom prst="roundRect">
-                  <a:avLst>
-                    <a:gd name="adj" fmla="val 5039"/>
-                  </a:avLst>
-                </a:prstGeom>
-                <a:solidFill>
-                  <a:srgbClr val="2F5597"/>
-                </a:solidFill>
-                <a:ln>
-                  <a:noFill/>
-                </a:ln>
-                <a:effectLst>
-                  <a:outerShdw blurRad="50800" dist="38100" dir="5400000" algn="t" rotWithShape="0">
-                    <a:prstClr val="black">
-                      <a:alpha val="40000"/>
-                    </a:prstClr>
-                  </a:outerShdw>
-                </a:effectLst>
-              </p:spPr>
-              <p:style>
-                <a:lnRef idx="2">
-                  <a:schemeClr val="accent1">
-                    <a:shade val="50000"/>
-                  </a:schemeClr>
-                </a:lnRef>
-                <a:fillRef idx="1">
-                  <a:schemeClr val="accent1"/>
-                </a:fillRef>
-                <a:effectRef idx="0">
-                  <a:schemeClr val="accent1"/>
-                </a:effectRef>
-                <a:fontRef idx="minor">
-                  <a:schemeClr val="lt1"/>
-                </a:fontRef>
-              </p:style>
-              <p:txBody>
-                <a:bodyPr rtlCol="0" anchor="ctr"/>
-                <a:lstStyle/>
-                <a:p>
-                  <a:pPr algn="ctr" fontAlgn="auto"/>
-                  <a:endParaRPr lang="zh-CN" altLang="en-US" strike="noStrike" noProof="1"/>
-                </a:p>
-              </p:txBody>
-            </p:sp>
-            <p:sp>
-              <p:nvSpPr>
-                <p:cNvPr id="409" name="圆角矩形 408"/>
-                <p:cNvSpPr/>
-                <p:nvPr/>
-              </p:nvSpPr>
-              <p:spPr>
-                <a:xfrm rot="16200000" flipV="1">
-                  <a:off x="12072987" y="219473"/>
-                  <a:ext cx="85626" cy="152392"/>
-                </a:xfrm>
-                <a:prstGeom prst="roundRect">
-                  <a:avLst>
-                    <a:gd name="adj" fmla="val 5039"/>
-                  </a:avLst>
-                </a:prstGeom>
-                <a:solidFill>
-                  <a:srgbClr val="2F5597"/>
-                </a:solidFill>
-                <a:ln>
-                  <a:noFill/>
-                </a:ln>
-                <a:effectLst>
-                  <a:outerShdw blurRad="50800" dist="38100" dir="5400000" algn="t" rotWithShape="0">
-                    <a:prstClr val="black">
-                      <a:alpha val="40000"/>
-                    </a:prstClr>
-                  </a:outerShdw>
-                </a:effectLst>
-              </p:spPr>
-              <p:style>
-                <a:lnRef idx="2">
-                  <a:schemeClr val="accent1">
-                    <a:shade val="50000"/>
-                  </a:schemeClr>
-                </a:lnRef>
-                <a:fillRef idx="1">
-                  <a:schemeClr val="accent1"/>
-                </a:fillRef>
-                <a:effectRef idx="0">
-                  <a:schemeClr val="accent1"/>
-                </a:effectRef>
-                <a:fontRef idx="minor">
-                  <a:schemeClr val="lt1"/>
-                </a:fontRef>
-              </p:style>
-              <p:txBody>
-                <a:bodyPr rtlCol="0" anchor="ctr"/>
-                <a:lstStyle/>
-                <a:p>
-                  <a:pPr algn="ctr" fontAlgn="auto"/>
-                  <a:endParaRPr lang="zh-CN" altLang="en-US" strike="noStrike" noProof="1"/>
-                </a:p>
-              </p:txBody>
-            </p:sp>
-          </p:grpSp>
-          <p:sp>
-            <p:nvSpPr>
-              <p:cNvPr id="403" name="圆角矩形 402"/>
-              <p:cNvSpPr/>
-              <p:nvPr/>
-            </p:nvSpPr>
-            <p:spPr>
-              <a:xfrm rot="16200000" flipV="1">
-                <a:off x="11457454" y="249508"/>
-                <a:ext cx="484416" cy="490985"/>
-              </a:xfrm>
-              <a:prstGeom prst="roundRect">
-                <a:avLst>
-                  <a:gd name="adj" fmla="val 5039"/>
-                </a:avLst>
-              </a:prstGeom>
-              <a:solidFill>
-                <a:schemeClr val="accent5"/>
-              </a:solidFill>
-              <a:ln>
-                <a:noFill/>
-              </a:ln>
-              <a:effectLst>
-                <a:outerShdw blurRad="50800" dist="38100" dir="5400000" algn="t" rotWithShape="0">
-                  <a:prstClr val="black">
-                    <a:alpha val="40000"/>
-                  </a:prstClr>
-                </a:outerShdw>
-              </a:effectLst>
-            </p:spPr>
-            <p:style>
-              <a:lnRef idx="2">
-                <a:schemeClr val="accent1">
-                  <a:shade val="50000"/>
-                </a:schemeClr>
-              </a:lnRef>
-              <a:fillRef idx="1">
-                <a:schemeClr val="accent1"/>
-              </a:fillRef>
-              <a:effectRef idx="0">
-                <a:schemeClr val="accent1"/>
-              </a:effectRef>
-              <a:fontRef idx="minor">
-                <a:schemeClr val="lt1"/>
-              </a:fontRef>
-            </p:style>
-            <p:txBody>
-              <a:bodyPr rtlCol="0" anchor="ctr"/>
-              <a:lstStyle/>
-              <a:p>
-                <a:pPr algn="ctr" fontAlgn="auto"/>
-                <a:endParaRPr lang="zh-CN" altLang="en-US" strike="noStrike" noProof="1"/>
-              </a:p>
-            </p:txBody>
-          </p:sp>
-        </p:grpSp>
-        <p:sp>
-          <p:nvSpPr>
-            <p:cNvPr id="12302" name="文本框 399"/>
-            <p:cNvSpPr txBox="1"/>
-            <p:nvPr/>
-          </p:nvSpPr>
-          <p:spPr>
-            <a:xfrm>
-              <a:off x="9284089" y="252855"/>
-              <a:ext cx="2170011" cy="791845"/>
-            </a:xfrm>
-            <a:prstGeom prst="rect">
-              <a:avLst/>
-            </a:prstGeom>
-            <a:noFill/>
-            <a:ln w="9525">
-              <a:noFill/>
-            </a:ln>
-          </p:spPr>
-          <p:txBody>
-            <a:bodyPr wrap="square" lIns="91438" tIns="45719" rIns="91438" bIns="45719" anchor="t">
-              <a:spAutoFit/>
-            </a:bodyPr>
-            <a:p>
-              <a:pPr algn="r"/>
-              <a:r>
-                <a:rPr lang="zh-CN" altLang="en-US" sz="1500" dirty="0">
-                  <a:solidFill>
-                    <a:srgbClr val="808080"/>
-                  </a:solidFill>
-                  <a:latin typeface="微软雅黑" panose="020B0503020204020204" pitchFamily="34" charset="-122"/>
-                  <a:ea typeface="微软雅黑" panose="020B0503020204020204" pitchFamily="34" charset="-122"/>
-                </a:rPr>
-                <a:t>重庆邮电大学 </a:t>
-              </a:r>
-              <a:endParaRPr lang="zh-CN" altLang="en-US" sz="1500" dirty="0">
-                <a:solidFill>
-                  <a:srgbClr val="808080"/>
-                </a:solidFill>
-                <a:latin typeface="微软雅黑" panose="020B0503020204020204" pitchFamily="34" charset="-122"/>
-                <a:ea typeface="微软雅黑" panose="020B0503020204020204" pitchFamily="34" charset="-122"/>
-              </a:endParaRPr>
-            </a:p>
-            <a:p>
-              <a:pPr algn="r"/>
-              <a:r>
-                <a:rPr lang="zh-CN" altLang="en-US" sz="1500" dirty="0">
-                  <a:solidFill>
-                    <a:srgbClr val="808080"/>
-                  </a:solidFill>
-                  <a:latin typeface="微软雅黑" panose="020B0503020204020204" pitchFamily="34" charset="-122"/>
-                  <a:ea typeface="微软雅黑" panose="020B0503020204020204" pitchFamily="34" charset="-122"/>
-                </a:rPr>
-                <a:t>计算机科学与技术学院      </a:t>
-              </a:r>
-              <a:endParaRPr lang="en-US" altLang="zh-CN" sz="1500" dirty="0">
-                <a:solidFill>
-                  <a:srgbClr val="808080"/>
-                </a:solidFill>
-                <a:latin typeface="微软雅黑" panose="020B0503020204020204" pitchFamily="34" charset="-122"/>
-                <a:ea typeface="微软雅黑" panose="020B0503020204020204" pitchFamily="34" charset="-122"/>
-              </a:endParaRPr>
-            </a:p>
-            <a:p>
-              <a:pPr algn="r"/>
-              <a:endParaRPr lang="zh-CN" altLang="en-US" sz="1500" dirty="0">
-                <a:solidFill>
-                  <a:srgbClr val="808080"/>
-                </a:solidFill>
-                <a:latin typeface="Segoe UI Semilight" panose="020B0402040204020203" pitchFamily="34" charset="0"/>
-                <a:ea typeface="微软雅黑" panose="020B0503020204020204" pitchFamily="34" charset="-122"/>
-              </a:endParaRPr>
-            </a:p>
-          </p:txBody>
-        </p:sp>
-      </p:grpSp>
-      <p:sp>
-        <p:nvSpPr>
-          <p:cNvPr id="3" name="文本框 2"/>
-          <p:cNvSpPr txBox="1"/>
-          <p:nvPr/>
-        </p:nvSpPr>
-        <p:spPr>
-          <a:xfrm>
-            <a:off x="914400" y="1040130"/>
-            <a:ext cx="10583545" cy="583565"/>
-          </a:xfrm>
-          <a:prstGeom prst="rect">
-            <a:avLst/>
-          </a:prstGeom>
-          <a:noFill/>
-        </p:spPr>
-        <p:txBody>
-          <a:bodyPr wrap="square" rtlCol="0">
-            <a:spAutoFit/>
-          </a:bodyPr>
-          <a:p>
-            <a:pPr algn="ctr"/>
-            <a:r>
-              <a:rPr lang="zh-CN" altLang="en-US" sz="3200" b="1">
-                <a:effectLst>
-                  <a:outerShdw blurRad="38100" dist="19050" dir="2700000" algn="tl" rotWithShape="0">
-                    <a:schemeClr val="dk1">
-                      <a:alpha val="40000"/>
-                    </a:schemeClr>
-                  </a:outerShdw>
-                </a:effectLst>
-              </a:rPr>
-              <a:t>时延情况下的二阶多智能体系统加权一致性</a:t>
-            </a:r>
-            <a:endParaRPr lang="zh-CN" altLang="en-US" sz="3200" b="1">
-              <a:effectLst>
-                <a:outerShdw blurRad="38100" dist="19050" dir="2700000" algn="tl" rotWithShape="0">
-                  <a:schemeClr val="dk1">
-                    <a:alpha val="40000"/>
-                  </a:schemeClr>
-                </a:outerShdw>
-              </a:effectLst>
-            </a:endParaRPr>
-          </a:p>
-        </p:txBody>
-      </p:sp>
-      <p:sp>
-        <p:nvSpPr>
-          <p:cNvPr id="5" name="文本框 4"/>
-          <p:cNvSpPr txBox="1"/>
-          <p:nvPr/>
-        </p:nvSpPr>
-        <p:spPr>
-          <a:xfrm>
-            <a:off x="461645" y="2109470"/>
-            <a:ext cx="4436745" cy="460375"/>
-          </a:xfrm>
-          <a:prstGeom prst="rect">
-            <a:avLst/>
-          </a:prstGeom>
-          <a:noFill/>
-        </p:spPr>
-        <p:txBody>
-          <a:bodyPr wrap="square" rtlCol="0">
-            <a:spAutoFit/>
-          </a:bodyPr>
-          <a:p>
-            <a:r>
-              <a:rPr lang="zh-CN" altLang="en-US" sz="2400" b="1"/>
-              <a:t>控制协议为：</a:t>
-            </a:r>
-            <a:endParaRPr lang="zh-CN" altLang="en-US" sz="2400" b="1"/>
-          </a:p>
-        </p:txBody>
-      </p:sp>
-      <p:graphicFrame>
-        <p:nvGraphicFramePr>
-          <p:cNvPr id="2" name="对象 -2147482581"/>
-          <p:cNvGraphicFramePr>
-            <a:graphicFrameLocks noChangeAspect="1"/>
-          </p:cNvGraphicFramePr>
-          <p:nvPr/>
-        </p:nvGraphicFramePr>
-        <p:xfrm>
-          <a:off x="382270" y="3491865"/>
-          <a:ext cx="11322685" cy="1555750"/>
-        </p:xfrm>
-        <a:graphic>
-          <a:graphicData uri="http://schemas.openxmlformats.org/presentationml/2006/ole">
-            <mc:AlternateContent xmlns:mc="http://schemas.openxmlformats.org/markup-compatibility/2006">
-              <mc:Choice xmlns:v="urn:schemas-microsoft-com:vml" Requires="v">
-                <p:oleObj spid="_x0000_s8" name="" r:id="rId1" imgW="4610100" imgH="673100" progId="Equation.DSMT4">
-                  <p:embed/>
-                </p:oleObj>
-              </mc:Choice>
-              <mc:Fallback>
-                <p:oleObj name="" r:id="rId1" imgW="4610100" imgH="673100" progId="Equation.DSMT4">
-                  <p:embed/>
-                  <p:pic>
-                    <p:nvPicPr>
-                      <p:cNvPr id="0" name="图片 7"/>
-                      <p:cNvPicPr/>
-                      <p:nvPr/>
-                    </p:nvPicPr>
-                    <p:blipFill>
-                      <a:blip r:embed="rId2"/>
-                      <a:stretch>
-                        <a:fillRect/>
-                      </a:stretch>
-                    </p:blipFill>
-                    <p:spPr>
-                      <a:xfrm>
-                        <a:off x="382270" y="3491865"/>
-                        <a:ext cx="11322685" cy="1555750"/>
-                      </a:xfrm>
-                      <a:prstGeom prst="rect">
-                        <a:avLst/>
-                      </a:prstGeom>
-                      <a:noFill/>
-                      <a:ln w="38100">
-                        <a:noFill/>
-                        <a:miter/>
-                      </a:ln>
-                    </p:spPr>
-                  </p:pic>
-                </p:oleObj>
-              </mc:Fallback>
-            </mc:AlternateContent>
-          </a:graphicData>
-        </a:graphic>
-      </p:graphicFrame>
-      <p:graphicFrame>
-        <p:nvGraphicFramePr>
-          <p:cNvPr id="6" name="对象 5">
-            <a:hlinkClick r:id="" action="ppaction://ole?verb="/>
-          </p:cNvPr>
-          <p:cNvGraphicFramePr>
-            <a:graphicFrameLocks noChangeAspect="1"/>
-          </p:cNvGraphicFramePr>
-          <p:nvPr/>
-        </p:nvGraphicFramePr>
-        <p:xfrm>
-          <a:off x="5486400" y="4086225"/>
-          <a:ext cx="914400" cy="198755"/>
-        </p:xfrm>
-        <a:graphic>
-          <a:graphicData uri="http://schemas.openxmlformats.org/presentationml/2006/ole">
-            <mc:AlternateContent xmlns:mc="http://schemas.openxmlformats.org/markup-compatibility/2006">
-              <mc:Choice xmlns:v="urn:schemas-microsoft-com:vml" Requires="v">
-                <p:oleObj spid="_x0000_s1025" name="" r:id="rId3" imgW="914400" imgH="198755" progId="Equation.KSEE3">
-                  <p:embed/>
-                </p:oleObj>
-              </mc:Choice>
-              <mc:Fallback>
-                <p:oleObj name="" r:id="rId3" imgW="914400" imgH="198755" progId="Equation.KSEE3">
-                  <p:embed/>
-                  <p:pic>
-                    <p:nvPicPr>
-                      <p:cNvPr id="0" name="图片 1024"/>
-                      <p:cNvPicPr/>
-                      <p:nvPr/>
-                    </p:nvPicPr>
-                    <p:blipFill>
-                      <a:blip r:embed="rId4"/>
-                      <a:stretch>
-                        <a:fillRect/>
-                      </a:stretch>
-                    </p:blipFill>
-                    <p:spPr>
-                      <a:xfrm>
-                        <a:off x="5486400" y="4086225"/>
-                        <a:ext cx="914400" cy="198755"/>
-                      </a:xfrm>
-                      <a:prstGeom prst="rect">
-                        <a:avLst/>
-                      </a:prstGeom>
-                    </p:spPr>
-                  </p:pic>
-                </p:oleObj>
-              </mc:Fallback>
-            </mc:AlternateContent>
-          </a:graphicData>
-        </a:graphic>
-      </p:graphicFrame>
-      <p:sp>
-        <p:nvSpPr>
-          <p:cNvPr id="10" name="矩形 9"/>
-          <p:cNvSpPr/>
-          <p:nvPr/>
-        </p:nvSpPr>
-        <p:spPr>
-          <a:xfrm>
-            <a:off x="3937635" y="4364990"/>
-            <a:ext cx="183515" cy="311150"/>
-          </a:xfrm>
-          <a:prstGeom prst="rect">
-            <a:avLst/>
-          </a:prstGeom>
-          <a:noFill/>
-          <a:ln>
-            <a:solidFill>
-              <a:srgbClr val="FF0000"/>
-            </a:solidFill>
-          </a:ln>
-          <a:extLst>
-            <a:ext uri="{909E8E84-426E-40DD-AFC4-6F175D3DCCD1}">
-              <a14:hiddenFill xmlns:a14="http://schemas.microsoft.com/office/drawing/2010/main">
-                <a:solidFill>
-                  <a:schemeClr val="lt1"/>
-                </a:solidFill>
-              </a14:hiddenFill>
-            </a:ext>
-          </a:extLst>
-        </p:spPr>
-        <p:style>
-          <a:lnRef idx="2">
-            <a:schemeClr val="accent2"/>
-          </a:lnRef>
-          <a:fillRef idx="1">
-            <a:schemeClr val="lt1"/>
-          </a:fillRef>
-          <a:effectRef idx="0">
-            <a:schemeClr val="accent2"/>
-          </a:effectRef>
-          <a:fontRef idx="minor">
-            <a:schemeClr val="dk1"/>
-          </a:fontRef>
-        </p:style>
-        <p:txBody>
-          <a:bodyPr rtlCol="0" anchor="ctr"/>
-          <a:p>
-            <a:pPr algn="ctr"/>
             <a:endParaRPr lang="zh-CN" altLang="en-US"/>
           </a:p>
         </p:txBody>
       </p:sp>
       <p:sp>
         <p:nvSpPr>
-          <p:cNvPr id="11" name="矩形 10"/>
-          <p:cNvSpPr/>
-          <p:nvPr/>
+          <p:cNvPr id="3" name="内容占位符 2"/>
+          <p:cNvSpPr>
+            <a:spLocks noGrp="1"/>
+          </p:cNvSpPr>
+          <p:nvPr>
+            <p:ph idx="1"/>
+          </p:nvPr>
         </p:nvSpPr>
-        <p:spPr>
-          <a:xfrm>
-            <a:off x="5281295" y="4364990"/>
-            <a:ext cx="205740" cy="311150"/>
-          </a:xfrm>
-          <a:prstGeom prst="rect">
-            <a:avLst/>
-          </a:prstGeom>
-          <a:noFill/>
-          <a:ln>
-            <a:solidFill>
-              <a:srgbClr val="FF0000"/>
-            </a:solidFill>
-          </a:ln>
-          <a:extLst>
-            <a:ext uri="{909E8E84-426E-40DD-AFC4-6F175D3DCCD1}">
-              <a14:hiddenFill xmlns:a14="http://schemas.microsoft.com/office/drawing/2010/main">
-                <a:solidFill>
-                  <a:schemeClr val="lt1"/>
-                </a:solidFill>
-              </a14:hiddenFill>
-            </a:ext>
-          </a:extLst>
-        </p:spPr>
-        <p:style>
-          <a:lnRef idx="2">
-            <a:schemeClr val="accent2"/>
-          </a:lnRef>
-          <a:fillRef idx="1">
-            <a:schemeClr val="lt1"/>
-          </a:fillRef>
-          <a:effectRef idx="0">
-            <a:schemeClr val="accent2"/>
-          </a:effectRef>
-          <a:fontRef idx="minor">
-            <a:schemeClr val="dk1"/>
-          </a:fontRef>
-        </p:style>
+        <p:spPr/>
         <p:txBody>
-          <a:bodyPr rtlCol="0" anchor="ctr"/>
+          <a:bodyPr/>
           <a:p>
-            <a:pPr algn="ctr"/>
             <a:endParaRPr lang="zh-CN" altLang="en-US"/>
           </a:p>
         </p:txBody>
       </p:sp>
-      <p:sp>
-        <p:nvSpPr>
-          <p:cNvPr id="12" name="矩形 11"/>
-          <p:cNvSpPr/>
-          <p:nvPr/>
-        </p:nvSpPr>
-        <p:spPr>
-          <a:xfrm>
-            <a:off x="7978775" y="4364990"/>
-            <a:ext cx="183515" cy="311150"/>
-          </a:xfrm>
-          <a:prstGeom prst="rect">
-            <a:avLst/>
-          </a:prstGeom>
-          <a:noFill/>
-          <a:ln>
-            <a:solidFill>
-              <a:srgbClr val="FF0000"/>
-            </a:solidFill>
-          </a:ln>
-          <a:extLst>
-            <a:ext uri="{909E8E84-426E-40DD-AFC4-6F175D3DCCD1}">
-              <a14:hiddenFill xmlns:a14="http://schemas.microsoft.com/office/drawing/2010/main">
-                <a:solidFill>
-                  <a:schemeClr val="lt1"/>
-                </a:solidFill>
-              </a14:hiddenFill>
-            </a:ext>
-          </a:extLst>
-        </p:spPr>
-        <p:style>
-          <a:lnRef idx="2">
-            <a:schemeClr val="accent2"/>
-          </a:lnRef>
-          <a:fillRef idx="1">
-            <a:schemeClr val="lt1"/>
-          </a:fillRef>
-          <a:effectRef idx="0">
-            <a:schemeClr val="accent2"/>
-          </a:effectRef>
-          <a:fontRef idx="minor">
-            <a:schemeClr val="dk1"/>
-          </a:fontRef>
-        </p:style>
-        <p:txBody>
-          <a:bodyPr rtlCol="0" anchor="ctr"/>
-          <a:p>
-            <a:pPr algn="ctr"/>
-            <a:endParaRPr lang="zh-CN" altLang="en-US"/>
-          </a:p>
-        </p:txBody>
-      </p:sp>
-      <p:sp>
-        <p:nvSpPr>
-          <p:cNvPr id="15" name="矩形 14"/>
-          <p:cNvSpPr/>
-          <p:nvPr/>
-        </p:nvSpPr>
-        <p:spPr>
-          <a:xfrm>
-            <a:off x="9349105" y="4364990"/>
-            <a:ext cx="183515" cy="311150"/>
-          </a:xfrm>
-          <a:prstGeom prst="rect">
-            <a:avLst/>
-          </a:prstGeom>
-          <a:noFill/>
-          <a:ln>
-            <a:solidFill>
-              <a:srgbClr val="FF0000"/>
-            </a:solidFill>
-          </a:ln>
-          <a:extLst>
-            <a:ext uri="{909E8E84-426E-40DD-AFC4-6F175D3DCCD1}">
-              <a14:hiddenFill xmlns:a14="http://schemas.microsoft.com/office/drawing/2010/main">
-                <a:solidFill>
-                  <a:schemeClr val="lt1"/>
-                </a:solidFill>
-              </a14:hiddenFill>
-            </a:ext>
-          </a:extLst>
-        </p:spPr>
-        <p:style>
-          <a:lnRef idx="2">
-            <a:schemeClr val="accent2"/>
-          </a:lnRef>
-          <a:fillRef idx="1">
-            <a:schemeClr val="lt1"/>
-          </a:fillRef>
-          <a:effectRef idx="0">
-            <a:schemeClr val="accent2"/>
-          </a:effectRef>
-          <a:fontRef idx="minor">
-            <a:schemeClr val="dk1"/>
-          </a:fontRef>
-        </p:style>
-        <p:txBody>
-          <a:bodyPr rtlCol="0" anchor="ctr"/>
-          <a:p>
-            <a:pPr algn="ctr"/>
-            <a:endParaRPr lang="zh-CN" altLang="en-US"/>
-          </a:p>
-        </p:txBody>
-      </p:sp>
-      <p:sp>
-        <p:nvSpPr>
-          <p:cNvPr id="4" name="文本框 3"/>
-          <p:cNvSpPr txBox="1"/>
-          <p:nvPr/>
-        </p:nvSpPr>
-        <p:spPr>
-          <a:xfrm>
-            <a:off x="1152525" y="4818380"/>
-            <a:ext cx="10135870" cy="383540"/>
-          </a:xfrm>
-          <a:prstGeom prst="rect">
-            <a:avLst/>
-          </a:prstGeom>
-          <a:noFill/>
-        </p:spPr>
-        <p:txBody>
-          <a:bodyPr wrap="square" rtlCol="0">
-            <a:spAutoFit/>
-          </a:bodyPr>
-          <a:p>
-            <a:r>
-              <a:rPr lang="en-US" altLang="zh-CN"/>
-              <a:t>	</a:t>
-            </a:r>
-            <a:endParaRPr lang="en-US" altLang="zh-CN"/>
-          </a:p>
-        </p:txBody>
-      </p:sp>
-      <p:pic>
-        <p:nvPicPr>
-          <p:cNvPr id="21" name="图片 20" descr="图片1"/>
-          <p:cNvPicPr>
-            <a:picLocks noChangeAspect="1"/>
-          </p:cNvPicPr>
-          <p:nvPr/>
-        </p:nvPicPr>
-        <p:blipFill>
-          <a:blip r:embed="rId5"/>
-          <a:stretch>
-            <a:fillRect/>
-          </a:stretch>
-        </p:blipFill>
-        <p:spPr>
-          <a:xfrm>
-            <a:off x="11454130" y="246380"/>
-            <a:ext cx="478155" cy="478155"/>
-          </a:xfrm>
-          <a:prstGeom prst="rect">
-            <a:avLst/>
-          </a:prstGeom>
-        </p:spPr>
-      </p:pic>
     </p:spTree>
   </p:cSld>
   <p:clrMapOvr>
     <a:masterClrMapping/>
   </p:clrMapOvr>
-  <p:transition>
-    <p:blinds dir="vert"/>
-  </p:transition>
+  <mc:AlternateContent xmlns:mc="http://schemas.openxmlformats.org/markup-compatibility/2006">
+    <mc:Choice xmlns:p14="http://schemas.microsoft.com/office/powerpoint/2010/main" Requires="p14">
+      <p:transition p14:dur="500">
+        <p:blinds dir="vert"/>
+      </p:transition>
+    </mc:Choice>
+    <mc:Fallback>
+      <p:transition>
+        <p:blinds dir="vert"/>
+      </p:transition>
+    </mc:Fallback>
+  </mc:AlternateContent>
 </p:sld>
 </file>
 
@@ -23670,7 +23756,7 @@
   <p:clrMapOvr>
     <a:masterClrMapping/>
   </p:clrMapOvr>
-  <p:transition>
+  <p:transition advTm="16333">
     <p:blinds dir="vert"/>
   </p:transition>
 </p:sld>
@@ -23749,7 +23835,23 @@
             <a:pPr algn="l" fontAlgn="auto"/>
             <a:r>
               <a:rPr lang="en-US" altLang="zh-CN" sz="2400" strike="noStrike" noProof="1"/>
-              <a:t>3.2 时延情况下的二阶多智能体系统加权一致性</a:t>
+              <a:t>3.2 时延</a:t>
+            </a:r>
+            <a:r>
+              <a:rPr lang="zh-CN" altLang="en-US" sz="2400" strike="noStrike" noProof="1"/>
+              <a:t>影响</a:t>
+            </a:r>
+            <a:r>
+              <a:rPr lang="en-US" altLang="zh-CN" sz="2400" strike="noStrike" noProof="1"/>
+              <a:t>下的二阶</a:t>
+            </a:r>
+            <a:r>
+              <a:rPr lang="zh-CN" altLang="en-US" sz="2400" strike="noStrike" noProof="1"/>
+              <a:t>连续时间</a:t>
+            </a:r>
+            <a:r>
+              <a:rPr lang="en-US" altLang="zh-CN" sz="2400" strike="noStrike" noProof="1"/>
+              <a:t>多智能体系统加权一致性</a:t>
             </a:r>
             <a:endParaRPr lang="zh-CN" altLang="en-US" sz="2400" strike="noStrike" noProof="1"/>
           </a:p>
@@ -24296,7 +24398,1059 @@
                   </a:outerShdw>
                 </a:effectLst>
               </a:rPr>
-              <a:t>时延情况下的二阶多智能体系统加权一致性</a:t>
+              <a:t>时延影响下的二阶连续时间多智能体系统加权一致性</a:t>
+            </a:r>
+            <a:endParaRPr lang="zh-CN" altLang="en-US" sz="3200" b="1">
+              <a:effectLst>
+                <a:outerShdw blurRad="38100" dist="19050" dir="2700000" algn="tl" rotWithShape="0">
+                  <a:schemeClr val="dk1">
+                    <a:alpha val="40000"/>
+                  </a:schemeClr>
+                </a:outerShdw>
+              </a:effectLst>
+            </a:endParaRPr>
+          </a:p>
+        </p:txBody>
+      </p:sp>
+      <p:sp>
+        <p:nvSpPr>
+          <p:cNvPr id="5" name="文本框 4"/>
+          <p:cNvSpPr txBox="1"/>
+          <p:nvPr/>
+        </p:nvSpPr>
+        <p:spPr>
+          <a:xfrm>
+            <a:off x="461645" y="2109470"/>
+            <a:ext cx="4436745" cy="460375"/>
+          </a:xfrm>
+          <a:prstGeom prst="rect">
+            <a:avLst/>
+          </a:prstGeom>
+          <a:noFill/>
+        </p:spPr>
+        <p:txBody>
+          <a:bodyPr wrap="square" rtlCol="0">
+            <a:spAutoFit/>
+          </a:bodyPr>
+          <a:p>
+            <a:r>
+              <a:rPr lang="zh-CN" altLang="en-US" sz="2400" b="1"/>
+              <a:t>控制协议为：</a:t>
+            </a:r>
+            <a:endParaRPr lang="zh-CN" altLang="en-US" sz="2400" b="1"/>
+          </a:p>
+        </p:txBody>
+      </p:sp>
+      <p:graphicFrame>
+        <p:nvGraphicFramePr>
+          <p:cNvPr id="2" name="对象 -2147482581"/>
+          <p:cNvGraphicFramePr>
+            <a:graphicFrameLocks noChangeAspect="1"/>
+          </p:cNvGraphicFramePr>
+          <p:nvPr/>
+        </p:nvGraphicFramePr>
+        <p:xfrm>
+          <a:off x="382270" y="3491865"/>
+          <a:ext cx="11322685" cy="1555750"/>
+        </p:xfrm>
+        <a:graphic>
+          <a:graphicData uri="http://schemas.openxmlformats.org/presentationml/2006/ole">
+            <mc:AlternateContent xmlns:mc="http://schemas.openxmlformats.org/markup-compatibility/2006">
+              <mc:Choice xmlns:v="urn:schemas-microsoft-com:vml" Requires="v">
+                <p:oleObj spid="_x0000_s8" name="" r:id="rId1" imgW="4610100" imgH="673100" progId="Equation.DSMT4">
+                  <p:embed/>
+                </p:oleObj>
+              </mc:Choice>
+              <mc:Fallback>
+                <p:oleObj name="" r:id="rId1" imgW="4610100" imgH="673100" progId="Equation.DSMT4">
+                  <p:embed/>
+                  <p:pic>
+                    <p:nvPicPr>
+                      <p:cNvPr id="0" name="图片 7"/>
+                      <p:cNvPicPr/>
+                      <p:nvPr/>
+                    </p:nvPicPr>
+                    <p:blipFill>
+                      <a:blip r:embed="rId2"/>
+                      <a:stretch>
+                        <a:fillRect/>
+                      </a:stretch>
+                    </p:blipFill>
+                    <p:spPr>
+                      <a:xfrm>
+                        <a:off x="382270" y="3491865"/>
+                        <a:ext cx="11322685" cy="1555750"/>
+                      </a:xfrm>
+                      <a:prstGeom prst="rect">
+                        <a:avLst/>
+                      </a:prstGeom>
+                      <a:noFill/>
+                      <a:ln w="38100">
+                        <a:noFill/>
+                        <a:miter/>
+                      </a:ln>
+                    </p:spPr>
+                  </p:pic>
+                </p:oleObj>
+              </mc:Fallback>
+            </mc:AlternateContent>
+          </a:graphicData>
+        </a:graphic>
+      </p:graphicFrame>
+      <p:graphicFrame>
+        <p:nvGraphicFramePr>
+          <p:cNvPr id="6" name="对象 5">
+            <a:hlinkClick r:id="" action="ppaction://ole?verb="/>
+          </p:cNvPr>
+          <p:cNvGraphicFramePr>
+            <a:graphicFrameLocks noChangeAspect="1"/>
+          </p:cNvGraphicFramePr>
+          <p:nvPr/>
+        </p:nvGraphicFramePr>
+        <p:xfrm>
+          <a:off x="5486400" y="4086225"/>
+          <a:ext cx="914400" cy="198755"/>
+        </p:xfrm>
+        <a:graphic>
+          <a:graphicData uri="http://schemas.openxmlformats.org/presentationml/2006/ole">
+            <mc:AlternateContent xmlns:mc="http://schemas.openxmlformats.org/markup-compatibility/2006">
+              <mc:Choice xmlns:v="urn:schemas-microsoft-com:vml" Requires="v">
+                <p:oleObj spid="_x0000_s1025" name="" r:id="rId3" imgW="914400" imgH="198755" progId="Equation.KSEE3">
+                  <p:embed/>
+                </p:oleObj>
+              </mc:Choice>
+              <mc:Fallback>
+                <p:oleObj name="" r:id="rId3" imgW="914400" imgH="198755" progId="Equation.KSEE3">
+                  <p:embed/>
+                  <p:pic>
+                    <p:nvPicPr>
+                      <p:cNvPr id="0" name="图片 1024"/>
+                      <p:cNvPicPr/>
+                      <p:nvPr/>
+                    </p:nvPicPr>
+                    <p:blipFill>
+                      <a:blip r:embed="rId4"/>
+                      <a:stretch>
+                        <a:fillRect/>
+                      </a:stretch>
+                    </p:blipFill>
+                    <p:spPr>
+                      <a:xfrm>
+                        <a:off x="5486400" y="4086225"/>
+                        <a:ext cx="914400" cy="198755"/>
+                      </a:xfrm>
+                      <a:prstGeom prst="rect">
+                        <a:avLst/>
+                      </a:prstGeom>
+                    </p:spPr>
+                  </p:pic>
+                </p:oleObj>
+              </mc:Fallback>
+            </mc:AlternateContent>
+          </a:graphicData>
+        </a:graphic>
+      </p:graphicFrame>
+      <p:sp>
+        <p:nvSpPr>
+          <p:cNvPr id="10" name="矩形 9"/>
+          <p:cNvSpPr/>
+          <p:nvPr/>
+        </p:nvSpPr>
+        <p:spPr>
+          <a:xfrm>
+            <a:off x="3937635" y="4364990"/>
+            <a:ext cx="183515" cy="311150"/>
+          </a:xfrm>
+          <a:prstGeom prst="rect">
+            <a:avLst/>
+          </a:prstGeom>
+          <a:noFill/>
+          <a:ln>
+            <a:solidFill>
+              <a:srgbClr val="FF0000"/>
+            </a:solidFill>
+          </a:ln>
+          <a:extLst>
+            <a:ext uri="{909E8E84-426E-40DD-AFC4-6F175D3DCCD1}">
+              <a14:hiddenFill xmlns:a14="http://schemas.microsoft.com/office/drawing/2010/main">
+                <a:solidFill>
+                  <a:schemeClr val="lt1"/>
+                </a:solidFill>
+              </a14:hiddenFill>
+            </a:ext>
+          </a:extLst>
+        </p:spPr>
+        <p:style>
+          <a:lnRef idx="2">
+            <a:schemeClr val="accent2"/>
+          </a:lnRef>
+          <a:fillRef idx="1">
+            <a:schemeClr val="lt1"/>
+          </a:fillRef>
+          <a:effectRef idx="0">
+            <a:schemeClr val="accent2"/>
+          </a:effectRef>
+          <a:fontRef idx="minor">
+            <a:schemeClr val="dk1"/>
+          </a:fontRef>
+        </p:style>
+        <p:txBody>
+          <a:bodyPr rtlCol="0" anchor="ctr"/>
+          <a:p>
+            <a:pPr algn="ctr"/>
+            <a:endParaRPr lang="zh-CN" altLang="en-US"/>
+          </a:p>
+        </p:txBody>
+      </p:sp>
+      <p:sp>
+        <p:nvSpPr>
+          <p:cNvPr id="11" name="矩形 10"/>
+          <p:cNvSpPr/>
+          <p:nvPr/>
+        </p:nvSpPr>
+        <p:spPr>
+          <a:xfrm>
+            <a:off x="5281295" y="4364990"/>
+            <a:ext cx="205740" cy="311150"/>
+          </a:xfrm>
+          <a:prstGeom prst="rect">
+            <a:avLst/>
+          </a:prstGeom>
+          <a:noFill/>
+          <a:ln>
+            <a:solidFill>
+              <a:srgbClr val="FF0000"/>
+            </a:solidFill>
+          </a:ln>
+          <a:extLst>
+            <a:ext uri="{909E8E84-426E-40DD-AFC4-6F175D3DCCD1}">
+              <a14:hiddenFill xmlns:a14="http://schemas.microsoft.com/office/drawing/2010/main">
+                <a:solidFill>
+                  <a:schemeClr val="lt1"/>
+                </a:solidFill>
+              </a14:hiddenFill>
+            </a:ext>
+          </a:extLst>
+        </p:spPr>
+        <p:style>
+          <a:lnRef idx="2">
+            <a:schemeClr val="accent2"/>
+          </a:lnRef>
+          <a:fillRef idx="1">
+            <a:schemeClr val="lt1"/>
+          </a:fillRef>
+          <a:effectRef idx="0">
+            <a:schemeClr val="accent2"/>
+          </a:effectRef>
+          <a:fontRef idx="minor">
+            <a:schemeClr val="dk1"/>
+          </a:fontRef>
+        </p:style>
+        <p:txBody>
+          <a:bodyPr rtlCol="0" anchor="ctr"/>
+          <a:p>
+            <a:pPr algn="ctr"/>
+            <a:endParaRPr lang="zh-CN" altLang="en-US"/>
+          </a:p>
+        </p:txBody>
+      </p:sp>
+      <p:sp>
+        <p:nvSpPr>
+          <p:cNvPr id="12" name="矩形 11"/>
+          <p:cNvSpPr/>
+          <p:nvPr/>
+        </p:nvSpPr>
+        <p:spPr>
+          <a:xfrm>
+            <a:off x="7978775" y="4364990"/>
+            <a:ext cx="183515" cy="311150"/>
+          </a:xfrm>
+          <a:prstGeom prst="rect">
+            <a:avLst/>
+          </a:prstGeom>
+          <a:noFill/>
+          <a:ln>
+            <a:solidFill>
+              <a:srgbClr val="FF0000"/>
+            </a:solidFill>
+          </a:ln>
+          <a:extLst>
+            <a:ext uri="{909E8E84-426E-40DD-AFC4-6F175D3DCCD1}">
+              <a14:hiddenFill xmlns:a14="http://schemas.microsoft.com/office/drawing/2010/main">
+                <a:solidFill>
+                  <a:schemeClr val="lt1"/>
+                </a:solidFill>
+              </a14:hiddenFill>
+            </a:ext>
+          </a:extLst>
+        </p:spPr>
+        <p:style>
+          <a:lnRef idx="2">
+            <a:schemeClr val="accent2"/>
+          </a:lnRef>
+          <a:fillRef idx="1">
+            <a:schemeClr val="lt1"/>
+          </a:fillRef>
+          <a:effectRef idx="0">
+            <a:schemeClr val="accent2"/>
+          </a:effectRef>
+          <a:fontRef idx="minor">
+            <a:schemeClr val="dk1"/>
+          </a:fontRef>
+        </p:style>
+        <p:txBody>
+          <a:bodyPr rtlCol="0" anchor="ctr"/>
+          <a:p>
+            <a:pPr algn="ctr"/>
+            <a:endParaRPr lang="zh-CN" altLang="en-US"/>
+          </a:p>
+        </p:txBody>
+      </p:sp>
+      <p:sp>
+        <p:nvSpPr>
+          <p:cNvPr id="15" name="矩形 14"/>
+          <p:cNvSpPr/>
+          <p:nvPr/>
+        </p:nvSpPr>
+        <p:spPr>
+          <a:xfrm>
+            <a:off x="9349105" y="4364990"/>
+            <a:ext cx="183515" cy="311150"/>
+          </a:xfrm>
+          <a:prstGeom prst="rect">
+            <a:avLst/>
+          </a:prstGeom>
+          <a:noFill/>
+          <a:ln>
+            <a:solidFill>
+              <a:srgbClr val="FF0000"/>
+            </a:solidFill>
+          </a:ln>
+          <a:extLst>
+            <a:ext uri="{909E8E84-426E-40DD-AFC4-6F175D3DCCD1}">
+              <a14:hiddenFill xmlns:a14="http://schemas.microsoft.com/office/drawing/2010/main">
+                <a:solidFill>
+                  <a:schemeClr val="lt1"/>
+                </a:solidFill>
+              </a14:hiddenFill>
+            </a:ext>
+          </a:extLst>
+        </p:spPr>
+        <p:style>
+          <a:lnRef idx="2">
+            <a:schemeClr val="accent2"/>
+          </a:lnRef>
+          <a:fillRef idx="1">
+            <a:schemeClr val="lt1"/>
+          </a:fillRef>
+          <a:effectRef idx="0">
+            <a:schemeClr val="accent2"/>
+          </a:effectRef>
+          <a:fontRef idx="minor">
+            <a:schemeClr val="dk1"/>
+          </a:fontRef>
+        </p:style>
+        <p:txBody>
+          <a:bodyPr rtlCol="0" anchor="ctr"/>
+          <a:p>
+            <a:pPr algn="ctr"/>
+            <a:endParaRPr lang="zh-CN" altLang="en-US"/>
+          </a:p>
+        </p:txBody>
+      </p:sp>
+      <p:sp>
+        <p:nvSpPr>
+          <p:cNvPr id="4" name="文本框 3"/>
+          <p:cNvSpPr txBox="1"/>
+          <p:nvPr/>
+        </p:nvSpPr>
+        <p:spPr>
+          <a:xfrm>
+            <a:off x="1152525" y="4818380"/>
+            <a:ext cx="10135870" cy="383540"/>
+          </a:xfrm>
+          <a:prstGeom prst="rect">
+            <a:avLst/>
+          </a:prstGeom>
+          <a:noFill/>
+        </p:spPr>
+        <p:txBody>
+          <a:bodyPr wrap="square" rtlCol="0">
+            <a:spAutoFit/>
+          </a:bodyPr>
+          <a:p>
+            <a:r>
+              <a:rPr lang="en-US" altLang="zh-CN"/>
+              <a:t>	</a:t>
+            </a:r>
+            <a:endParaRPr lang="en-US" altLang="zh-CN"/>
+          </a:p>
+        </p:txBody>
+      </p:sp>
+      <p:pic>
+        <p:nvPicPr>
+          <p:cNvPr id="21" name="图片 20" descr="图片1"/>
+          <p:cNvPicPr>
+            <a:picLocks noChangeAspect="1"/>
+          </p:cNvPicPr>
+          <p:nvPr/>
+        </p:nvPicPr>
+        <p:blipFill>
+          <a:blip r:embed="rId5"/>
+          <a:stretch>
+            <a:fillRect/>
+          </a:stretch>
+        </p:blipFill>
+        <p:spPr>
+          <a:xfrm>
+            <a:off x="11454130" y="246380"/>
+            <a:ext cx="478155" cy="478155"/>
+          </a:xfrm>
+          <a:prstGeom prst="rect">
+            <a:avLst/>
+          </a:prstGeom>
+        </p:spPr>
+      </p:pic>
+    </p:spTree>
+  </p:cSld>
+  <p:clrMapOvr>
+    <a:masterClrMapping/>
+  </p:clrMapOvr>
+  <p:transition advTm="15117">
+    <p:blinds dir="vert"/>
+  </p:transition>
+</p:sld>
+</file>
+
+<file path=ppt/slides/slide21.xml><?xml version="1.0" encoding="utf-8"?>
+<p:sld xmlns:a="http://schemas.openxmlformats.org/drawingml/2006/main" xmlns:r="http://schemas.openxmlformats.org/officeDocument/2006/relationships" xmlns:p="http://schemas.openxmlformats.org/presentationml/2006/main">
+  <p:cSld>
+    <p:spTree>
+      <p:nvGrpSpPr>
+        <p:cNvPr id="1" name=""/>
+        <p:cNvGrpSpPr/>
+        <p:nvPr/>
+      </p:nvGrpSpPr>
+      <p:grpSpPr/>
+      <p:sp>
+        <p:nvSpPr>
+          <p:cNvPr id="394" name="矩形 393"/>
+          <p:cNvSpPr/>
+          <p:nvPr/>
+        </p:nvSpPr>
+        <p:spPr>
+          <a:xfrm>
+            <a:off x="635953" y="249238"/>
+            <a:ext cx="9869488" cy="484188"/>
+          </a:xfrm>
+          <a:prstGeom prst="rect">
+            <a:avLst/>
+          </a:prstGeom>
+          <a:gradFill>
+            <a:gsLst>
+              <a:gs pos="0">
+                <a:schemeClr val="accent1">
+                  <a:lumMod val="5000"/>
+                  <a:lumOff val="95000"/>
+                  <a:alpha val="0"/>
+                </a:schemeClr>
+              </a:gs>
+              <a:gs pos="78000">
+                <a:schemeClr val="accent5"/>
+              </a:gs>
+            </a:gsLst>
+            <a:lin ang="10800000" scaled="0"/>
+          </a:gradFill>
+          <a:ln>
+            <a:noFill/>
+          </a:ln>
+          <a:effectLst>
+            <a:outerShdw blurRad="393700" dist="76200" dir="5820000" sx="99000" sy="99000" algn="t" rotWithShape="0">
+              <a:prstClr val="black">
+                <a:alpha val="50000"/>
+              </a:prstClr>
+            </a:outerShdw>
+          </a:effectLst>
+        </p:spPr>
+        <p:style>
+          <a:lnRef idx="2">
+            <a:schemeClr val="accent1">
+              <a:shade val="50000"/>
+            </a:schemeClr>
+          </a:lnRef>
+          <a:fillRef idx="1">
+            <a:schemeClr val="accent1"/>
+          </a:fillRef>
+          <a:effectRef idx="0">
+            <a:schemeClr val="accent1"/>
+          </a:effectRef>
+          <a:fontRef idx="minor">
+            <a:schemeClr val="lt1"/>
+          </a:fontRef>
+        </p:style>
+        <p:txBody>
+          <a:bodyPr lIns="91436" tIns="45718" rIns="91436" bIns="45718" rtlCol="0" anchor="ctr"/>
+          <a:lstStyle/>
+          <a:p>
+            <a:pPr algn="l" fontAlgn="auto"/>
+            <a:r>
+              <a:rPr lang="en-US" altLang="zh-CN" sz="2400" strike="noStrike" noProof="1"/>
+              <a:t>3.2 时延情况下的二阶</a:t>
+            </a:r>
+            <a:r>
+              <a:rPr lang="zh-CN" altLang="en-US" sz="2400" strike="noStrike" noProof="1"/>
+              <a:t>连续时间</a:t>
+            </a:r>
+            <a:r>
+              <a:rPr lang="en-US" altLang="zh-CN" sz="2400" strike="noStrike" noProof="1"/>
+              <a:t>多智能体系统加权一致性</a:t>
+            </a:r>
+            <a:endParaRPr lang="zh-CN" altLang="en-US" sz="2400" strike="noStrike" noProof="1"/>
+          </a:p>
+        </p:txBody>
+      </p:sp>
+      <p:sp>
+        <p:nvSpPr>
+          <p:cNvPr id="395" name="圆角矩形 394"/>
+          <p:cNvSpPr/>
+          <p:nvPr/>
+        </p:nvSpPr>
+        <p:spPr>
+          <a:xfrm rot="10800000" flipV="1">
+            <a:off x="-6350" y="249238"/>
+            <a:ext cx="484188" cy="490538"/>
+          </a:xfrm>
+          <a:prstGeom prst="roundRect">
+            <a:avLst>
+              <a:gd name="adj" fmla="val 5039"/>
+            </a:avLst>
+          </a:prstGeom>
+          <a:solidFill>
+            <a:schemeClr val="accent5"/>
+          </a:solidFill>
+          <a:ln>
+            <a:noFill/>
+          </a:ln>
+          <a:effectLst>
+            <a:outerShdw blurRad="50800" dist="38100" dir="5400000" algn="t" rotWithShape="0">
+              <a:prstClr val="black">
+                <a:alpha val="40000"/>
+              </a:prstClr>
+            </a:outerShdw>
+          </a:effectLst>
+        </p:spPr>
+        <p:style>
+          <a:lnRef idx="2">
+            <a:schemeClr val="accent1">
+              <a:shade val="50000"/>
+            </a:schemeClr>
+          </a:lnRef>
+          <a:fillRef idx="1">
+            <a:schemeClr val="accent1"/>
+          </a:fillRef>
+          <a:effectRef idx="0">
+            <a:schemeClr val="accent1"/>
+          </a:effectRef>
+          <a:fontRef idx="minor">
+            <a:schemeClr val="lt1"/>
+          </a:fontRef>
+        </p:style>
+        <p:txBody>
+          <a:bodyPr lIns="91436" tIns="45718" rIns="91436" bIns="45718" rtlCol="0" anchor="ctr"/>
+          <a:lstStyle/>
+          <a:p>
+            <a:pPr algn="ctr" fontAlgn="auto"/>
+            <a:r>
+              <a:rPr lang="en-US" altLang="zh-CN" sz="3600" strike="noStrike" noProof="1" dirty="0"/>
+              <a:t>3</a:t>
+            </a:r>
+            <a:endParaRPr lang="en-US" altLang="zh-CN" sz="3600" strike="noStrike" noProof="1" dirty="0"/>
+          </a:p>
+        </p:txBody>
+      </p:sp>
+      <p:grpSp>
+        <p:nvGrpSpPr>
+          <p:cNvPr id="12291" name="组 397"/>
+          <p:cNvGrpSpPr/>
+          <p:nvPr/>
+        </p:nvGrpSpPr>
+        <p:grpSpPr>
+          <a:xfrm>
+            <a:off x="9283700" y="252351"/>
+            <a:ext cx="2908300" cy="792224"/>
+            <a:chOff x="9284089" y="252793"/>
+            <a:chExt cx="2907908" cy="791907"/>
+          </a:xfrm>
+        </p:grpSpPr>
+        <p:grpSp>
+          <p:nvGrpSpPr>
+            <p:cNvPr id="12292" name="组 398"/>
+            <p:cNvGrpSpPr/>
+            <p:nvPr/>
+          </p:nvGrpSpPr>
+          <p:grpSpPr>
+            <a:xfrm>
+              <a:off x="11454170" y="252793"/>
+              <a:ext cx="737827" cy="484416"/>
+              <a:chOff x="11454170" y="252793"/>
+              <a:chExt cx="737827" cy="484416"/>
+            </a:xfrm>
+          </p:grpSpPr>
+          <p:grpSp>
+            <p:nvGrpSpPr>
+              <p:cNvPr id="12293" name="组 400"/>
+              <p:cNvGrpSpPr/>
+              <p:nvPr/>
+            </p:nvGrpSpPr>
+            <p:grpSpPr>
+              <a:xfrm>
+                <a:off x="12039604" y="252856"/>
+                <a:ext cx="152393" cy="484287"/>
+                <a:chOff x="12039604" y="252856"/>
+                <a:chExt cx="152393" cy="484287"/>
+              </a:xfrm>
+            </p:grpSpPr>
+            <p:sp>
+              <p:nvSpPr>
+                <p:cNvPr id="405" name="圆角矩形 404"/>
+                <p:cNvSpPr/>
+                <p:nvPr/>
+              </p:nvSpPr>
+              <p:spPr>
+                <a:xfrm rot="16200000" flipV="1">
+                  <a:off x="12072988" y="518121"/>
+                  <a:ext cx="85626" cy="152392"/>
+                </a:xfrm>
+                <a:prstGeom prst="roundRect">
+                  <a:avLst>
+                    <a:gd name="adj" fmla="val 5039"/>
+                  </a:avLst>
+                </a:prstGeom>
+                <a:solidFill>
+                  <a:srgbClr val="4472C4"/>
+                </a:solidFill>
+                <a:ln>
+                  <a:noFill/>
+                </a:ln>
+                <a:effectLst>
+                  <a:outerShdw blurRad="50800" dist="38100" dir="5400000" algn="t" rotWithShape="0">
+                    <a:prstClr val="black">
+                      <a:alpha val="40000"/>
+                    </a:prstClr>
+                  </a:outerShdw>
+                </a:effectLst>
+              </p:spPr>
+              <p:style>
+                <a:lnRef idx="2">
+                  <a:schemeClr val="accent1">
+                    <a:shade val="50000"/>
+                  </a:schemeClr>
+                </a:lnRef>
+                <a:fillRef idx="1">
+                  <a:schemeClr val="accent1"/>
+                </a:fillRef>
+                <a:effectRef idx="0">
+                  <a:schemeClr val="accent1"/>
+                </a:effectRef>
+                <a:fontRef idx="minor">
+                  <a:schemeClr val="lt1"/>
+                </a:fontRef>
+              </p:style>
+              <p:txBody>
+                <a:bodyPr rtlCol="0" anchor="ctr"/>
+                <a:lstStyle/>
+                <a:p>
+                  <a:pPr algn="ctr" fontAlgn="auto"/>
+                  <a:endParaRPr lang="zh-CN" altLang="en-US" strike="noStrike" noProof="1"/>
+                </a:p>
+              </p:txBody>
+            </p:sp>
+            <p:sp>
+              <p:nvSpPr>
+                <p:cNvPr id="406" name="圆角矩形 405"/>
+                <p:cNvSpPr/>
+                <p:nvPr/>
+              </p:nvSpPr>
+              <p:spPr>
+                <a:xfrm rot="16200000" flipV="1">
+                  <a:off x="12072988" y="618134"/>
+                  <a:ext cx="85626" cy="152392"/>
+                </a:xfrm>
+                <a:prstGeom prst="roundRect">
+                  <a:avLst>
+                    <a:gd name="adj" fmla="val 5039"/>
+                  </a:avLst>
+                </a:prstGeom>
+                <a:solidFill>
+                  <a:srgbClr val="2F5597"/>
+                </a:solidFill>
+                <a:ln>
+                  <a:noFill/>
+                </a:ln>
+                <a:effectLst>
+                  <a:outerShdw blurRad="50800" dist="38100" dir="5400000" algn="t" rotWithShape="0">
+                    <a:prstClr val="black">
+                      <a:alpha val="40000"/>
+                    </a:prstClr>
+                  </a:outerShdw>
+                </a:effectLst>
+              </p:spPr>
+              <p:style>
+                <a:lnRef idx="2">
+                  <a:schemeClr val="accent1">
+                    <a:shade val="50000"/>
+                  </a:schemeClr>
+                </a:lnRef>
+                <a:fillRef idx="1">
+                  <a:schemeClr val="accent1"/>
+                </a:fillRef>
+                <a:effectRef idx="0">
+                  <a:schemeClr val="accent1"/>
+                </a:effectRef>
+                <a:fontRef idx="minor">
+                  <a:schemeClr val="lt1"/>
+                </a:fontRef>
+              </p:style>
+              <p:txBody>
+                <a:bodyPr rtlCol="0" anchor="ctr"/>
+                <a:lstStyle/>
+                <a:p>
+                  <a:pPr algn="ctr" fontAlgn="auto"/>
+                  <a:endParaRPr lang="zh-CN" altLang="en-US" strike="noStrike" noProof="1"/>
+                </a:p>
+              </p:txBody>
+            </p:sp>
+            <p:sp>
+              <p:nvSpPr>
+                <p:cNvPr id="407" name="圆角矩形 406"/>
+                <p:cNvSpPr/>
+                <p:nvPr/>
+              </p:nvSpPr>
+              <p:spPr>
+                <a:xfrm rot="16200000" flipV="1">
+                  <a:off x="12072988" y="321750"/>
+                  <a:ext cx="85626" cy="152392"/>
+                </a:xfrm>
+                <a:prstGeom prst="roundRect">
+                  <a:avLst>
+                    <a:gd name="adj" fmla="val 5039"/>
+                  </a:avLst>
+                </a:prstGeom>
+                <a:solidFill>
+                  <a:srgbClr val="4472C4"/>
+                </a:solidFill>
+                <a:ln>
+                  <a:noFill/>
+                </a:ln>
+                <a:effectLst>
+                  <a:outerShdw blurRad="50800" dist="38100" dir="5400000" algn="t" rotWithShape="0">
+                    <a:prstClr val="black">
+                      <a:alpha val="40000"/>
+                    </a:prstClr>
+                  </a:outerShdw>
+                </a:effectLst>
+              </p:spPr>
+              <p:style>
+                <a:lnRef idx="2">
+                  <a:schemeClr val="accent1">
+                    <a:shade val="50000"/>
+                  </a:schemeClr>
+                </a:lnRef>
+                <a:fillRef idx="1">
+                  <a:schemeClr val="accent1"/>
+                </a:fillRef>
+                <a:effectRef idx="0">
+                  <a:schemeClr val="accent1"/>
+                </a:effectRef>
+                <a:fontRef idx="minor">
+                  <a:schemeClr val="lt1"/>
+                </a:fontRef>
+              </p:style>
+              <p:txBody>
+                <a:bodyPr rtlCol="0" anchor="ctr"/>
+                <a:lstStyle/>
+                <a:p>
+                  <a:pPr algn="ctr" fontAlgn="auto"/>
+                  <a:endParaRPr lang="zh-CN" altLang="en-US" strike="noStrike" noProof="1"/>
+                </a:p>
+              </p:txBody>
+            </p:sp>
+            <p:sp>
+              <p:nvSpPr>
+                <p:cNvPr id="408" name="圆角矩形 407"/>
+                <p:cNvSpPr/>
+                <p:nvPr/>
+              </p:nvSpPr>
+              <p:spPr>
+                <a:xfrm rot="16200000" flipV="1">
+                  <a:off x="12072988" y="421763"/>
+                  <a:ext cx="85626" cy="152392"/>
+                </a:xfrm>
+                <a:prstGeom prst="roundRect">
+                  <a:avLst>
+                    <a:gd name="adj" fmla="val 5039"/>
+                  </a:avLst>
+                </a:prstGeom>
+                <a:solidFill>
+                  <a:srgbClr val="2F5597"/>
+                </a:solidFill>
+                <a:ln>
+                  <a:noFill/>
+                </a:ln>
+                <a:effectLst>
+                  <a:outerShdw blurRad="50800" dist="38100" dir="5400000" algn="t" rotWithShape="0">
+                    <a:prstClr val="black">
+                      <a:alpha val="40000"/>
+                    </a:prstClr>
+                  </a:outerShdw>
+                </a:effectLst>
+              </p:spPr>
+              <p:style>
+                <a:lnRef idx="2">
+                  <a:schemeClr val="accent1">
+                    <a:shade val="50000"/>
+                  </a:schemeClr>
+                </a:lnRef>
+                <a:fillRef idx="1">
+                  <a:schemeClr val="accent1"/>
+                </a:fillRef>
+                <a:effectRef idx="0">
+                  <a:schemeClr val="accent1"/>
+                </a:effectRef>
+                <a:fontRef idx="minor">
+                  <a:schemeClr val="lt1"/>
+                </a:fontRef>
+              </p:style>
+              <p:txBody>
+                <a:bodyPr rtlCol="0" anchor="ctr"/>
+                <a:lstStyle/>
+                <a:p>
+                  <a:pPr algn="ctr" fontAlgn="auto"/>
+                  <a:endParaRPr lang="zh-CN" altLang="en-US" strike="noStrike" noProof="1"/>
+                </a:p>
+              </p:txBody>
+            </p:sp>
+            <p:sp>
+              <p:nvSpPr>
+                <p:cNvPr id="409" name="圆角矩形 408"/>
+                <p:cNvSpPr/>
+                <p:nvPr/>
+              </p:nvSpPr>
+              <p:spPr>
+                <a:xfrm rot="16200000" flipV="1">
+                  <a:off x="12072987" y="219473"/>
+                  <a:ext cx="85626" cy="152392"/>
+                </a:xfrm>
+                <a:prstGeom prst="roundRect">
+                  <a:avLst>
+                    <a:gd name="adj" fmla="val 5039"/>
+                  </a:avLst>
+                </a:prstGeom>
+                <a:solidFill>
+                  <a:srgbClr val="2F5597"/>
+                </a:solidFill>
+                <a:ln>
+                  <a:noFill/>
+                </a:ln>
+                <a:effectLst>
+                  <a:outerShdw blurRad="50800" dist="38100" dir="5400000" algn="t" rotWithShape="0">
+                    <a:prstClr val="black">
+                      <a:alpha val="40000"/>
+                    </a:prstClr>
+                  </a:outerShdw>
+                </a:effectLst>
+              </p:spPr>
+              <p:style>
+                <a:lnRef idx="2">
+                  <a:schemeClr val="accent1">
+                    <a:shade val="50000"/>
+                  </a:schemeClr>
+                </a:lnRef>
+                <a:fillRef idx="1">
+                  <a:schemeClr val="accent1"/>
+                </a:fillRef>
+                <a:effectRef idx="0">
+                  <a:schemeClr val="accent1"/>
+                </a:effectRef>
+                <a:fontRef idx="minor">
+                  <a:schemeClr val="lt1"/>
+                </a:fontRef>
+              </p:style>
+              <p:txBody>
+                <a:bodyPr rtlCol="0" anchor="ctr"/>
+                <a:lstStyle/>
+                <a:p>
+                  <a:pPr algn="ctr" fontAlgn="auto"/>
+                  <a:endParaRPr lang="zh-CN" altLang="en-US" strike="noStrike" noProof="1"/>
+                </a:p>
+              </p:txBody>
+            </p:sp>
+          </p:grpSp>
+          <p:sp>
+            <p:nvSpPr>
+              <p:cNvPr id="403" name="圆角矩形 402"/>
+              <p:cNvSpPr/>
+              <p:nvPr/>
+            </p:nvSpPr>
+            <p:spPr>
+              <a:xfrm rot="16200000" flipV="1">
+                <a:off x="11457454" y="249508"/>
+                <a:ext cx="484416" cy="490985"/>
+              </a:xfrm>
+              <a:prstGeom prst="roundRect">
+                <a:avLst>
+                  <a:gd name="adj" fmla="val 5039"/>
+                </a:avLst>
+              </a:prstGeom>
+              <a:solidFill>
+                <a:schemeClr val="accent5"/>
+              </a:solidFill>
+              <a:ln>
+                <a:noFill/>
+              </a:ln>
+              <a:effectLst>
+                <a:outerShdw blurRad="50800" dist="38100" dir="5400000" algn="t" rotWithShape="0">
+                  <a:prstClr val="black">
+                    <a:alpha val="40000"/>
+                  </a:prstClr>
+                </a:outerShdw>
+              </a:effectLst>
+            </p:spPr>
+            <p:style>
+              <a:lnRef idx="2">
+                <a:schemeClr val="accent1">
+                  <a:shade val="50000"/>
+                </a:schemeClr>
+              </a:lnRef>
+              <a:fillRef idx="1">
+                <a:schemeClr val="accent1"/>
+              </a:fillRef>
+              <a:effectRef idx="0">
+                <a:schemeClr val="accent1"/>
+              </a:effectRef>
+              <a:fontRef idx="minor">
+                <a:schemeClr val="lt1"/>
+              </a:fontRef>
+            </p:style>
+            <p:txBody>
+              <a:bodyPr rtlCol="0" anchor="ctr"/>
+              <a:lstStyle/>
+              <a:p>
+                <a:pPr algn="ctr" fontAlgn="auto"/>
+                <a:endParaRPr lang="zh-CN" altLang="en-US" strike="noStrike" noProof="1"/>
+              </a:p>
+            </p:txBody>
+          </p:sp>
+        </p:grpSp>
+        <p:sp>
+          <p:nvSpPr>
+            <p:cNvPr id="12302" name="文本框 399"/>
+            <p:cNvSpPr txBox="1"/>
+            <p:nvPr/>
+          </p:nvSpPr>
+          <p:spPr>
+            <a:xfrm>
+              <a:off x="9284089" y="252855"/>
+              <a:ext cx="2170011" cy="791845"/>
+            </a:xfrm>
+            <a:prstGeom prst="rect">
+              <a:avLst/>
+            </a:prstGeom>
+            <a:noFill/>
+            <a:ln w="9525">
+              <a:noFill/>
+            </a:ln>
+          </p:spPr>
+          <p:txBody>
+            <a:bodyPr wrap="square" lIns="91438" tIns="45719" rIns="91438" bIns="45719" anchor="t">
+              <a:spAutoFit/>
+            </a:bodyPr>
+            <a:p>
+              <a:pPr algn="r"/>
+              <a:r>
+                <a:rPr lang="zh-CN" altLang="en-US" sz="1500" dirty="0">
+                  <a:solidFill>
+                    <a:srgbClr val="808080"/>
+                  </a:solidFill>
+                  <a:latin typeface="微软雅黑" panose="020B0503020204020204" pitchFamily="34" charset="-122"/>
+                  <a:ea typeface="微软雅黑" panose="020B0503020204020204" pitchFamily="34" charset="-122"/>
+                </a:rPr>
+                <a:t>重庆邮电大学 </a:t>
+              </a:r>
+              <a:endParaRPr lang="zh-CN" altLang="en-US" sz="1500" dirty="0">
+                <a:solidFill>
+                  <a:srgbClr val="808080"/>
+                </a:solidFill>
+                <a:latin typeface="微软雅黑" panose="020B0503020204020204" pitchFamily="34" charset="-122"/>
+                <a:ea typeface="微软雅黑" panose="020B0503020204020204" pitchFamily="34" charset="-122"/>
+              </a:endParaRPr>
+            </a:p>
+            <a:p>
+              <a:pPr algn="r"/>
+              <a:r>
+                <a:rPr lang="zh-CN" altLang="en-US" sz="1500" dirty="0">
+                  <a:solidFill>
+                    <a:srgbClr val="808080"/>
+                  </a:solidFill>
+                  <a:latin typeface="微软雅黑" panose="020B0503020204020204" pitchFamily="34" charset="-122"/>
+                  <a:ea typeface="微软雅黑" panose="020B0503020204020204" pitchFamily="34" charset="-122"/>
+                </a:rPr>
+                <a:t>计算机科学与技术学院      </a:t>
+              </a:r>
+              <a:endParaRPr lang="en-US" altLang="zh-CN" sz="1500" dirty="0">
+                <a:solidFill>
+                  <a:srgbClr val="808080"/>
+                </a:solidFill>
+                <a:latin typeface="微软雅黑" panose="020B0503020204020204" pitchFamily="34" charset="-122"/>
+                <a:ea typeface="微软雅黑" panose="020B0503020204020204" pitchFamily="34" charset="-122"/>
+              </a:endParaRPr>
+            </a:p>
+            <a:p>
+              <a:pPr algn="r"/>
+              <a:endParaRPr lang="zh-CN" altLang="en-US" sz="1500" dirty="0">
+                <a:solidFill>
+                  <a:srgbClr val="808080"/>
+                </a:solidFill>
+                <a:latin typeface="Segoe UI Semilight" panose="020B0402040204020203" pitchFamily="34" charset="0"/>
+                <a:ea typeface="微软雅黑" panose="020B0503020204020204" pitchFamily="34" charset="-122"/>
+              </a:endParaRPr>
+            </a:p>
+          </p:txBody>
+        </p:sp>
+      </p:grpSp>
+      <p:sp>
+        <p:nvSpPr>
+          <p:cNvPr id="3" name="文本框 2"/>
+          <p:cNvSpPr txBox="1"/>
+          <p:nvPr/>
+        </p:nvSpPr>
+        <p:spPr>
+          <a:xfrm>
+            <a:off x="914400" y="1040130"/>
+            <a:ext cx="10583545" cy="583565"/>
+          </a:xfrm>
+          <a:prstGeom prst="rect">
+            <a:avLst/>
+          </a:prstGeom>
+          <a:noFill/>
+        </p:spPr>
+        <p:txBody>
+          <a:bodyPr wrap="square" rtlCol="0">
+            <a:spAutoFit/>
+          </a:bodyPr>
+          <a:p>
+            <a:pPr algn="ctr"/>
+            <a:r>
+              <a:rPr lang="zh-CN" altLang="en-US" sz="3200" b="1">
+                <a:effectLst>
+                  <a:outerShdw blurRad="38100" dist="19050" dir="2700000" algn="tl" rotWithShape="0">
+                    <a:schemeClr val="dk1">
+                      <a:alpha val="40000"/>
+                    </a:schemeClr>
+                  </a:outerShdw>
+                </a:effectLst>
+              </a:rPr>
+              <a:t>时延情况下的二阶连续时间多智能体系统加权一致性</a:t>
             </a:r>
             <a:endParaRPr lang="zh-CN" altLang="en-US" sz="3200" b="1">
               <a:effectLst>
@@ -25204,13 +26358,13 @@
   <p:clrMapOvr>
     <a:masterClrMapping/>
   </p:clrMapOvr>
-  <p:transition>
+  <p:transition advTm="12589">
     <p:blinds dir="vert"/>
   </p:transition>
 </p:sld>
 </file>
 
-<file path=ppt/slides/slide21.xml><?xml version="1.0" encoding="utf-8"?>
+<file path=ppt/slides/slide22.xml><?xml version="1.0" encoding="utf-8"?>
 <p:sld xmlns:a="http://schemas.openxmlformats.org/drawingml/2006/main" xmlns:r="http://schemas.openxmlformats.org/officeDocument/2006/relationships" xmlns:p="http://schemas.openxmlformats.org/presentationml/2006/main">
   <p:cSld>
     <p:spTree>
@@ -25334,7 +26488,31 @@
               <a:rPr lang="en-US" altLang="zh-CN" sz="2400">
                 <a:sym typeface="+mn-ea"/>
               </a:rPr>
-              <a:t>3.2 时延情况下的二阶多智能体系统加权一致性</a:t>
+              <a:t>3.2 时延</a:t>
+            </a:r>
+            <a:r>
+              <a:rPr lang="zh-CN" altLang="en-US" sz="2400">
+                <a:sym typeface="+mn-ea"/>
+              </a:rPr>
+              <a:t>影响</a:t>
+            </a:r>
+            <a:r>
+              <a:rPr lang="en-US" altLang="zh-CN" sz="2400">
+                <a:sym typeface="+mn-ea"/>
+              </a:rPr>
+              <a:t>下的二阶</a:t>
+            </a:r>
+            <a:r>
+              <a:rPr lang="zh-CN" altLang="en-US" sz="2400">
+                <a:sym typeface="+mn-ea"/>
+              </a:rPr>
+              <a:t>连续时间</a:t>
+            </a:r>
+            <a:r>
+              <a:rPr lang="en-US" altLang="zh-CN" sz="2400">
+                <a:sym typeface="+mn-ea"/>
+              </a:rPr>
+              <a:t>多智能体系统加权一致性</a:t>
             </a:r>
             <a:endParaRPr lang="zh-CN" altLang="en-US" sz="2400" strike="noStrike" noProof="1"/>
           </a:p>
@@ -26942,59 +28120,6 @@
           </a:p>
         </p:txBody>
       </p:sp>
-      <p:graphicFrame>
-        <p:nvGraphicFramePr>
-          <p:cNvPr id="18" name="对象 17">
-            <a:hlinkClick r:id="" action="ppaction://ole?verb="/>
-          </p:cNvPr>
-          <p:cNvGraphicFramePr>
-            <a:graphicFrameLocks noChangeAspect="1"/>
-          </p:cNvGraphicFramePr>
-          <p:nvPr/>
-        </p:nvGraphicFramePr>
-        <p:xfrm>
-          <a:off x="8387080" y="3839845"/>
-          <a:ext cx="3604895" cy="686435"/>
-        </p:xfrm>
-        <a:graphic>
-          <a:graphicData uri="http://schemas.openxmlformats.org/presentationml/2006/ole">
-            <mc:AlternateContent xmlns:mc="http://schemas.openxmlformats.org/markup-compatibility/2006">
-              <mc:Choice xmlns:v="urn:schemas-microsoft-com:vml" Requires="v">
-                <p:oleObj spid="_x0000_s2049" name="" r:id="rId7" imgW="2387600" imgH="431800" progId="Equation.KSEE3">
-                  <p:embed/>
-                </p:oleObj>
-              </mc:Choice>
-              <mc:Fallback>
-                <p:oleObj name="" r:id="rId7" imgW="2387600" imgH="431800" progId="Equation.KSEE3">
-                  <p:embed/>
-                  <p:pic>
-                    <p:nvPicPr>
-                      <p:cNvPr id="0" name="图片 2048"/>
-                      <p:cNvPicPr/>
-                      <p:nvPr/>
-                    </p:nvPicPr>
-                    <p:blipFill>
-                      <a:blip r:embed="rId8"/>
-                      <a:stretch>
-                        <a:fillRect/>
-                      </a:stretch>
-                    </p:blipFill>
-                    <p:spPr>
-                      <a:xfrm>
-                        <a:off x="8387080" y="3839845"/>
-                        <a:ext cx="3604895" cy="686435"/>
-                      </a:xfrm>
-                      <a:prstGeom prst="rect">
-                        <a:avLst/>
-                      </a:prstGeom>
-                    </p:spPr>
-                  </p:pic>
-                </p:oleObj>
-              </mc:Fallback>
-            </mc:AlternateContent>
-          </a:graphicData>
-        </a:graphic>
-      </p:graphicFrame>
       <p:pic>
         <p:nvPicPr>
           <p:cNvPr id="19" name="图片 18" descr="图片1"/>
@@ -27004,7 +28129,7 @@
           <p:nvPr/>
         </p:nvPicPr>
         <p:blipFill>
-          <a:blip r:embed="rId9"/>
+          <a:blip r:embed="rId7"/>
           <a:stretch>
             <a:fillRect/>
           </a:stretch>
@@ -27035,12 +28160,12 @@
           <a:graphicData uri="http://schemas.openxmlformats.org/presentationml/2006/ole">
             <mc:AlternateContent xmlns:mc="http://schemas.openxmlformats.org/markup-compatibility/2006">
               <mc:Choice xmlns:v="urn:schemas-microsoft-com:vml" Requires="v">
-                <p:oleObj spid="_x0000_s3076" name="" r:id="rId10" imgW="990600" imgH="203200" progId="Equation.3">
+                <p:oleObj spid="_x0000_s3076" name="" r:id="rId8" imgW="990600" imgH="203200" progId="Equation.3">
                   <p:embed/>
                 </p:oleObj>
               </mc:Choice>
               <mc:Fallback>
-                <p:oleObj name="" r:id="rId10" imgW="990600" imgH="203200" progId="Equation.3">
+                <p:oleObj name="" r:id="rId8" imgW="990600" imgH="203200" progId="Equation.3">
                   <p:embed/>
                   <p:pic>
                     <p:nvPicPr>
@@ -27049,7 +28174,7 @@
                       <p:nvPr/>
                     </p:nvPicPr>
                     <p:blipFill>
-                      <a:blip r:embed="rId11"/>
+                      <a:blip r:embed="rId9"/>
                       <a:stretch>
                         <a:fillRect/>
                       </a:stretch>
@@ -27075,12 +28200,68 @@
           </a:graphicData>
         </a:graphic>
       </p:graphicFrame>
+      <p:graphicFrame>
+        <p:nvGraphicFramePr>
+          <p:cNvPr id="15" name="对象 -2147482357"/>
+          <p:cNvGraphicFramePr>
+            <a:graphicFrameLocks noChangeAspect="1"/>
+          </p:cNvGraphicFramePr>
+          <p:nvPr/>
+        </p:nvGraphicFramePr>
+        <p:xfrm>
+          <a:off x="8390255" y="3839845"/>
+          <a:ext cx="3571875" cy="722630"/>
+        </p:xfrm>
+        <a:graphic>
+          <a:graphicData uri="http://schemas.openxmlformats.org/presentationml/2006/ole">
+            <mc:AlternateContent xmlns:mc="http://schemas.openxmlformats.org/markup-compatibility/2006">
+              <mc:Choice xmlns:v="urn:schemas-microsoft-com:vml" Requires="v">
+                <p:oleObj spid="_x0000_s35" name="" r:id="rId10" imgW="3377565" imgH="862965" progId="Equation.3">
+                  <p:embed/>
+                </p:oleObj>
+              </mc:Choice>
+              <mc:Fallback>
+                <p:oleObj name="" r:id="rId10" imgW="3377565" imgH="862965" progId="Equation.3">
+                  <p:embed/>
+                  <p:pic>
+                    <p:nvPicPr>
+                      <p:cNvPr id="0" name="图片 34"/>
+                      <p:cNvPicPr/>
+                      <p:nvPr/>
+                    </p:nvPicPr>
+                    <p:blipFill>
+                      <a:blip r:embed="rId11"/>
+                      <a:stretch>
+                        <a:fillRect/>
+                      </a:stretch>
+                    </p:blipFill>
+                    <p:spPr>
+                      <a:xfrm>
+                        <a:off x="8390255" y="3839845"/>
+                        <a:ext cx="3571875" cy="722630"/>
+                      </a:xfrm>
+                      <a:prstGeom prst="rect">
+                        <a:avLst/>
+                      </a:prstGeom>
+                      <a:noFill/>
+                      <a:ln w="38100">
+                        <a:noFill/>
+                        <a:miter/>
+                      </a:ln>
+                    </p:spPr>
+                  </p:pic>
+                </p:oleObj>
+              </mc:Fallback>
+            </mc:AlternateContent>
+          </a:graphicData>
+        </a:graphic>
+      </p:graphicFrame>
     </p:spTree>
   </p:cSld>
   <p:clrMapOvr>
     <a:masterClrMapping/>
   </p:clrMapOvr>
-  <p:transition>
+  <p:transition advTm="53914">
     <p:blinds dir="vert"/>
   </p:transition>
   <p:timing>
@@ -27093,7 +28274,7 @@
 </p:sld>
 </file>
 
-<file path=ppt/slides/slide22.xml><?xml version="1.0" encoding="utf-8"?>
+<file path=ppt/slides/slide23.xml><?xml version="1.0" encoding="utf-8"?>
 <p:sld xmlns:a="http://schemas.openxmlformats.org/drawingml/2006/main" xmlns:r="http://schemas.openxmlformats.org/officeDocument/2006/relationships" xmlns:p="http://schemas.openxmlformats.org/presentationml/2006/main">
   <p:cSld>
     <p:spTree>
@@ -28833,59 +30014,6 @@
           </a:p>
         </p:txBody>
       </p:sp>
-      <p:graphicFrame>
-        <p:nvGraphicFramePr>
-          <p:cNvPr id="18" name="对象 17">
-            <a:hlinkClick r:id="" action="ppaction://ole?verb="/>
-          </p:cNvPr>
-          <p:cNvGraphicFramePr>
-            <a:graphicFrameLocks noChangeAspect="1"/>
-          </p:cNvGraphicFramePr>
-          <p:nvPr/>
-        </p:nvGraphicFramePr>
-        <p:xfrm>
-          <a:off x="8387080" y="3839845"/>
-          <a:ext cx="3604895" cy="686435"/>
-        </p:xfrm>
-        <a:graphic>
-          <a:graphicData uri="http://schemas.openxmlformats.org/presentationml/2006/ole">
-            <mc:AlternateContent xmlns:mc="http://schemas.openxmlformats.org/markup-compatibility/2006">
-              <mc:Choice xmlns:v="urn:schemas-microsoft-com:vml" Requires="v">
-                <p:oleObj spid="_x0000_s2049" name="" r:id="rId7" imgW="2387600" imgH="431800" progId="Equation.KSEE3">
-                  <p:embed/>
-                </p:oleObj>
-              </mc:Choice>
-              <mc:Fallback>
-                <p:oleObj name="" r:id="rId7" imgW="2387600" imgH="431800" progId="Equation.KSEE3">
-                  <p:embed/>
-                  <p:pic>
-                    <p:nvPicPr>
-                      <p:cNvPr id="0" name="图片 2048"/>
-                      <p:cNvPicPr/>
-                      <p:nvPr/>
-                    </p:nvPicPr>
-                    <p:blipFill>
-                      <a:blip r:embed="rId8"/>
-                      <a:stretch>
-                        <a:fillRect/>
-                      </a:stretch>
-                    </p:blipFill>
-                    <p:spPr>
-                      <a:xfrm>
-                        <a:off x="8387080" y="3839845"/>
-                        <a:ext cx="3604895" cy="686435"/>
-                      </a:xfrm>
-                      <a:prstGeom prst="rect">
-                        <a:avLst/>
-                      </a:prstGeom>
-                    </p:spPr>
-                  </p:pic>
-                </p:oleObj>
-              </mc:Fallback>
-            </mc:AlternateContent>
-          </a:graphicData>
-        </a:graphic>
-      </p:graphicFrame>
       <p:pic>
         <p:nvPicPr>
           <p:cNvPr id="19" name="图片 18" descr="图片1"/>
@@ -28895,7 +30023,7 @@
           <p:nvPr/>
         </p:nvPicPr>
         <p:blipFill>
-          <a:blip r:embed="rId9"/>
+          <a:blip r:embed="rId7"/>
           <a:stretch>
             <a:fillRect/>
           </a:stretch>
@@ -28926,12 +30054,12 @@
           <a:graphicData uri="http://schemas.openxmlformats.org/presentationml/2006/ole">
             <mc:AlternateContent xmlns:mc="http://schemas.openxmlformats.org/markup-compatibility/2006">
               <mc:Choice xmlns:v="urn:schemas-microsoft-com:vml" Requires="v">
-                <p:oleObj spid="_x0000_s3076" name="" r:id="rId10" imgW="990600" imgH="203200" progId="Equation.3">
+                <p:oleObj spid="_x0000_s3076" name="" r:id="rId8" imgW="990600" imgH="203200" progId="Equation.3">
                   <p:embed/>
                 </p:oleObj>
               </mc:Choice>
               <mc:Fallback>
-                <p:oleObj name="" r:id="rId10" imgW="990600" imgH="203200" progId="Equation.3">
+                <p:oleObj name="" r:id="rId8" imgW="990600" imgH="203200" progId="Equation.3">
                   <p:embed/>
                   <p:pic>
                     <p:nvPicPr>
@@ -28940,7 +30068,7 @@
                       <p:nvPr/>
                     </p:nvPicPr>
                     <p:blipFill>
-                      <a:blip r:embed="rId11"/>
+                      <a:blip r:embed="rId9"/>
                       <a:stretch>
                         <a:fillRect/>
                       </a:stretch>
@@ -28966,12 +30094,68 @@
           </a:graphicData>
         </a:graphic>
       </p:graphicFrame>
+      <p:graphicFrame>
+        <p:nvGraphicFramePr>
+          <p:cNvPr id="22" name="对象 -2147482357"/>
+          <p:cNvGraphicFramePr>
+            <a:graphicFrameLocks noChangeAspect="1"/>
+          </p:cNvGraphicFramePr>
+          <p:nvPr/>
+        </p:nvGraphicFramePr>
+        <p:xfrm>
+          <a:off x="8390255" y="3839845"/>
+          <a:ext cx="3571875" cy="722630"/>
+        </p:xfrm>
+        <a:graphic>
+          <a:graphicData uri="http://schemas.openxmlformats.org/presentationml/2006/ole">
+            <mc:AlternateContent xmlns:mc="http://schemas.openxmlformats.org/markup-compatibility/2006">
+              <mc:Choice xmlns:v="urn:schemas-microsoft-com:vml" Requires="v">
+                <p:oleObj spid="_x0000_s35" name="" r:id="rId10" imgW="3377565" imgH="862965" progId="Equation.3">
+                  <p:embed/>
+                </p:oleObj>
+              </mc:Choice>
+              <mc:Fallback>
+                <p:oleObj name="" r:id="rId10" imgW="3377565" imgH="862965" progId="Equation.3">
+                  <p:embed/>
+                  <p:pic>
+                    <p:nvPicPr>
+                      <p:cNvPr id="0" name="图片 34"/>
+                      <p:cNvPicPr/>
+                      <p:nvPr/>
+                    </p:nvPicPr>
+                    <p:blipFill>
+                      <a:blip r:embed="rId11"/>
+                      <a:stretch>
+                        <a:fillRect/>
+                      </a:stretch>
+                    </p:blipFill>
+                    <p:spPr>
+                      <a:xfrm>
+                        <a:off x="8390255" y="3839845"/>
+                        <a:ext cx="3571875" cy="722630"/>
+                      </a:xfrm>
+                      <a:prstGeom prst="rect">
+                        <a:avLst/>
+                      </a:prstGeom>
+                      <a:noFill/>
+                      <a:ln w="38100">
+                        <a:noFill/>
+                        <a:miter/>
+                      </a:ln>
+                    </p:spPr>
+                  </p:pic>
+                </p:oleObj>
+              </mc:Fallback>
+            </mc:AlternateContent>
+          </a:graphicData>
+        </a:graphic>
+      </p:graphicFrame>
     </p:spTree>
   </p:cSld>
   <p:clrMapOvr>
     <a:masterClrMapping/>
   </p:clrMapOvr>
-  <p:transition>
+  <p:transition advTm="23229">
     <p:blinds dir="vert"/>
   </p:transition>
   <p:timing>
@@ -28984,7 +30168,7 @@
 </p:sld>
 </file>
 
-<file path=ppt/slides/slide23.xml><?xml version="1.0" encoding="utf-8"?>
+<file path=ppt/slides/slide24.xml><?xml version="1.0" encoding="utf-8"?>
 <p:sld xmlns:a="http://schemas.openxmlformats.org/drawingml/2006/main" xmlns:r="http://schemas.openxmlformats.org/officeDocument/2006/relationships" xmlns:p="http://schemas.openxmlformats.org/presentationml/2006/main">
   <p:cSld>
     <p:spTree>
@@ -30562,7 +31746,7 @@
   <p:clrMapOvr>
     <a:masterClrMapping/>
   </p:clrMapOvr>
-  <p:transition>
+  <p:transition advTm="10623">
     <p:blinds dir="vert"/>
   </p:transition>
   <p:timing>
@@ -30575,7 +31759,7 @@
 </p:sld>
 </file>
 
-<file path=ppt/slides/slide24.xml><?xml version="1.0" encoding="utf-8"?>
+<file path=ppt/slides/slide25.xml><?xml version="1.0" encoding="utf-8"?>
 <p:sld xmlns:a="http://schemas.openxmlformats.org/drawingml/2006/main" xmlns:r="http://schemas.openxmlformats.org/officeDocument/2006/relationships" xmlns:p="http://schemas.openxmlformats.org/presentationml/2006/main">
   <p:cSld>
     <p:spTree>
@@ -31339,13 +32523,13 @@
   <p:clrMapOvr>
     <a:masterClrMapping/>
   </p:clrMapOvr>
-  <p:transition>
+  <p:transition advTm="14320">
     <p:blinds dir="vert"/>
   </p:transition>
 </p:sld>
 </file>
 
-<file path=ppt/slides/slide25.xml><?xml version="1.0" encoding="utf-8"?>
+<file path=ppt/slides/slide26.xml><?xml version="1.0" encoding="utf-8"?>
 <p:sld xmlns:a="http://schemas.openxmlformats.org/drawingml/2006/main" xmlns:r="http://schemas.openxmlformats.org/officeDocument/2006/relationships" xmlns:p="http://schemas.openxmlformats.org/presentationml/2006/main">
   <p:cSld>
     <p:spTree>
@@ -31418,7 +32602,7 @@
             <a:pPr algn="l" fontAlgn="auto"/>
             <a:r>
               <a:rPr lang="en-US" altLang="zh-CN" sz="2400" strike="noStrike" noProof="1"/>
-              <a:t>3.2 时延情况下的二阶</a:t>
+              <a:t>3.3 时延情况下的二阶</a:t>
             </a:r>
             <a:r>
               <a:rPr lang="zh-CN" altLang="en-US" sz="2400" strike="noStrike" noProof="1"/>
@@ -32508,13 +33692,13 @@
   <p:clrMapOvr>
     <a:masterClrMapping/>
   </p:clrMapOvr>
-  <p:transition>
+  <p:transition advTm="13713">
     <p:blinds dir="vert"/>
   </p:transition>
 </p:sld>
 </file>
 
-<file path=ppt/slides/slide26.xml><?xml version="1.0" encoding="utf-8"?>
+<file path=ppt/slides/slide27.xml><?xml version="1.0" encoding="utf-8"?>
 <p:sld xmlns:a="http://schemas.openxmlformats.org/drawingml/2006/main" xmlns:r="http://schemas.openxmlformats.org/officeDocument/2006/relationships" xmlns:p="http://schemas.openxmlformats.org/presentationml/2006/main">
   <p:cSld>
     <p:spTree>
@@ -32611,7 +33795,7 @@
             <a:pPr algn="l" fontAlgn="auto"/>
             <a:r>
               <a:rPr lang="en-US" altLang="zh-CN" sz="2400" strike="noStrike" noProof="1"/>
-              <a:t>3.2 </a:t>
+              <a:t>3.3</a:t>
             </a:r>
             <a:r>
               <a:rPr lang="en-US" altLang="zh-CN" sz="2400">
@@ -34158,7 +35342,7 @@
   <p:clrMapOvr>
     <a:masterClrMapping/>
   </p:clrMapOvr>
-  <p:transition>
+  <p:transition advTm="18252">
     <p:blinds dir="vert"/>
   </p:transition>
   <p:timing>
@@ -34171,7 +35355,7 @@
 </p:sld>
 </file>
 
-<file path=ppt/slides/slide27.xml><?xml version="1.0" encoding="utf-8"?>
+<file path=ppt/slides/slide28.xml><?xml version="1.0" encoding="utf-8"?>
 <p:sld xmlns:a="http://schemas.openxmlformats.org/drawingml/2006/main" xmlns:r="http://schemas.openxmlformats.org/officeDocument/2006/relationships" xmlns:p="http://schemas.openxmlformats.org/presentationml/2006/main">
   <p:cSld>
     <p:spTree>
@@ -35811,7 +36995,7 @@
   <p:clrMapOvr>
     <a:masterClrMapping/>
   </p:clrMapOvr>
-  <p:transition>
+  <p:transition advTm="14274">
     <p:blinds dir="vert"/>
   </p:transition>
   <p:timing>
@@ -35824,7 +37008,7 @@
 </p:sld>
 </file>
 
-<file path=ppt/slides/slide28.xml><?xml version="1.0" encoding="utf-8"?>
+<file path=ppt/slides/slide29.xml><?xml version="1.0" encoding="utf-8"?>
 <p:sld xmlns:a="http://schemas.openxmlformats.org/drawingml/2006/main" xmlns:r="http://schemas.openxmlformats.org/officeDocument/2006/relationships" xmlns:p="http://schemas.openxmlformats.org/presentationml/2006/main">
   <p:cSld>
     <p:spTree>
@@ -37385,7 +38569,7 @@
   <p:clrMapOvr>
     <a:masterClrMapping/>
   </p:clrMapOvr>
-  <p:transition>
+  <p:transition advTm="18393">
     <p:blinds dir="vert"/>
   </p:transition>
   <p:timing>
@@ -37398,7 +38582,1508 @@
 </p:sld>
 </file>
 
-<file path=ppt/slides/slide29.xml><?xml version="1.0" encoding="utf-8"?>
+<file path=ppt/slides/slide3.xml><?xml version="1.0" encoding="utf-8"?>
+<p:sld xmlns:a="http://schemas.openxmlformats.org/drawingml/2006/main" xmlns:r="http://schemas.openxmlformats.org/officeDocument/2006/relationships" xmlns:p="http://schemas.openxmlformats.org/presentationml/2006/main">
+  <p:cSld>
+    <p:spTree>
+      <p:nvGrpSpPr>
+        <p:cNvPr id="1" name=""/>
+        <p:cNvGrpSpPr/>
+        <p:nvPr/>
+      </p:nvGrpSpPr>
+      <p:grpSpPr/>
+      <p:grpSp>
+        <p:nvGrpSpPr>
+          <p:cNvPr id="5121" name="组 3"/>
+          <p:cNvGrpSpPr/>
+          <p:nvPr/>
+        </p:nvGrpSpPr>
+        <p:grpSpPr>
+          <a:xfrm>
+            <a:off x="-20637" y="2847975"/>
+            <a:ext cx="12213380" cy="1295400"/>
+            <a:chOff x="-21102" y="2847433"/>
+            <a:chExt cx="12213102" cy="1296345"/>
+          </a:xfrm>
+        </p:grpSpPr>
+        <p:sp>
+          <p:nvSpPr>
+            <p:cNvPr id="51" name="矩形 50"/>
+            <p:cNvSpPr/>
+            <p:nvPr/>
+          </p:nvSpPr>
+          <p:spPr>
+            <a:xfrm flipH="1">
+              <a:off x="0" y="2872348"/>
+              <a:ext cx="12192000" cy="1252063"/>
+            </a:xfrm>
+            <a:prstGeom prst="rect">
+              <a:avLst/>
+            </a:prstGeom>
+            <a:gradFill>
+              <a:gsLst>
+                <a:gs pos="0">
+                  <a:schemeClr val="accent1">
+                    <a:lumMod val="5000"/>
+                    <a:lumOff val="95000"/>
+                    <a:alpha val="0"/>
+                  </a:schemeClr>
+                </a:gs>
+                <a:gs pos="78000">
+                  <a:schemeClr val="accent5"/>
+                </a:gs>
+              </a:gsLst>
+              <a:lin ang="10800000" scaled="0"/>
+            </a:gradFill>
+            <a:ln>
+              <a:noFill/>
+            </a:ln>
+            <a:effectLst>
+              <a:outerShdw blurRad="393700" dist="76200" dir="5820000" sx="99000" sy="99000" algn="t" rotWithShape="0">
+                <a:prstClr val="black">
+                  <a:alpha val="50000"/>
+                </a:prstClr>
+              </a:outerShdw>
+            </a:effectLst>
+          </p:spPr>
+          <p:style>
+            <a:lnRef idx="2">
+              <a:schemeClr val="accent1">
+                <a:shade val="50000"/>
+              </a:schemeClr>
+            </a:lnRef>
+            <a:fillRef idx="1">
+              <a:schemeClr val="accent1"/>
+            </a:fillRef>
+            <a:effectRef idx="0">
+              <a:schemeClr val="accent1"/>
+            </a:effectRef>
+            <a:fontRef idx="minor">
+              <a:schemeClr val="lt1"/>
+            </a:fontRef>
+          </p:style>
+          <p:txBody>
+            <a:bodyPr rtlCol="0" anchor="ctr"/>
+            <a:lstStyle/>
+            <a:p>
+              <a:pPr algn="ctr" fontAlgn="auto"/>
+              <a:endParaRPr lang="zh-CN" altLang="en-US" strike="noStrike" noProof="1"/>
+            </a:p>
+          </p:txBody>
+        </p:sp>
+        <p:sp>
+          <p:nvSpPr>
+            <p:cNvPr id="40" name="圆角矩形 39"/>
+            <p:cNvSpPr/>
+            <p:nvPr/>
+          </p:nvSpPr>
+          <p:spPr>
+            <a:xfrm rot="10800000" flipV="1">
+              <a:off x="464451" y="2847433"/>
+              <a:ext cx="1273995" cy="1291039"/>
+            </a:xfrm>
+            <a:prstGeom prst="roundRect">
+              <a:avLst>
+                <a:gd name="adj" fmla="val 5039"/>
+              </a:avLst>
+            </a:prstGeom>
+            <a:solidFill>
+              <a:srgbClr val="4472C4"/>
+            </a:solidFill>
+            <a:ln>
+              <a:noFill/>
+            </a:ln>
+            <a:effectLst>
+              <a:outerShdw blurRad="50800" dist="38100" dir="5400000" algn="t" rotWithShape="0">
+                <a:prstClr val="black">
+                  <a:alpha val="40000"/>
+                </a:prstClr>
+              </a:outerShdw>
+            </a:effectLst>
+          </p:spPr>
+          <p:style>
+            <a:lnRef idx="2">
+              <a:schemeClr val="accent1">
+                <a:shade val="50000"/>
+              </a:schemeClr>
+            </a:lnRef>
+            <a:fillRef idx="1">
+              <a:schemeClr val="accent1"/>
+            </a:fillRef>
+            <a:effectRef idx="0">
+              <a:schemeClr val="accent1"/>
+            </a:effectRef>
+            <a:fontRef idx="minor">
+              <a:schemeClr val="lt1"/>
+            </a:fontRef>
+          </p:style>
+          <p:txBody>
+            <a:bodyPr lIns="91438" tIns="45719" rIns="91438" bIns="45719" rtlCol="0" anchor="ctr"/>
+            <a:lstStyle/>
+            <a:p>
+              <a:pPr algn="ctr" fontAlgn="auto"/>
+              <a:r>
+                <a:rPr lang="en-US" altLang="zh-CN" sz="6000" strike="noStrike" noProof="1" dirty="0"/>
+                <a:t>1</a:t>
+              </a:r>
+              <a:endParaRPr lang="zh-CN" altLang="en-US" sz="6000" strike="noStrike" noProof="1" dirty="0"/>
+            </a:p>
+          </p:txBody>
+        </p:sp>
+        <p:sp>
+          <p:nvSpPr>
+            <p:cNvPr id="42" name="文本框 41"/>
+            <p:cNvSpPr txBox="1"/>
+            <p:nvPr/>
+          </p:nvSpPr>
+          <p:spPr>
+            <a:xfrm>
+              <a:off x="5822670" y="3045064"/>
+              <a:ext cx="6368270" cy="829280"/>
+            </a:xfrm>
+            <a:prstGeom prst="rect">
+              <a:avLst/>
+            </a:prstGeom>
+            <a:noFill/>
+          </p:spPr>
+          <p:txBody>
+            <a:bodyPr wrap="square" lIns="91438" tIns="45719" rIns="91438" bIns="45719" rtlCol="0">
+              <a:spAutoFit/>
+            </a:bodyPr>
+            <a:lstStyle/>
+            <a:p>
+              <a:pPr algn="r" fontAlgn="auto"/>
+              <a:r>
+                <a:rPr lang="zh-CN" altLang="en-US" sz="4800" spc="600" noProof="1" dirty="0">
+                  <a:solidFill>
+                    <a:schemeClr val="bg1"/>
+                  </a:solidFill>
+                  <a:latin typeface="微软雅黑" panose="020B0503020204020204" pitchFamily="34" charset="-122"/>
+                  <a:ea typeface="微软雅黑" panose="020B0503020204020204" pitchFamily="34" charset="-122"/>
+                  <a:cs typeface="+mn-cs"/>
+                  <a:sym typeface="+mn-ea"/>
+                </a:rPr>
+                <a:t>研究背景</a:t>
+              </a:r>
+              <a:endParaRPr lang="zh-CN" altLang="en-US" sz="4800" spc="600" noProof="1" dirty="0">
+                <a:solidFill>
+                  <a:schemeClr val="bg1"/>
+                </a:solidFill>
+                <a:latin typeface="微软雅黑" panose="020B0503020204020204" pitchFamily="34" charset="-122"/>
+                <a:ea typeface="微软雅黑" panose="020B0503020204020204" pitchFamily="34" charset="-122"/>
+              </a:endParaRPr>
+            </a:p>
+          </p:txBody>
+        </p:sp>
+        <p:grpSp>
+          <p:nvGrpSpPr>
+            <p:cNvPr id="5125" name="组 2"/>
+            <p:cNvGrpSpPr/>
+            <p:nvPr/>
+          </p:nvGrpSpPr>
+          <p:grpSpPr>
+            <a:xfrm>
+              <a:off x="-21102" y="2858492"/>
+              <a:ext cx="242777" cy="1285286"/>
+              <a:chOff x="-21102" y="2858492"/>
+              <a:chExt cx="242777" cy="1285286"/>
+            </a:xfrm>
+          </p:grpSpPr>
+          <p:sp>
+            <p:nvSpPr>
+              <p:cNvPr id="46" name="圆角矩形 45"/>
+              <p:cNvSpPr/>
+              <p:nvPr/>
+            </p:nvSpPr>
+            <p:spPr>
+              <a:xfrm rot="16200000" flipV="1">
+                <a:off x="-13335" y="3643332"/>
+                <a:ext cx="227250" cy="242777"/>
+              </a:xfrm>
+              <a:prstGeom prst="roundRect">
+                <a:avLst>
+                  <a:gd name="adj" fmla="val 5039"/>
+                </a:avLst>
+              </a:prstGeom>
+              <a:solidFill>
+                <a:srgbClr val="4472C4"/>
+              </a:solidFill>
+              <a:ln>
+                <a:noFill/>
+              </a:ln>
+              <a:effectLst>
+                <a:outerShdw blurRad="50800" dist="38100" dir="5400000" algn="t" rotWithShape="0">
+                  <a:prstClr val="black">
+                    <a:alpha val="40000"/>
+                  </a:prstClr>
+                </a:outerShdw>
+              </a:effectLst>
+            </p:spPr>
+            <p:style>
+              <a:lnRef idx="2">
+                <a:schemeClr val="accent1">
+                  <a:shade val="50000"/>
+                </a:schemeClr>
+              </a:lnRef>
+              <a:fillRef idx="1">
+                <a:schemeClr val="accent1"/>
+              </a:fillRef>
+              <a:effectRef idx="0">
+                <a:schemeClr val="accent1"/>
+              </a:effectRef>
+              <a:fontRef idx="minor">
+                <a:schemeClr val="lt1"/>
+              </a:fontRef>
+            </p:style>
+            <p:txBody>
+              <a:bodyPr rtlCol="0" anchor="ctr"/>
+              <a:lstStyle/>
+              <a:p>
+                <a:pPr algn="ctr" fontAlgn="auto"/>
+                <a:endParaRPr lang="zh-CN" altLang="en-US" strike="noStrike" noProof="1"/>
+              </a:p>
+            </p:txBody>
+          </p:sp>
+          <p:sp>
+            <p:nvSpPr>
+              <p:cNvPr id="47" name="圆角矩形 46"/>
+              <p:cNvSpPr/>
+              <p:nvPr/>
+            </p:nvSpPr>
+            <p:spPr>
+              <a:xfrm rot="16200000" flipV="1">
+                <a:off x="-13335" y="3908762"/>
+                <a:ext cx="227250" cy="242777"/>
+              </a:xfrm>
+              <a:prstGeom prst="roundRect">
+                <a:avLst>
+                  <a:gd name="adj" fmla="val 5039"/>
+                </a:avLst>
+              </a:prstGeom>
+              <a:solidFill>
+                <a:schemeClr val="accent5">
+                  <a:lumMod val="50000"/>
+                </a:schemeClr>
+              </a:solidFill>
+              <a:ln>
+                <a:noFill/>
+              </a:ln>
+              <a:effectLst>
+                <a:outerShdw blurRad="50800" dist="38100" dir="5400000" algn="t" rotWithShape="0">
+                  <a:prstClr val="black">
+                    <a:alpha val="40000"/>
+                  </a:prstClr>
+                </a:outerShdw>
+              </a:effectLst>
+            </p:spPr>
+            <p:style>
+              <a:lnRef idx="2">
+                <a:schemeClr val="accent1">
+                  <a:shade val="50000"/>
+                </a:schemeClr>
+              </a:lnRef>
+              <a:fillRef idx="1">
+                <a:schemeClr val="accent1"/>
+              </a:fillRef>
+              <a:effectRef idx="0">
+                <a:schemeClr val="accent1"/>
+              </a:effectRef>
+              <a:fontRef idx="minor">
+                <a:schemeClr val="lt1"/>
+              </a:fontRef>
+            </p:style>
+            <p:txBody>
+              <a:bodyPr rtlCol="0" anchor="ctr"/>
+              <a:lstStyle/>
+              <a:p>
+                <a:pPr algn="ctr" fontAlgn="auto"/>
+                <a:endParaRPr lang="zh-CN" altLang="en-US" strike="noStrike" noProof="1"/>
+              </a:p>
+            </p:txBody>
+          </p:sp>
+          <p:sp>
+            <p:nvSpPr>
+              <p:cNvPr id="48" name="圆角矩形 47"/>
+              <p:cNvSpPr/>
+              <p:nvPr/>
+            </p:nvSpPr>
+            <p:spPr>
+              <a:xfrm rot="16200000" flipV="1">
+                <a:off x="-13335" y="3122168"/>
+                <a:ext cx="227250" cy="242777"/>
+              </a:xfrm>
+              <a:prstGeom prst="roundRect">
+                <a:avLst>
+                  <a:gd name="adj" fmla="val 5039"/>
+                </a:avLst>
+              </a:prstGeom>
+              <a:solidFill>
+                <a:srgbClr val="4472C4"/>
+              </a:solidFill>
+              <a:ln>
+                <a:noFill/>
+              </a:ln>
+              <a:effectLst>
+                <a:outerShdw blurRad="50800" dist="38100" dir="5400000" algn="t" rotWithShape="0">
+                  <a:prstClr val="black">
+                    <a:alpha val="40000"/>
+                  </a:prstClr>
+                </a:outerShdw>
+              </a:effectLst>
+            </p:spPr>
+            <p:style>
+              <a:lnRef idx="2">
+                <a:schemeClr val="accent1">
+                  <a:shade val="50000"/>
+                </a:schemeClr>
+              </a:lnRef>
+              <a:fillRef idx="1">
+                <a:schemeClr val="accent1"/>
+              </a:fillRef>
+              <a:effectRef idx="0">
+                <a:schemeClr val="accent1"/>
+              </a:effectRef>
+              <a:fontRef idx="minor">
+                <a:schemeClr val="lt1"/>
+              </a:fontRef>
+            </p:style>
+            <p:txBody>
+              <a:bodyPr rtlCol="0" anchor="ctr"/>
+              <a:lstStyle/>
+              <a:p>
+                <a:pPr algn="ctr" fontAlgn="auto"/>
+                <a:endParaRPr lang="zh-CN" altLang="en-US" strike="noStrike" noProof="1"/>
+              </a:p>
+            </p:txBody>
+          </p:sp>
+          <p:sp>
+            <p:nvSpPr>
+              <p:cNvPr id="49" name="圆角矩形 48"/>
+              <p:cNvSpPr/>
+              <p:nvPr/>
+            </p:nvSpPr>
+            <p:spPr>
+              <a:xfrm rot="16200000" flipV="1">
+                <a:off x="-13335" y="3387598"/>
+                <a:ext cx="227250" cy="242777"/>
+              </a:xfrm>
+              <a:prstGeom prst="roundRect">
+                <a:avLst>
+                  <a:gd name="adj" fmla="val 5039"/>
+                </a:avLst>
+              </a:prstGeom>
+              <a:solidFill>
+                <a:schemeClr val="accent5">
+                  <a:lumMod val="50000"/>
+                </a:schemeClr>
+              </a:solidFill>
+              <a:ln>
+                <a:noFill/>
+              </a:ln>
+              <a:effectLst>
+                <a:outerShdw blurRad="50800" dist="38100" dir="5400000" algn="t" rotWithShape="0">
+                  <a:prstClr val="black">
+                    <a:alpha val="40000"/>
+                  </a:prstClr>
+                </a:outerShdw>
+              </a:effectLst>
+            </p:spPr>
+            <p:style>
+              <a:lnRef idx="2">
+                <a:schemeClr val="accent1">
+                  <a:shade val="50000"/>
+                </a:schemeClr>
+              </a:lnRef>
+              <a:fillRef idx="1">
+                <a:schemeClr val="accent1"/>
+              </a:fillRef>
+              <a:effectRef idx="0">
+                <a:schemeClr val="accent1"/>
+              </a:effectRef>
+              <a:fontRef idx="minor">
+                <a:schemeClr val="lt1"/>
+              </a:fontRef>
+            </p:style>
+            <p:txBody>
+              <a:bodyPr rtlCol="0" anchor="ctr"/>
+              <a:lstStyle/>
+              <a:p>
+                <a:pPr algn="ctr" fontAlgn="auto"/>
+                <a:endParaRPr lang="zh-CN" altLang="en-US" strike="noStrike" noProof="1"/>
+              </a:p>
+            </p:txBody>
+          </p:sp>
+          <p:sp>
+            <p:nvSpPr>
+              <p:cNvPr id="45" name="圆角矩形 44"/>
+              <p:cNvSpPr/>
+              <p:nvPr/>
+            </p:nvSpPr>
+            <p:spPr>
+              <a:xfrm rot="16200000" flipV="1">
+                <a:off x="-13335" y="2850726"/>
+                <a:ext cx="227250" cy="242777"/>
+              </a:xfrm>
+              <a:prstGeom prst="roundRect">
+                <a:avLst>
+                  <a:gd name="adj" fmla="val 5039"/>
+                </a:avLst>
+              </a:prstGeom>
+              <a:solidFill>
+                <a:schemeClr val="accent5">
+                  <a:lumMod val="50000"/>
+                </a:schemeClr>
+              </a:solidFill>
+              <a:ln>
+                <a:noFill/>
+              </a:ln>
+              <a:effectLst>
+                <a:outerShdw blurRad="50800" dist="38100" dir="5400000" algn="t" rotWithShape="0">
+                  <a:prstClr val="black">
+                    <a:alpha val="40000"/>
+                  </a:prstClr>
+                </a:outerShdw>
+              </a:effectLst>
+            </p:spPr>
+            <p:style>
+              <a:lnRef idx="2">
+                <a:schemeClr val="accent1">
+                  <a:shade val="50000"/>
+                </a:schemeClr>
+              </a:lnRef>
+              <a:fillRef idx="1">
+                <a:schemeClr val="accent1"/>
+              </a:fillRef>
+              <a:effectRef idx="0">
+                <a:schemeClr val="accent1"/>
+              </a:effectRef>
+              <a:fontRef idx="minor">
+                <a:schemeClr val="lt1"/>
+              </a:fontRef>
+            </p:style>
+            <p:txBody>
+              <a:bodyPr rtlCol="0" anchor="ctr"/>
+              <a:lstStyle/>
+              <a:p>
+                <a:pPr algn="ctr" fontAlgn="auto"/>
+                <a:endParaRPr lang="zh-CN" altLang="en-US" strike="noStrike" noProof="1"/>
+              </a:p>
+            </p:txBody>
+          </p:sp>
+        </p:grpSp>
+      </p:grpSp>
+      <p:grpSp>
+        <p:nvGrpSpPr>
+          <p:cNvPr id="5131" name="组 26"/>
+          <p:cNvGrpSpPr/>
+          <p:nvPr/>
+        </p:nvGrpSpPr>
+        <p:grpSpPr>
+          <a:xfrm>
+            <a:off x="9283700" y="252351"/>
+            <a:ext cx="2908300" cy="792224"/>
+            <a:chOff x="9284089" y="252793"/>
+            <a:chExt cx="2907908" cy="791907"/>
+          </a:xfrm>
+        </p:grpSpPr>
+        <p:grpSp>
+          <p:nvGrpSpPr>
+            <p:cNvPr id="5132" name="组 27"/>
+            <p:cNvGrpSpPr/>
+            <p:nvPr/>
+          </p:nvGrpSpPr>
+          <p:grpSpPr>
+            <a:xfrm>
+              <a:off x="11454170" y="252793"/>
+              <a:ext cx="737827" cy="484416"/>
+              <a:chOff x="11454170" y="252793"/>
+              <a:chExt cx="737827" cy="484416"/>
+            </a:xfrm>
+          </p:grpSpPr>
+          <p:grpSp>
+            <p:nvGrpSpPr>
+              <p:cNvPr id="5133" name="组 29"/>
+              <p:cNvGrpSpPr/>
+              <p:nvPr/>
+            </p:nvGrpSpPr>
+            <p:grpSpPr>
+              <a:xfrm>
+                <a:off x="12039604" y="252856"/>
+                <a:ext cx="152393" cy="484287"/>
+                <a:chOff x="12039604" y="252856"/>
+                <a:chExt cx="152393" cy="484287"/>
+              </a:xfrm>
+            </p:grpSpPr>
+            <p:sp>
+              <p:nvSpPr>
+                <p:cNvPr id="34" name="圆角矩形 33"/>
+                <p:cNvSpPr/>
+                <p:nvPr/>
+              </p:nvSpPr>
+              <p:spPr>
+                <a:xfrm rot="16200000" flipV="1">
+                  <a:off x="12072988" y="518121"/>
+                  <a:ext cx="85626" cy="152392"/>
+                </a:xfrm>
+                <a:prstGeom prst="roundRect">
+                  <a:avLst>
+                    <a:gd name="adj" fmla="val 5039"/>
+                  </a:avLst>
+                </a:prstGeom>
+                <a:solidFill>
+                  <a:srgbClr val="4472C4"/>
+                </a:solidFill>
+                <a:ln>
+                  <a:noFill/>
+                </a:ln>
+                <a:effectLst>
+                  <a:outerShdw blurRad="50800" dist="38100" dir="5400000" algn="t" rotWithShape="0">
+                    <a:prstClr val="black">
+                      <a:alpha val="40000"/>
+                    </a:prstClr>
+                  </a:outerShdw>
+                </a:effectLst>
+              </p:spPr>
+              <p:style>
+                <a:lnRef idx="2">
+                  <a:schemeClr val="accent1">
+                    <a:shade val="50000"/>
+                  </a:schemeClr>
+                </a:lnRef>
+                <a:fillRef idx="1">
+                  <a:schemeClr val="accent1"/>
+                </a:fillRef>
+                <a:effectRef idx="0">
+                  <a:schemeClr val="accent1"/>
+                </a:effectRef>
+                <a:fontRef idx="minor">
+                  <a:schemeClr val="lt1"/>
+                </a:fontRef>
+              </p:style>
+              <p:txBody>
+                <a:bodyPr rtlCol="0" anchor="ctr"/>
+                <a:lstStyle/>
+                <a:p>
+                  <a:pPr algn="ctr" fontAlgn="auto"/>
+                  <a:endParaRPr lang="zh-CN" altLang="en-US" strike="noStrike" noProof="1"/>
+                </a:p>
+              </p:txBody>
+            </p:sp>
+            <p:sp>
+              <p:nvSpPr>
+                <p:cNvPr id="35" name="圆角矩形 34"/>
+                <p:cNvSpPr/>
+                <p:nvPr/>
+              </p:nvSpPr>
+              <p:spPr>
+                <a:xfrm rot="16200000" flipV="1">
+                  <a:off x="12072988" y="618134"/>
+                  <a:ext cx="85626" cy="152392"/>
+                </a:xfrm>
+                <a:prstGeom prst="roundRect">
+                  <a:avLst>
+                    <a:gd name="adj" fmla="val 5039"/>
+                  </a:avLst>
+                </a:prstGeom>
+                <a:solidFill>
+                  <a:srgbClr val="2F5597"/>
+                </a:solidFill>
+                <a:ln>
+                  <a:noFill/>
+                </a:ln>
+                <a:effectLst>
+                  <a:outerShdw blurRad="50800" dist="38100" dir="5400000" algn="t" rotWithShape="0">
+                    <a:prstClr val="black">
+                      <a:alpha val="40000"/>
+                    </a:prstClr>
+                  </a:outerShdw>
+                </a:effectLst>
+              </p:spPr>
+              <p:style>
+                <a:lnRef idx="2">
+                  <a:schemeClr val="accent1">
+                    <a:shade val="50000"/>
+                  </a:schemeClr>
+                </a:lnRef>
+                <a:fillRef idx="1">
+                  <a:schemeClr val="accent1"/>
+                </a:fillRef>
+                <a:effectRef idx="0">
+                  <a:schemeClr val="accent1"/>
+                </a:effectRef>
+                <a:fontRef idx="minor">
+                  <a:schemeClr val="lt1"/>
+                </a:fontRef>
+              </p:style>
+              <p:txBody>
+                <a:bodyPr rtlCol="0" anchor="ctr"/>
+                <a:lstStyle/>
+                <a:p>
+                  <a:pPr algn="ctr" fontAlgn="auto"/>
+                  <a:endParaRPr lang="zh-CN" altLang="en-US" strike="noStrike" noProof="1"/>
+                </a:p>
+              </p:txBody>
+            </p:sp>
+            <p:sp>
+              <p:nvSpPr>
+                <p:cNvPr id="36" name="圆角矩形 35"/>
+                <p:cNvSpPr/>
+                <p:nvPr/>
+              </p:nvSpPr>
+              <p:spPr>
+                <a:xfrm rot="16200000" flipV="1">
+                  <a:off x="12072988" y="321750"/>
+                  <a:ext cx="85626" cy="152392"/>
+                </a:xfrm>
+                <a:prstGeom prst="roundRect">
+                  <a:avLst>
+                    <a:gd name="adj" fmla="val 5039"/>
+                  </a:avLst>
+                </a:prstGeom>
+                <a:solidFill>
+                  <a:srgbClr val="4472C4"/>
+                </a:solidFill>
+                <a:ln>
+                  <a:noFill/>
+                </a:ln>
+                <a:effectLst>
+                  <a:outerShdw blurRad="50800" dist="38100" dir="5400000" algn="t" rotWithShape="0">
+                    <a:prstClr val="black">
+                      <a:alpha val="40000"/>
+                    </a:prstClr>
+                  </a:outerShdw>
+                </a:effectLst>
+              </p:spPr>
+              <p:style>
+                <a:lnRef idx="2">
+                  <a:schemeClr val="accent1">
+                    <a:shade val="50000"/>
+                  </a:schemeClr>
+                </a:lnRef>
+                <a:fillRef idx="1">
+                  <a:schemeClr val="accent1"/>
+                </a:fillRef>
+                <a:effectRef idx="0">
+                  <a:schemeClr val="accent1"/>
+                </a:effectRef>
+                <a:fontRef idx="minor">
+                  <a:schemeClr val="lt1"/>
+                </a:fontRef>
+              </p:style>
+              <p:txBody>
+                <a:bodyPr rtlCol="0" anchor="ctr"/>
+                <a:lstStyle/>
+                <a:p>
+                  <a:pPr algn="ctr" fontAlgn="auto"/>
+                  <a:endParaRPr lang="zh-CN" altLang="en-US" strike="noStrike" noProof="1"/>
+                </a:p>
+              </p:txBody>
+            </p:sp>
+            <p:sp>
+              <p:nvSpPr>
+                <p:cNvPr id="37" name="圆角矩形 36"/>
+                <p:cNvSpPr/>
+                <p:nvPr/>
+              </p:nvSpPr>
+              <p:spPr>
+                <a:xfrm rot="16200000" flipV="1">
+                  <a:off x="12072988" y="421763"/>
+                  <a:ext cx="85626" cy="152392"/>
+                </a:xfrm>
+                <a:prstGeom prst="roundRect">
+                  <a:avLst>
+                    <a:gd name="adj" fmla="val 5039"/>
+                  </a:avLst>
+                </a:prstGeom>
+                <a:solidFill>
+                  <a:srgbClr val="2F5597"/>
+                </a:solidFill>
+                <a:ln>
+                  <a:noFill/>
+                </a:ln>
+                <a:effectLst>
+                  <a:outerShdw blurRad="50800" dist="38100" dir="5400000" algn="t" rotWithShape="0">
+                    <a:prstClr val="black">
+                      <a:alpha val="40000"/>
+                    </a:prstClr>
+                  </a:outerShdw>
+                </a:effectLst>
+              </p:spPr>
+              <p:style>
+                <a:lnRef idx="2">
+                  <a:schemeClr val="accent1">
+                    <a:shade val="50000"/>
+                  </a:schemeClr>
+                </a:lnRef>
+                <a:fillRef idx="1">
+                  <a:schemeClr val="accent1"/>
+                </a:fillRef>
+                <a:effectRef idx="0">
+                  <a:schemeClr val="accent1"/>
+                </a:effectRef>
+                <a:fontRef idx="minor">
+                  <a:schemeClr val="lt1"/>
+                </a:fontRef>
+              </p:style>
+              <p:txBody>
+                <a:bodyPr rtlCol="0" anchor="ctr"/>
+                <a:lstStyle/>
+                <a:p>
+                  <a:pPr algn="ctr" fontAlgn="auto"/>
+                  <a:endParaRPr lang="zh-CN" altLang="en-US" strike="noStrike" noProof="1"/>
+                </a:p>
+              </p:txBody>
+            </p:sp>
+            <p:sp>
+              <p:nvSpPr>
+                <p:cNvPr id="38" name="圆角矩形 37"/>
+                <p:cNvSpPr/>
+                <p:nvPr/>
+              </p:nvSpPr>
+              <p:spPr>
+                <a:xfrm rot="16200000" flipV="1">
+                  <a:off x="12072987" y="219473"/>
+                  <a:ext cx="85626" cy="152392"/>
+                </a:xfrm>
+                <a:prstGeom prst="roundRect">
+                  <a:avLst>
+                    <a:gd name="adj" fmla="val 5039"/>
+                  </a:avLst>
+                </a:prstGeom>
+                <a:solidFill>
+                  <a:srgbClr val="2F5597"/>
+                </a:solidFill>
+                <a:ln>
+                  <a:noFill/>
+                </a:ln>
+                <a:effectLst>
+                  <a:outerShdw blurRad="50800" dist="38100" dir="5400000" algn="t" rotWithShape="0">
+                    <a:prstClr val="black">
+                      <a:alpha val="40000"/>
+                    </a:prstClr>
+                  </a:outerShdw>
+                </a:effectLst>
+              </p:spPr>
+              <p:style>
+                <a:lnRef idx="2">
+                  <a:schemeClr val="accent1">
+                    <a:shade val="50000"/>
+                  </a:schemeClr>
+                </a:lnRef>
+                <a:fillRef idx="1">
+                  <a:schemeClr val="accent1"/>
+                </a:fillRef>
+                <a:effectRef idx="0">
+                  <a:schemeClr val="accent1"/>
+                </a:effectRef>
+                <a:fontRef idx="minor">
+                  <a:schemeClr val="lt1"/>
+                </a:fontRef>
+              </p:style>
+              <p:txBody>
+                <a:bodyPr rtlCol="0" anchor="ctr"/>
+                <a:lstStyle/>
+                <a:p>
+                  <a:pPr algn="ctr" fontAlgn="auto"/>
+                  <a:endParaRPr lang="zh-CN" altLang="en-US" strike="noStrike" noProof="1"/>
+                </a:p>
+              </p:txBody>
+            </p:sp>
+          </p:grpSp>
+          <p:sp>
+            <p:nvSpPr>
+              <p:cNvPr id="32" name="圆角矩形 31"/>
+              <p:cNvSpPr/>
+              <p:nvPr/>
+            </p:nvSpPr>
+            <p:spPr>
+              <a:xfrm rot="16200000" flipV="1">
+                <a:off x="11457454" y="249508"/>
+                <a:ext cx="484416" cy="490985"/>
+              </a:xfrm>
+              <a:prstGeom prst="roundRect">
+                <a:avLst>
+                  <a:gd name="adj" fmla="val 5039"/>
+                </a:avLst>
+              </a:prstGeom>
+              <a:solidFill>
+                <a:schemeClr val="accent5"/>
+              </a:solidFill>
+              <a:ln>
+                <a:noFill/>
+              </a:ln>
+              <a:effectLst>
+                <a:outerShdw blurRad="50800" dist="38100" dir="5400000" algn="t" rotWithShape="0">
+                  <a:prstClr val="black">
+                    <a:alpha val="40000"/>
+                  </a:prstClr>
+                </a:outerShdw>
+              </a:effectLst>
+            </p:spPr>
+            <p:style>
+              <a:lnRef idx="2">
+                <a:schemeClr val="accent1">
+                  <a:shade val="50000"/>
+                </a:schemeClr>
+              </a:lnRef>
+              <a:fillRef idx="1">
+                <a:schemeClr val="accent1"/>
+              </a:fillRef>
+              <a:effectRef idx="0">
+                <a:schemeClr val="accent1"/>
+              </a:effectRef>
+              <a:fontRef idx="minor">
+                <a:schemeClr val="lt1"/>
+              </a:fontRef>
+            </p:style>
+            <p:txBody>
+              <a:bodyPr rtlCol="0" anchor="ctr"/>
+              <a:lstStyle/>
+              <a:p>
+                <a:pPr algn="ctr" fontAlgn="auto"/>
+                <a:endParaRPr lang="zh-CN" altLang="en-US" strike="noStrike" noProof="1"/>
+              </a:p>
+            </p:txBody>
+          </p:sp>
+        </p:grpSp>
+        <p:sp>
+          <p:nvSpPr>
+            <p:cNvPr id="5142" name="文本框 28"/>
+            <p:cNvSpPr txBox="1"/>
+            <p:nvPr/>
+          </p:nvSpPr>
+          <p:spPr>
+            <a:xfrm>
+              <a:off x="9284089" y="252855"/>
+              <a:ext cx="2170011" cy="791845"/>
+            </a:xfrm>
+            <a:prstGeom prst="rect">
+              <a:avLst/>
+            </a:prstGeom>
+            <a:noFill/>
+            <a:ln w="9525">
+              <a:noFill/>
+            </a:ln>
+          </p:spPr>
+          <p:txBody>
+            <a:bodyPr wrap="square" lIns="91438" tIns="45719" rIns="91438" bIns="45719" anchor="t">
+              <a:spAutoFit/>
+            </a:bodyPr>
+            <a:p>
+              <a:pPr algn="r"/>
+              <a:r>
+                <a:rPr lang="zh-CN" altLang="en-US" sz="1500" dirty="0">
+                  <a:solidFill>
+                    <a:srgbClr val="808080"/>
+                  </a:solidFill>
+                  <a:latin typeface="微软雅黑" panose="020B0503020204020204" pitchFamily="34" charset="-122"/>
+                  <a:ea typeface="微软雅黑" panose="020B0503020204020204" pitchFamily="34" charset="-122"/>
+                </a:rPr>
+                <a:t>重庆邮电大学 </a:t>
+              </a:r>
+              <a:endParaRPr lang="zh-CN" altLang="en-US" sz="1500" dirty="0">
+                <a:solidFill>
+                  <a:srgbClr val="808080"/>
+                </a:solidFill>
+                <a:latin typeface="微软雅黑" panose="020B0503020204020204" pitchFamily="34" charset="-122"/>
+                <a:ea typeface="微软雅黑" panose="020B0503020204020204" pitchFamily="34" charset="-122"/>
+              </a:endParaRPr>
+            </a:p>
+            <a:p>
+              <a:pPr algn="r"/>
+              <a:r>
+                <a:rPr lang="zh-CN" altLang="en-US" sz="1500" dirty="0">
+                  <a:solidFill>
+                    <a:srgbClr val="808080"/>
+                  </a:solidFill>
+                  <a:latin typeface="微软雅黑" panose="020B0503020204020204" pitchFamily="34" charset="-122"/>
+                  <a:ea typeface="微软雅黑" panose="020B0503020204020204" pitchFamily="34" charset="-122"/>
+                </a:rPr>
+                <a:t>计算机科学与技术学院      </a:t>
+              </a:r>
+              <a:endParaRPr lang="en-US" altLang="zh-CN" sz="1500" dirty="0">
+                <a:solidFill>
+                  <a:srgbClr val="808080"/>
+                </a:solidFill>
+                <a:latin typeface="微软雅黑" panose="020B0503020204020204" pitchFamily="34" charset="-122"/>
+                <a:ea typeface="微软雅黑" panose="020B0503020204020204" pitchFamily="34" charset="-122"/>
+              </a:endParaRPr>
+            </a:p>
+            <a:p>
+              <a:pPr algn="r"/>
+              <a:endParaRPr lang="zh-CN" altLang="en-US" sz="1500" dirty="0">
+                <a:solidFill>
+                  <a:srgbClr val="808080"/>
+                </a:solidFill>
+                <a:latin typeface="Segoe UI Semilight" panose="020B0402040204020203" pitchFamily="34" charset="0"/>
+                <a:ea typeface="微软雅黑" panose="020B0503020204020204" pitchFamily="34" charset="-122"/>
+              </a:endParaRPr>
+            </a:p>
+          </p:txBody>
+        </p:sp>
+      </p:grpSp>
+      <p:sp>
+        <p:nvSpPr>
+          <p:cNvPr id="5143" name="矩形 24"/>
+          <p:cNvSpPr/>
+          <p:nvPr/>
+        </p:nvSpPr>
+        <p:spPr>
+          <a:xfrm>
+            <a:off x="714375" y="339725"/>
+            <a:ext cx="774700" cy="230188"/>
+          </a:xfrm>
+          <a:prstGeom prst="rect">
+            <a:avLst/>
+          </a:prstGeom>
+          <a:noFill/>
+          <a:ln w="9525">
+            <a:noFill/>
+          </a:ln>
+        </p:spPr>
+        <p:txBody>
+          <a:bodyPr wrap="square" anchor="t">
+            <a:spAutoFit/>
+          </a:bodyPr>
+          <a:p>
+            <a:r>
+              <a:rPr lang="en-US" altLang="zh-CN" sz="100" dirty="0">
+                <a:solidFill>
+                  <a:schemeClr val="bg1"/>
+                </a:solidFill>
+                <a:latin typeface="Century Gothic" panose="020B0502020202020204" charset="0"/>
+                <a:ea typeface="微软雅黑" panose="020B0503020204020204" pitchFamily="34" charset="-122"/>
+              </a:rPr>
+              <a:t>PPT</a:t>
+            </a:r>
+            <a:r>
+              <a:rPr lang="zh-CN" altLang="en-US" sz="100" dirty="0">
+                <a:solidFill>
+                  <a:schemeClr val="bg1"/>
+                </a:solidFill>
+                <a:latin typeface="Century Gothic" panose="020B0502020202020204" charset="0"/>
+                <a:ea typeface="微软雅黑" panose="020B0503020204020204" pitchFamily="34" charset="-122"/>
+              </a:rPr>
+              <a:t>模板下载：</a:t>
+            </a:r>
+            <a:r>
+              <a:rPr lang="en-US" altLang="zh-CN" sz="100" dirty="0">
+                <a:solidFill>
+                  <a:schemeClr val="bg1"/>
+                </a:solidFill>
+                <a:latin typeface="Century Gothic" panose="020B0502020202020204" charset="0"/>
+                <a:ea typeface="微软雅黑" panose="020B0503020204020204" pitchFamily="34" charset="-122"/>
+              </a:rPr>
+              <a:t>www.1ppt.com/moban/     </a:t>
+            </a:r>
+            <a:r>
+              <a:rPr lang="zh-CN" altLang="en-US" sz="100" dirty="0">
+                <a:solidFill>
+                  <a:schemeClr val="bg1"/>
+                </a:solidFill>
+                <a:latin typeface="Century Gothic" panose="020B0502020202020204" charset="0"/>
+                <a:ea typeface="微软雅黑" panose="020B0503020204020204" pitchFamily="34" charset="-122"/>
+              </a:rPr>
+              <a:t>行业</a:t>
+            </a:r>
+            <a:r>
+              <a:rPr lang="en-US" altLang="zh-CN" sz="100" dirty="0">
+                <a:solidFill>
+                  <a:schemeClr val="bg1"/>
+                </a:solidFill>
+                <a:latin typeface="Century Gothic" panose="020B0502020202020204" charset="0"/>
+                <a:ea typeface="微软雅黑" panose="020B0503020204020204" pitchFamily="34" charset="-122"/>
+              </a:rPr>
+              <a:t>PPT</a:t>
+            </a:r>
+            <a:r>
+              <a:rPr lang="zh-CN" altLang="en-US" sz="100" dirty="0">
+                <a:solidFill>
+                  <a:schemeClr val="bg1"/>
+                </a:solidFill>
+                <a:latin typeface="Century Gothic" panose="020B0502020202020204" charset="0"/>
+                <a:ea typeface="微软雅黑" panose="020B0503020204020204" pitchFamily="34" charset="-122"/>
+              </a:rPr>
+              <a:t>模板：</a:t>
+            </a:r>
+            <a:r>
+              <a:rPr lang="en-US" altLang="zh-CN" sz="100" dirty="0">
+                <a:solidFill>
+                  <a:schemeClr val="bg1"/>
+                </a:solidFill>
+                <a:latin typeface="Century Gothic" panose="020B0502020202020204" charset="0"/>
+                <a:ea typeface="微软雅黑" panose="020B0503020204020204" pitchFamily="34" charset="-122"/>
+              </a:rPr>
+              <a:t>www.1ppt.com/hangye/ </a:t>
+            </a:r>
+            <a:endParaRPr lang="en-US" altLang="zh-CN" sz="100" dirty="0">
+              <a:solidFill>
+                <a:schemeClr val="bg1"/>
+              </a:solidFill>
+              <a:latin typeface="Century Gothic" panose="020B0502020202020204" charset="0"/>
+              <a:ea typeface="微软雅黑" panose="020B0503020204020204" pitchFamily="34" charset="-122"/>
+            </a:endParaRPr>
+          </a:p>
+          <a:p>
+            <a:r>
+              <a:rPr lang="zh-CN" altLang="en-US" sz="100" dirty="0">
+                <a:solidFill>
+                  <a:schemeClr val="bg1"/>
+                </a:solidFill>
+                <a:latin typeface="Century Gothic" panose="020B0502020202020204" charset="0"/>
+                <a:ea typeface="微软雅黑" panose="020B0503020204020204" pitchFamily="34" charset="-122"/>
+              </a:rPr>
+              <a:t>节日</a:t>
+            </a:r>
+            <a:r>
+              <a:rPr lang="en-US" altLang="zh-CN" sz="100" dirty="0">
+                <a:solidFill>
+                  <a:schemeClr val="bg1"/>
+                </a:solidFill>
+                <a:latin typeface="Century Gothic" panose="020B0502020202020204" charset="0"/>
+                <a:ea typeface="微软雅黑" panose="020B0503020204020204" pitchFamily="34" charset="-122"/>
+              </a:rPr>
+              <a:t>PPT</a:t>
+            </a:r>
+            <a:r>
+              <a:rPr lang="zh-CN" altLang="en-US" sz="100" dirty="0">
+                <a:solidFill>
+                  <a:schemeClr val="bg1"/>
+                </a:solidFill>
+                <a:latin typeface="Century Gothic" panose="020B0502020202020204" charset="0"/>
+                <a:ea typeface="微软雅黑" panose="020B0503020204020204" pitchFamily="34" charset="-122"/>
+              </a:rPr>
+              <a:t>模板：</a:t>
+            </a:r>
+            <a:r>
+              <a:rPr lang="en-US" altLang="zh-CN" sz="100" dirty="0">
+                <a:solidFill>
+                  <a:schemeClr val="bg1"/>
+                </a:solidFill>
+                <a:latin typeface="Century Gothic" panose="020B0502020202020204" charset="0"/>
+                <a:ea typeface="微软雅黑" panose="020B0503020204020204" pitchFamily="34" charset="-122"/>
+              </a:rPr>
+              <a:t>www.1ppt.com/jieri/           PPT</a:t>
+            </a:r>
+            <a:r>
+              <a:rPr lang="zh-CN" altLang="en-US" sz="100" dirty="0">
+                <a:solidFill>
+                  <a:schemeClr val="bg1"/>
+                </a:solidFill>
+                <a:latin typeface="Century Gothic" panose="020B0502020202020204" charset="0"/>
+                <a:ea typeface="微软雅黑" panose="020B0503020204020204" pitchFamily="34" charset="-122"/>
+              </a:rPr>
+              <a:t>素材下载：</a:t>
+            </a:r>
+            <a:r>
+              <a:rPr lang="en-US" altLang="zh-CN" sz="100" dirty="0">
+                <a:solidFill>
+                  <a:schemeClr val="bg1"/>
+                </a:solidFill>
+                <a:latin typeface="Century Gothic" panose="020B0502020202020204" charset="0"/>
+                <a:ea typeface="微软雅黑" panose="020B0503020204020204" pitchFamily="34" charset="-122"/>
+              </a:rPr>
+              <a:t>www.1ppt.com/sucai/</a:t>
+            </a:r>
+            <a:endParaRPr lang="en-US" altLang="zh-CN" sz="100" dirty="0">
+              <a:solidFill>
+                <a:schemeClr val="bg1"/>
+              </a:solidFill>
+              <a:latin typeface="Century Gothic" panose="020B0502020202020204" charset="0"/>
+              <a:ea typeface="微软雅黑" panose="020B0503020204020204" pitchFamily="34" charset="-122"/>
+            </a:endParaRPr>
+          </a:p>
+          <a:p>
+            <a:r>
+              <a:rPr lang="en-US" altLang="zh-CN" sz="100" dirty="0">
+                <a:solidFill>
+                  <a:schemeClr val="bg1"/>
+                </a:solidFill>
+                <a:latin typeface="Century Gothic" panose="020B0502020202020204" charset="0"/>
+                <a:ea typeface="微软雅黑" panose="020B0503020204020204" pitchFamily="34" charset="-122"/>
+              </a:rPr>
+              <a:t>PPT</a:t>
+            </a:r>
+            <a:r>
+              <a:rPr lang="zh-CN" altLang="en-US" sz="100" dirty="0">
+                <a:solidFill>
+                  <a:schemeClr val="bg1"/>
+                </a:solidFill>
+                <a:latin typeface="Century Gothic" panose="020B0502020202020204" charset="0"/>
+                <a:ea typeface="微软雅黑" panose="020B0503020204020204" pitchFamily="34" charset="-122"/>
+              </a:rPr>
+              <a:t>背景图片：</a:t>
+            </a:r>
+            <a:r>
+              <a:rPr lang="en-US" altLang="zh-CN" sz="100" dirty="0">
+                <a:solidFill>
+                  <a:schemeClr val="bg1"/>
+                </a:solidFill>
+                <a:latin typeface="Century Gothic" panose="020B0502020202020204" charset="0"/>
+                <a:ea typeface="微软雅黑" panose="020B0503020204020204" pitchFamily="34" charset="-122"/>
+              </a:rPr>
+              <a:t>www.1ppt.com/beijing/      PPT</a:t>
+            </a:r>
+            <a:r>
+              <a:rPr lang="zh-CN" altLang="en-US" sz="100" dirty="0">
+                <a:solidFill>
+                  <a:schemeClr val="bg1"/>
+                </a:solidFill>
+                <a:latin typeface="Century Gothic" panose="020B0502020202020204" charset="0"/>
+                <a:ea typeface="微软雅黑" panose="020B0503020204020204" pitchFamily="34" charset="-122"/>
+              </a:rPr>
+              <a:t>图表下载：</a:t>
+            </a:r>
+            <a:r>
+              <a:rPr lang="en-US" altLang="zh-CN" sz="100" dirty="0">
+                <a:solidFill>
+                  <a:schemeClr val="bg1"/>
+                </a:solidFill>
+                <a:latin typeface="Century Gothic" panose="020B0502020202020204" charset="0"/>
+                <a:ea typeface="微软雅黑" panose="020B0503020204020204" pitchFamily="34" charset="-122"/>
+              </a:rPr>
+              <a:t>www.1ppt.com/tubiao/      </a:t>
+            </a:r>
+            <a:endParaRPr lang="en-US" altLang="zh-CN" sz="100" dirty="0">
+              <a:solidFill>
+                <a:schemeClr val="bg1"/>
+              </a:solidFill>
+              <a:latin typeface="Century Gothic" panose="020B0502020202020204" charset="0"/>
+              <a:ea typeface="微软雅黑" panose="020B0503020204020204" pitchFamily="34" charset="-122"/>
+            </a:endParaRPr>
+          </a:p>
+          <a:p>
+            <a:r>
+              <a:rPr lang="zh-CN" altLang="en-US" sz="100" dirty="0">
+                <a:solidFill>
+                  <a:schemeClr val="bg1"/>
+                </a:solidFill>
+                <a:latin typeface="Century Gothic" panose="020B0502020202020204" charset="0"/>
+                <a:ea typeface="微软雅黑" panose="020B0503020204020204" pitchFamily="34" charset="-122"/>
+              </a:rPr>
+              <a:t>优秀</a:t>
+            </a:r>
+            <a:r>
+              <a:rPr lang="en-US" altLang="zh-CN" sz="100" dirty="0">
+                <a:solidFill>
+                  <a:schemeClr val="bg1"/>
+                </a:solidFill>
+                <a:latin typeface="Century Gothic" panose="020B0502020202020204" charset="0"/>
+                <a:ea typeface="微软雅黑" panose="020B0503020204020204" pitchFamily="34" charset="-122"/>
+              </a:rPr>
+              <a:t>PPT</a:t>
+            </a:r>
+            <a:r>
+              <a:rPr lang="zh-CN" altLang="en-US" sz="100" dirty="0">
+                <a:solidFill>
+                  <a:schemeClr val="bg1"/>
+                </a:solidFill>
+                <a:latin typeface="Century Gothic" panose="020B0502020202020204" charset="0"/>
+                <a:ea typeface="微软雅黑" panose="020B0503020204020204" pitchFamily="34" charset="-122"/>
+              </a:rPr>
+              <a:t>下载：</a:t>
+            </a:r>
+            <a:r>
+              <a:rPr lang="en-US" altLang="zh-CN" sz="100" dirty="0">
+                <a:solidFill>
+                  <a:schemeClr val="bg1"/>
+                </a:solidFill>
+                <a:latin typeface="Century Gothic" panose="020B0502020202020204" charset="0"/>
+                <a:ea typeface="微软雅黑" panose="020B0503020204020204" pitchFamily="34" charset="-122"/>
+              </a:rPr>
+              <a:t>www.1ppt.com/xiazai/        PPT</a:t>
+            </a:r>
+            <a:r>
+              <a:rPr lang="zh-CN" altLang="en-US" sz="100" dirty="0">
+                <a:solidFill>
+                  <a:schemeClr val="bg1"/>
+                </a:solidFill>
+                <a:latin typeface="Century Gothic" panose="020B0502020202020204" charset="0"/>
+                <a:ea typeface="微软雅黑" panose="020B0503020204020204" pitchFamily="34" charset="-122"/>
+              </a:rPr>
+              <a:t>教程： </a:t>
+            </a:r>
+            <a:r>
+              <a:rPr lang="en-US" altLang="zh-CN" sz="100" dirty="0">
+                <a:solidFill>
+                  <a:schemeClr val="bg1"/>
+                </a:solidFill>
+                <a:latin typeface="Century Gothic" panose="020B0502020202020204" charset="0"/>
+                <a:ea typeface="微软雅黑" panose="020B0503020204020204" pitchFamily="34" charset="-122"/>
+              </a:rPr>
+              <a:t>www.1ppt.com/powerpoint/      </a:t>
+            </a:r>
+            <a:endParaRPr lang="en-US" altLang="zh-CN" sz="100" dirty="0">
+              <a:solidFill>
+                <a:schemeClr val="bg1"/>
+              </a:solidFill>
+              <a:latin typeface="Century Gothic" panose="020B0502020202020204" charset="0"/>
+              <a:ea typeface="微软雅黑" panose="020B0503020204020204" pitchFamily="34" charset="-122"/>
+            </a:endParaRPr>
+          </a:p>
+          <a:p>
+            <a:r>
+              <a:rPr lang="en-US" altLang="zh-CN" sz="100" dirty="0">
+                <a:solidFill>
+                  <a:schemeClr val="bg1"/>
+                </a:solidFill>
+                <a:latin typeface="Century Gothic" panose="020B0502020202020204" charset="0"/>
+                <a:ea typeface="微软雅黑" panose="020B0503020204020204" pitchFamily="34" charset="-122"/>
+              </a:rPr>
+              <a:t>Word</a:t>
+            </a:r>
+            <a:r>
+              <a:rPr lang="zh-CN" altLang="en-US" sz="100" dirty="0">
+                <a:solidFill>
+                  <a:schemeClr val="bg1"/>
+                </a:solidFill>
+                <a:latin typeface="Century Gothic" panose="020B0502020202020204" charset="0"/>
+                <a:ea typeface="微软雅黑" panose="020B0503020204020204" pitchFamily="34" charset="-122"/>
+              </a:rPr>
+              <a:t>教程： </a:t>
+            </a:r>
+            <a:r>
+              <a:rPr lang="en-US" altLang="zh-CN" sz="100" dirty="0">
+                <a:solidFill>
+                  <a:schemeClr val="bg1"/>
+                </a:solidFill>
+                <a:latin typeface="Century Gothic" panose="020B0502020202020204" charset="0"/>
+                <a:ea typeface="微软雅黑" panose="020B0503020204020204" pitchFamily="34" charset="-122"/>
+              </a:rPr>
+              <a:t>www.1ppt.com/word/              Excel</a:t>
+            </a:r>
+            <a:r>
+              <a:rPr lang="zh-CN" altLang="en-US" sz="100" dirty="0">
+                <a:solidFill>
+                  <a:schemeClr val="bg1"/>
+                </a:solidFill>
+                <a:latin typeface="Century Gothic" panose="020B0502020202020204" charset="0"/>
+                <a:ea typeface="微软雅黑" panose="020B0503020204020204" pitchFamily="34" charset="-122"/>
+              </a:rPr>
+              <a:t>教程：</a:t>
+            </a:r>
+            <a:r>
+              <a:rPr lang="en-US" altLang="zh-CN" sz="100" dirty="0">
+                <a:solidFill>
+                  <a:schemeClr val="bg1"/>
+                </a:solidFill>
+                <a:latin typeface="Century Gothic" panose="020B0502020202020204" charset="0"/>
+                <a:ea typeface="微软雅黑" panose="020B0503020204020204" pitchFamily="34" charset="-122"/>
+              </a:rPr>
+              <a:t>www.1ppt.com/excel/  </a:t>
+            </a:r>
+            <a:endParaRPr lang="en-US" altLang="zh-CN" sz="100" dirty="0">
+              <a:solidFill>
+                <a:schemeClr val="bg1"/>
+              </a:solidFill>
+              <a:latin typeface="Century Gothic" panose="020B0502020202020204" charset="0"/>
+              <a:ea typeface="微软雅黑" panose="020B0503020204020204" pitchFamily="34" charset="-122"/>
+            </a:endParaRPr>
+          </a:p>
+          <a:p>
+            <a:r>
+              <a:rPr lang="zh-CN" altLang="en-US" sz="100" dirty="0">
+                <a:solidFill>
+                  <a:schemeClr val="bg1"/>
+                </a:solidFill>
+                <a:latin typeface="Century Gothic" panose="020B0502020202020204" charset="0"/>
+                <a:ea typeface="微软雅黑" panose="020B0503020204020204" pitchFamily="34" charset="-122"/>
+              </a:rPr>
+              <a:t>资料下载：</a:t>
+            </a:r>
+            <a:r>
+              <a:rPr lang="en-US" altLang="zh-CN" sz="100" dirty="0">
+                <a:solidFill>
+                  <a:schemeClr val="bg1"/>
+                </a:solidFill>
+                <a:latin typeface="Century Gothic" panose="020B0502020202020204" charset="0"/>
+                <a:ea typeface="微软雅黑" panose="020B0503020204020204" pitchFamily="34" charset="-122"/>
+              </a:rPr>
+              <a:t>www.1ppt.com/ziliao/                PPT</a:t>
+            </a:r>
+            <a:r>
+              <a:rPr lang="zh-CN" altLang="en-US" sz="100" dirty="0">
+                <a:solidFill>
+                  <a:schemeClr val="bg1"/>
+                </a:solidFill>
+                <a:latin typeface="Century Gothic" panose="020B0502020202020204" charset="0"/>
+                <a:ea typeface="微软雅黑" panose="020B0503020204020204" pitchFamily="34" charset="-122"/>
+              </a:rPr>
+              <a:t>课件下载：</a:t>
+            </a:r>
+            <a:r>
+              <a:rPr lang="en-US" altLang="zh-CN" sz="100" dirty="0">
+                <a:solidFill>
+                  <a:schemeClr val="bg1"/>
+                </a:solidFill>
+                <a:latin typeface="Century Gothic" panose="020B0502020202020204" charset="0"/>
+                <a:ea typeface="微软雅黑" panose="020B0503020204020204" pitchFamily="34" charset="-122"/>
+              </a:rPr>
+              <a:t>www.1ppt.com/kejian/ </a:t>
+            </a:r>
+            <a:endParaRPr lang="en-US" altLang="zh-CN" sz="100" dirty="0">
+              <a:solidFill>
+                <a:schemeClr val="bg1"/>
+              </a:solidFill>
+              <a:latin typeface="Century Gothic" panose="020B0502020202020204" charset="0"/>
+              <a:ea typeface="微软雅黑" panose="020B0503020204020204" pitchFamily="34" charset="-122"/>
+            </a:endParaRPr>
+          </a:p>
+          <a:p>
+            <a:r>
+              <a:rPr lang="zh-CN" altLang="en-US" sz="100" dirty="0">
+                <a:solidFill>
+                  <a:schemeClr val="bg1"/>
+                </a:solidFill>
+                <a:latin typeface="Century Gothic" panose="020B0502020202020204" charset="0"/>
+                <a:ea typeface="微软雅黑" panose="020B0503020204020204" pitchFamily="34" charset="-122"/>
+              </a:rPr>
+              <a:t>范文下载：</a:t>
+            </a:r>
+            <a:r>
+              <a:rPr lang="en-US" altLang="zh-CN" sz="100" dirty="0">
+                <a:solidFill>
+                  <a:schemeClr val="bg1"/>
+                </a:solidFill>
+                <a:latin typeface="Century Gothic" panose="020B0502020202020204" charset="0"/>
+                <a:ea typeface="微软雅黑" panose="020B0503020204020204" pitchFamily="34" charset="-122"/>
+              </a:rPr>
+              <a:t>www.1ppt.com/fanwen/             </a:t>
+            </a:r>
+            <a:r>
+              <a:rPr lang="zh-CN" altLang="en-US" sz="100" dirty="0">
+                <a:solidFill>
+                  <a:schemeClr val="bg1"/>
+                </a:solidFill>
+                <a:latin typeface="Century Gothic" panose="020B0502020202020204" charset="0"/>
+                <a:ea typeface="微软雅黑" panose="020B0503020204020204" pitchFamily="34" charset="-122"/>
+              </a:rPr>
+              <a:t>试卷下载：</a:t>
+            </a:r>
+            <a:r>
+              <a:rPr lang="en-US" altLang="zh-CN" sz="100" dirty="0">
+                <a:solidFill>
+                  <a:schemeClr val="bg1"/>
+                </a:solidFill>
+                <a:latin typeface="Century Gothic" panose="020B0502020202020204" charset="0"/>
+                <a:ea typeface="微软雅黑" panose="020B0503020204020204" pitchFamily="34" charset="-122"/>
+              </a:rPr>
+              <a:t>www.1ppt.com/shiti/  </a:t>
+            </a:r>
+            <a:endParaRPr lang="en-US" altLang="zh-CN" sz="100" dirty="0">
+              <a:solidFill>
+                <a:schemeClr val="bg1"/>
+              </a:solidFill>
+              <a:latin typeface="Century Gothic" panose="020B0502020202020204" charset="0"/>
+              <a:ea typeface="微软雅黑" panose="020B0503020204020204" pitchFamily="34" charset="-122"/>
+            </a:endParaRPr>
+          </a:p>
+          <a:p>
+            <a:r>
+              <a:rPr lang="zh-CN" altLang="en-US" sz="100" dirty="0">
+                <a:solidFill>
+                  <a:schemeClr val="bg1"/>
+                </a:solidFill>
+                <a:latin typeface="Century Gothic" panose="020B0502020202020204" charset="0"/>
+                <a:ea typeface="微软雅黑" panose="020B0503020204020204" pitchFamily="34" charset="-122"/>
+              </a:rPr>
+              <a:t>教案下载：</a:t>
+            </a:r>
+            <a:r>
+              <a:rPr lang="en-US" altLang="zh-CN" sz="100" dirty="0">
+                <a:solidFill>
+                  <a:schemeClr val="bg1"/>
+                </a:solidFill>
+                <a:latin typeface="Century Gothic" panose="020B0502020202020204" charset="0"/>
+                <a:ea typeface="微软雅黑" panose="020B0503020204020204" pitchFamily="34" charset="-122"/>
+              </a:rPr>
+              <a:t>www.1ppt.com/jiaoan/        PPT</a:t>
+            </a:r>
+            <a:r>
+              <a:rPr lang="zh-CN" altLang="en-US" sz="100" dirty="0">
+                <a:solidFill>
+                  <a:schemeClr val="bg1"/>
+                </a:solidFill>
+                <a:latin typeface="Century Gothic" panose="020B0502020202020204" charset="0"/>
+                <a:ea typeface="微软雅黑" panose="020B0503020204020204" pitchFamily="34" charset="-122"/>
+              </a:rPr>
+              <a:t>论坛：</a:t>
+            </a:r>
+            <a:r>
+              <a:rPr lang="en-US" altLang="zh-CN" sz="100" dirty="0">
+                <a:solidFill>
+                  <a:schemeClr val="bg1"/>
+                </a:solidFill>
+                <a:latin typeface="Century Gothic" panose="020B0502020202020204" charset="0"/>
+                <a:ea typeface="微软雅黑" panose="020B0503020204020204" pitchFamily="34" charset="-122"/>
+              </a:rPr>
+              <a:t>www.1ppt.cn</a:t>
+            </a:r>
+            <a:endParaRPr lang="en-US" altLang="zh-CN" sz="100" dirty="0">
+              <a:solidFill>
+                <a:schemeClr val="bg1"/>
+              </a:solidFill>
+              <a:latin typeface="Century Gothic" panose="020B0502020202020204" charset="0"/>
+              <a:ea typeface="微软雅黑" panose="020B0503020204020204" pitchFamily="34" charset="-122"/>
+            </a:endParaRPr>
+          </a:p>
+          <a:p>
+            <a:r>
+              <a:rPr lang="en-US" altLang="zh-CN" sz="100" dirty="0">
+                <a:solidFill>
+                  <a:schemeClr val="bg1"/>
+                </a:solidFill>
+                <a:latin typeface="Century Gothic" panose="020B0502020202020204" charset="0"/>
+                <a:ea typeface="微软雅黑" panose="020B0503020204020204" pitchFamily="34" charset="-122"/>
+              </a:rPr>
+              <a:t> </a:t>
+            </a:r>
+            <a:endParaRPr lang="zh-CN" altLang="en-US" sz="100" dirty="0">
+              <a:solidFill>
+                <a:schemeClr val="bg1"/>
+              </a:solidFill>
+              <a:latin typeface="Century Gothic" panose="020B0502020202020204" charset="0"/>
+              <a:ea typeface="微软雅黑" panose="020B0503020204020204" pitchFamily="34" charset="-122"/>
+            </a:endParaRPr>
+          </a:p>
+        </p:txBody>
+      </p:sp>
+      <p:pic>
+        <p:nvPicPr>
+          <p:cNvPr id="2" name="图片 1" descr="图片1"/>
+          <p:cNvPicPr>
+            <a:picLocks noChangeAspect="1"/>
+          </p:cNvPicPr>
+          <p:nvPr/>
+        </p:nvPicPr>
+        <p:blipFill>
+          <a:blip r:embed="rId1"/>
+          <a:stretch>
+            <a:fillRect/>
+          </a:stretch>
+        </p:blipFill>
+        <p:spPr>
+          <a:xfrm>
+            <a:off x="11454130" y="246380"/>
+            <a:ext cx="478155" cy="478155"/>
+          </a:xfrm>
+          <a:prstGeom prst="rect">
+            <a:avLst/>
+          </a:prstGeom>
+        </p:spPr>
+      </p:pic>
+    </p:spTree>
+  </p:cSld>
+  <p:clrMapOvr>
+    <a:masterClrMapping/>
+  </p:clrMapOvr>
+  <p:transition advTm="1170">
+    <p:blinds dir="vert"/>
+  </p:transition>
+</p:sld>
+</file>
+
+<file path=ppt/slides/slide30.xml><?xml version="1.0" encoding="utf-8"?>
 <p:sld xmlns:a="http://schemas.openxmlformats.org/drawingml/2006/main" xmlns:r="http://schemas.openxmlformats.org/officeDocument/2006/relationships" xmlns:p="http://schemas.openxmlformats.org/presentationml/2006/main">
   <p:cSld>
     <p:spTree>
@@ -38891,1514 +41576,13 @@
   <p:clrMapOvr>
     <a:masterClrMapping/>
   </p:clrMapOvr>
-  <p:transition>
+  <p:transition advTm="9828">
     <p:blinds dir="vert"/>
   </p:transition>
 </p:sld>
 </file>
 
-<file path=ppt/slides/slide3.xml><?xml version="1.0" encoding="utf-8"?>
-<p:sld xmlns:a="http://schemas.openxmlformats.org/drawingml/2006/main" xmlns:r="http://schemas.openxmlformats.org/officeDocument/2006/relationships" xmlns:p="http://schemas.openxmlformats.org/presentationml/2006/main">
-  <p:cSld>
-    <p:spTree>
-      <p:nvGrpSpPr>
-        <p:cNvPr id="1" name=""/>
-        <p:cNvGrpSpPr/>
-        <p:nvPr/>
-      </p:nvGrpSpPr>
-      <p:grpSpPr/>
-      <p:grpSp>
-        <p:nvGrpSpPr>
-          <p:cNvPr id="5121" name="组 3"/>
-          <p:cNvGrpSpPr/>
-          <p:nvPr/>
-        </p:nvGrpSpPr>
-        <p:grpSpPr>
-          <a:xfrm>
-            <a:off x="-20637" y="2847975"/>
-            <a:ext cx="12213380" cy="1295400"/>
-            <a:chOff x="-21102" y="2847433"/>
-            <a:chExt cx="12213102" cy="1296345"/>
-          </a:xfrm>
-        </p:grpSpPr>
-        <p:sp>
-          <p:nvSpPr>
-            <p:cNvPr id="51" name="矩形 50"/>
-            <p:cNvSpPr/>
-            <p:nvPr/>
-          </p:nvSpPr>
-          <p:spPr>
-            <a:xfrm flipH="1">
-              <a:off x="0" y="2872348"/>
-              <a:ext cx="12192000" cy="1252063"/>
-            </a:xfrm>
-            <a:prstGeom prst="rect">
-              <a:avLst/>
-            </a:prstGeom>
-            <a:gradFill>
-              <a:gsLst>
-                <a:gs pos="0">
-                  <a:schemeClr val="accent1">
-                    <a:lumMod val="5000"/>
-                    <a:lumOff val="95000"/>
-                    <a:alpha val="0"/>
-                  </a:schemeClr>
-                </a:gs>
-                <a:gs pos="78000">
-                  <a:schemeClr val="accent5"/>
-                </a:gs>
-              </a:gsLst>
-              <a:lin ang="10800000" scaled="0"/>
-            </a:gradFill>
-            <a:ln>
-              <a:noFill/>
-            </a:ln>
-            <a:effectLst>
-              <a:outerShdw blurRad="393700" dist="76200" dir="5820000" sx="99000" sy="99000" algn="t" rotWithShape="0">
-                <a:prstClr val="black">
-                  <a:alpha val="50000"/>
-                </a:prstClr>
-              </a:outerShdw>
-            </a:effectLst>
-          </p:spPr>
-          <p:style>
-            <a:lnRef idx="2">
-              <a:schemeClr val="accent1">
-                <a:shade val="50000"/>
-              </a:schemeClr>
-            </a:lnRef>
-            <a:fillRef idx="1">
-              <a:schemeClr val="accent1"/>
-            </a:fillRef>
-            <a:effectRef idx="0">
-              <a:schemeClr val="accent1"/>
-            </a:effectRef>
-            <a:fontRef idx="minor">
-              <a:schemeClr val="lt1"/>
-            </a:fontRef>
-          </p:style>
-          <p:txBody>
-            <a:bodyPr rtlCol="0" anchor="ctr"/>
-            <a:lstStyle/>
-            <a:p>
-              <a:pPr algn="ctr" fontAlgn="auto"/>
-              <a:endParaRPr lang="zh-CN" altLang="en-US" strike="noStrike" noProof="1"/>
-            </a:p>
-          </p:txBody>
-        </p:sp>
-        <p:sp>
-          <p:nvSpPr>
-            <p:cNvPr id="40" name="圆角矩形 39"/>
-            <p:cNvSpPr/>
-            <p:nvPr/>
-          </p:nvSpPr>
-          <p:spPr>
-            <a:xfrm rot="10800000" flipV="1">
-              <a:off x="464451" y="2847433"/>
-              <a:ext cx="1273995" cy="1291039"/>
-            </a:xfrm>
-            <a:prstGeom prst="roundRect">
-              <a:avLst>
-                <a:gd name="adj" fmla="val 5039"/>
-              </a:avLst>
-            </a:prstGeom>
-            <a:solidFill>
-              <a:srgbClr val="4472C4"/>
-            </a:solidFill>
-            <a:ln>
-              <a:noFill/>
-            </a:ln>
-            <a:effectLst>
-              <a:outerShdw blurRad="50800" dist="38100" dir="5400000" algn="t" rotWithShape="0">
-                <a:prstClr val="black">
-                  <a:alpha val="40000"/>
-                </a:prstClr>
-              </a:outerShdw>
-            </a:effectLst>
-          </p:spPr>
-          <p:style>
-            <a:lnRef idx="2">
-              <a:schemeClr val="accent1">
-                <a:shade val="50000"/>
-              </a:schemeClr>
-            </a:lnRef>
-            <a:fillRef idx="1">
-              <a:schemeClr val="accent1"/>
-            </a:fillRef>
-            <a:effectRef idx="0">
-              <a:schemeClr val="accent1"/>
-            </a:effectRef>
-            <a:fontRef idx="minor">
-              <a:schemeClr val="lt1"/>
-            </a:fontRef>
-          </p:style>
-          <p:txBody>
-            <a:bodyPr lIns="91438" tIns="45719" rIns="91438" bIns="45719" rtlCol="0" anchor="ctr"/>
-            <a:lstStyle/>
-            <a:p>
-              <a:pPr algn="ctr" fontAlgn="auto"/>
-              <a:r>
-                <a:rPr lang="en-US" altLang="zh-CN" sz="6000" strike="noStrike" noProof="1" dirty="0"/>
-                <a:t>1</a:t>
-              </a:r>
-              <a:endParaRPr lang="zh-CN" altLang="en-US" sz="6000" strike="noStrike" noProof="1" dirty="0"/>
-            </a:p>
-          </p:txBody>
-        </p:sp>
-        <p:sp>
-          <p:nvSpPr>
-            <p:cNvPr id="42" name="文本框 41"/>
-            <p:cNvSpPr txBox="1"/>
-            <p:nvPr/>
-          </p:nvSpPr>
-          <p:spPr>
-            <a:xfrm>
-              <a:off x="5822670" y="3045064"/>
-              <a:ext cx="6368270" cy="829280"/>
-            </a:xfrm>
-            <a:prstGeom prst="rect">
-              <a:avLst/>
-            </a:prstGeom>
-            <a:noFill/>
-          </p:spPr>
-          <p:txBody>
-            <a:bodyPr wrap="square" lIns="91438" tIns="45719" rIns="91438" bIns="45719" rtlCol="0">
-              <a:spAutoFit/>
-            </a:bodyPr>
-            <a:lstStyle/>
-            <a:p>
-              <a:pPr algn="r" fontAlgn="auto"/>
-              <a:r>
-                <a:rPr lang="zh-CN" altLang="en-US" sz="4800" spc="600" noProof="1" dirty="0">
-                  <a:solidFill>
-                    <a:schemeClr val="bg1"/>
-                  </a:solidFill>
-                  <a:latin typeface="微软雅黑" panose="020B0503020204020204" pitchFamily="34" charset="-122"/>
-                  <a:ea typeface="微软雅黑" panose="020B0503020204020204" pitchFamily="34" charset="-122"/>
-                  <a:cs typeface="+mn-cs"/>
-                  <a:sym typeface="+mn-ea"/>
-                </a:rPr>
-                <a:t>研究背景</a:t>
-              </a:r>
-              <a:endParaRPr lang="zh-CN" altLang="en-US" sz="4800" spc="600" noProof="1" dirty="0">
-                <a:solidFill>
-                  <a:schemeClr val="bg1"/>
-                </a:solidFill>
-                <a:latin typeface="微软雅黑" panose="020B0503020204020204" pitchFamily="34" charset="-122"/>
-                <a:ea typeface="微软雅黑" panose="020B0503020204020204" pitchFamily="34" charset="-122"/>
-              </a:endParaRPr>
-            </a:p>
-          </p:txBody>
-        </p:sp>
-        <p:grpSp>
-          <p:nvGrpSpPr>
-            <p:cNvPr id="5125" name="组 2"/>
-            <p:cNvGrpSpPr/>
-            <p:nvPr/>
-          </p:nvGrpSpPr>
-          <p:grpSpPr>
-            <a:xfrm>
-              <a:off x="-21102" y="2858492"/>
-              <a:ext cx="242777" cy="1285286"/>
-              <a:chOff x="-21102" y="2858492"/>
-              <a:chExt cx="242777" cy="1285286"/>
-            </a:xfrm>
-          </p:grpSpPr>
-          <p:sp>
-            <p:nvSpPr>
-              <p:cNvPr id="46" name="圆角矩形 45"/>
-              <p:cNvSpPr/>
-              <p:nvPr/>
-            </p:nvSpPr>
-            <p:spPr>
-              <a:xfrm rot="16200000" flipV="1">
-                <a:off x="-13335" y="3643332"/>
-                <a:ext cx="227250" cy="242777"/>
-              </a:xfrm>
-              <a:prstGeom prst="roundRect">
-                <a:avLst>
-                  <a:gd name="adj" fmla="val 5039"/>
-                </a:avLst>
-              </a:prstGeom>
-              <a:solidFill>
-                <a:srgbClr val="4472C4"/>
-              </a:solidFill>
-              <a:ln>
-                <a:noFill/>
-              </a:ln>
-              <a:effectLst>
-                <a:outerShdw blurRad="50800" dist="38100" dir="5400000" algn="t" rotWithShape="0">
-                  <a:prstClr val="black">
-                    <a:alpha val="40000"/>
-                  </a:prstClr>
-                </a:outerShdw>
-              </a:effectLst>
-            </p:spPr>
-            <p:style>
-              <a:lnRef idx="2">
-                <a:schemeClr val="accent1">
-                  <a:shade val="50000"/>
-                </a:schemeClr>
-              </a:lnRef>
-              <a:fillRef idx="1">
-                <a:schemeClr val="accent1"/>
-              </a:fillRef>
-              <a:effectRef idx="0">
-                <a:schemeClr val="accent1"/>
-              </a:effectRef>
-              <a:fontRef idx="minor">
-                <a:schemeClr val="lt1"/>
-              </a:fontRef>
-            </p:style>
-            <p:txBody>
-              <a:bodyPr rtlCol="0" anchor="ctr"/>
-              <a:lstStyle/>
-              <a:p>
-                <a:pPr algn="ctr" fontAlgn="auto"/>
-                <a:endParaRPr lang="zh-CN" altLang="en-US" strike="noStrike" noProof="1"/>
-              </a:p>
-            </p:txBody>
-          </p:sp>
-          <p:sp>
-            <p:nvSpPr>
-              <p:cNvPr id="47" name="圆角矩形 46"/>
-              <p:cNvSpPr/>
-              <p:nvPr/>
-            </p:nvSpPr>
-            <p:spPr>
-              <a:xfrm rot="16200000" flipV="1">
-                <a:off x="-13335" y="3908762"/>
-                <a:ext cx="227250" cy="242777"/>
-              </a:xfrm>
-              <a:prstGeom prst="roundRect">
-                <a:avLst>
-                  <a:gd name="adj" fmla="val 5039"/>
-                </a:avLst>
-              </a:prstGeom>
-              <a:solidFill>
-                <a:schemeClr val="accent5">
-                  <a:lumMod val="50000"/>
-                </a:schemeClr>
-              </a:solidFill>
-              <a:ln>
-                <a:noFill/>
-              </a:ln>
-              <a:effectLst>
-                <a:outerShdw blurRad="50800" dist="38100" dir="5400000" algn="t" rotWithShape="0">
-                  <a:prstClr val="black">
-                    <a:alpha val="40000"/>
-                  </a:prstClr>
-                </a:outerShdw>
-              </a:effectLst>
-            </p:spPr>
-            <p:style>
-              <a:lnRef idx="2">
-                <a:schemeClr val="accent1">
-                  <a:shade val="50000"/>
-                </a:schemeClr>
-              </a:lnRef>
-              <a:fillRef idx="1">
-                <a:schemeClr val="accent1"/>
-              </a:fillRef>
-              <a:effectRef idx="0">
-                <a:schemeClr val="accent1"/>
-              </a:effectRef>
-              <a:fontRef idx="minor">
-                <a:schemeClr val="lt1"/>
-              </a:fontRef>
-            </p:style>
-            <p:txBody>
-              <a:bodyPr rtlCol="0" anchor="ctr"/>
-              <a:lstStyle/>
-              <a:p>
-                <a:pPr algn="ctr" fontAlgn="auto"/>
-                <a:endParaRPr lang="zh-CN" altLang="en-US" strike="noStrike" noProof="1"/>
-              </a:p>
-            </p:txBody>
-          </p:sp>
-          <p:sp>
-            <p:nvSpPr>
-              <p:cNvPr id="48" name="圆角矩形 47"/>
-              <p:cNvSpPr/>
-              <p:nvPr/>
-            </p:nvSpPr>
-            <p:spPr>
-              <a:xfrm rot="16200000" flipV="1">
-                <a:off x="-13335" y="3122168"/>
-                <a:ext cx="227250" cy="242777"/>
-              </a:xfrm>
-              <a:prstGeom prst="roundRect">
-                <a:avLst>
-                  <a:gd name="adj" fmla="val 5039"/>
-                </a:avLst>
-              </a:prstGeom>
-              <a:solidFill>
-                <a:srgbClr val="4472C4"/>
-              </a:solidFill>
-              <a:ln>
-                <a:noFill/>
-              </a:ln>
-              <a:effectLst>
-                <a:outerShdw blurRad="50800" dist="38100" dir="5400000" algn="t" rotWithShape="0">
-                  <a:prstClr val="black">
-                    <a:alpha val="40000"/>
-                  </a:prstClr>
-                </a:outerShdw>
-              </a:effectLst>
-            </p:spPr>
-            <p:style>
-              <a:lnRef idx="2">
-                <a:schemeClr val="accent1">
-                  <a:shade val="50000"/>
-                </a:schemeClr>
-              </a:lnRef>
-              <a:fillRef idx="1">
-                <a:schemeClr val="accent1"/>
-              </a:fillRef>
-              <a:effectRef idx="0">
-                <a:schemeClr val="accent1"/>
-              </a:effectRef>
-              <a:fontRef idx="minor">
-                <a:schemeClr val="lt1"/>
-              </a:fontRef>
-            </p:style>
-            <p:txBody>
-              <a:bodyPr rtlCol="0" anchor="ctr"/>
-              <a:lstStyle/>
-              <a:p>
-                <a:pPr algn="ctr" fontAlgn="auto"/>
-                <a:endParaRPr lang="zh-CN" altLang="en-US" strike="noStrike" noProof="1"/>
-              </a:p>
-            </p:txBody>
-          </p:sp>
-          <p:sp>
-            <p:nvSpPr>
-              <p:cNvPr id="49" name="圆角矩形 48"/>
-              <p:cNvSpPr/>
-              <p:nvPr/>
-            </p:nvSpPr>
-            <p:spPr>
-              <a:xfrm rot="16200000" flipV="1">
-                <a:off x="-13335" y="3387598"/>
-                <a:ext cx="227250" cy="242777"/>
-              </a:xfrm>
-              <a:prstGeom prst="roundRect">
-                <a:avLst>
-                  <a:gd name="adj" fmla="val 5039"/>
-                </a:avLst>
-              </a:prstGeom>
-              <a:solidFill>
-                <a:schemeClr val="accent5">
-                  <a:lumMod val="50000"/>
-                </a:schemeClr>
-              </a:solidFill>
-              <a:ln>
-                <a:noFill/>
-              </a:ln>
-              <a:effectLst>
-                <a:outerShdw blurRad="50800" dist="38100" dir="5400000" algn="t" rotWithShape="0">
-                  <a:prstClr val="black">
-                    <a:alpha val="40000"/>
-                  </a:prstClr>
-                </a:outerShdw>
-              </a:effectLst>
-            </p:spPr>
-            <p:style>
-              <a:lnRef idx="2">
-                <a:schemeClr val="accent1">
-                  <a:shade val="50000"/>
-                </a:schemeClr>
-              </a:lnRef>
-              <a:fillRef idx="1">
-                <a:schemeClr val="accent1"/>
-              </a:fillRef>
-              <a:effectRef idx="0">
-                <a:schemeClr val="accent1"/>
-              </a:effectRef>
-              <a:fontRef idx="minor">
-                <a:schemeClr val="lt1"/>
-              </a:fontRef>
-            </p:style>
-            <p:txBody>
-              <a:bodyPr rtlCol="0" anchor="ctr"/>
-              <a:lstStyle/>
-              <a:p>
-                <a:pPr algn="ctr" fontAlgn="auto"/>
-                <a:endParaRPr lang="zh-CN" altLang="en-US" strike="noStrike" noProof="1"/>
-              </a:p>
-            </p:txBody>
-          </p:sp>
-          <p:sp>
-            <p:nvSpPr>
-              <p:cNvPr id="45" name="圆角矩形 44"/>
-              <p:cNvSpPr/>
-              <p:nvPr/>
-            </p:nvSpPr>
-            <p:spPr>
-              <a:xfrm rot="16200000" flipV="1">
-                <a:off x="-13335" y="2850726"/>
-                <a:ext cx="227250" cy="242777"/>
-              </a:xfrm>
-              <a:prstGeom prst="roundRect">
-                <a:avLst>
-                  <a:gd name="adj" fmla="val 5039"/>
-                </a:avLst>
-              </a:prstGeom>
-              <a:solidFill>
-                <a:schemeClr val="accent5">
-                  <a:lumMod val="50000"/>
-                </a:schemeClr>
-              </a:solidFill>
-              <a:ln>
-                <a:noFill/>
-              </a:ln>
-              <a:effectLst>
-                <a:outerShdw blurRad="50800" dist="38100" dir="5400000" algn="t" rotWithShape="0">
-                  <a:prstClr val="black">
-                    <a:alpha val="40000"/>
-                  </a:prstClr>
-                </a:outerShdw>
-              </a:effectLst>
-            </p:spPr>
-            <p:style>
-              <a:lnRef idx="2">
-                <a:schemeClr val="accent1">
-                  <a:shade val="50000"/>
-                </a:schemeClr>
-              </a:lnRef>
-              <a:fillRef idx="1">
-                <a:schemeClr val="accent1"/>
-              </a:fillRef>
-              <a:effectRef idx="0">
-                <a:schemeClr val="accent1"/>
-              </a:effectRef>
-              <a:fontRef idx="minor">
-                <a:schemeClr val="lt1"/>
-              </a:fontRef>
-            </p:style>
-            <p:txBody>
-              <a:bodyPr rtlCol="0" anchor="ctr"/>
-              <a:lstStyle/>
-              <a:p>
-                <a:pPr algn="ctr" fontAlgn="auto"/>
-                <a:endParaRPr lang="zh-CN" altLang="en-US" strike="noStrike" noProof="1"/>
-              </a:p>
-            </p:txBody>
-          </p:sp>
-        </p:grpSp>
-      </p:grpSp>
-      <p:grpSp>
-        <p:nvGrpSpPr>
-          <p:cNvPr id="5131" name="组 26"/>
-          <p:cNvGrpSpPr/>
-          <p:nvPr/>
-        </p:nvGrpSpPr>
-        <p:grpSpPr>
-          <a:xfrm>
-            <a:off x="9283700" y="252351"/>
-            <a:ext cx="2908300" cy="792224"/>
-            <a:chOff x="9284089" y="252793"/>
-            <a:chExt cx="2907908" cy="791907"/>
-          </a:xfrm>
-        </p:grpSpPr>
-        <p:grpSp>
-          <p:nvGrpSpPr>
-            <p:cNvPr id="5132" name="组 27"/>
-            <p:cNvGrpSpPr/>
-            <p:nvPr/>
-          </p:nvGrpSpPr>
-          <p:grpSpPr>
-            <a:xfrm>
-              <a:off x="11454170" y="252793"/>
-              <a:ext cx="737827" cy="484416"/>
-              <a:chOff x="11454170" y="252793"/>
-              <a:chExt cx="737827" cy="484416"/>
-            </a:xfrm>
-          </p:grpSpPr>
-          <p:grpSp>
-            <p:nvGrpSpPr>
-              <p:cNvPr id="5133" name="组 29"/>
-              <p:cNvGrpSpPr/>
-              <p:nvPr/>
-            </p:nvGrpSpPr>
-            <p:grpSpPr>
-              <a:xfrm>
-                <a:off x="12039604" y="252856"/>
-                <a:ext cx="152393" cy="484287"/>
-                <a:chOff x="12039604" y="252856"/>
-                <a:chExt cx="152393" cy="484287"/>
-              </a:xfrm>
-            </p:grpSpPr>
-            <p:sp>
-              <p:nvSpPr>
-                <p:cNvPr id="34" name="圆角矩形 33"/>
-                <p:cNvSpPr/>
-                <p:nvPr/>
-              </p:nvSpPr>
-              <p:spPr>
-                <a:xfrm rot="16200000" flipV="1">
-                  <a:off x="12072988" y="518121"/>
-                  <a:ext cx="85626" cy="152392"/>
-                </a:xfrm>
-                <a:prstGeom prst="roundRect">
-                  <a:avLst>
-                    <a:gd name="adj" fmla="val 5039"/>
-                  </a:avLst>
-                </a:prstGeom>
-                <a:solidFill>
-                  <a:srgbClr val="4472C4"/>
-                </a:solidFill>
-                <a:ln>
-                  <a:noFill/>
-                </a:ln>
-                <a:effectLst>
-                  <a:outerShdw blurRad="50800" dist="38100" dir="5400000" algn="t" rotWithShape="0">
-                    <a:prstClr val="black">
-                      <a:alpha val="40000"/>
-                    </a:prstClr>
-                  </a:outerShdw>
-                </a:effectLst>
-              </p:spPr>
-              <p:style>
-                <a:lnRef idx="2">
-                  <a:schemeClr val="accent1">
-                    <a:shade val="50000"/>
-                  </a:schemeClr>
-                </a:lnRef>
-                <a:fillRef idx="1">
-                  <a:schemeClr val="accent1"/>
-                </a:fillRef>
-                <a:effectRef idx="0">
-                  <a:schemeClr val="accent1"/>
-                </a:effectRef>
-                <a:fontRef idx="minor">
-                  <a:schemeClr val="lt1"/>
-                </a:fontRef>
-              </p:style>
-              <p:txBody>
-                <a:bodyPr rtlCol="0" anchor="ctr"/>
-                <a:lstStyle/>
-                <a:p>
-                  <a:pPr algn="ctr" fontAlgn="auto"/>
-                  <a:endParaRPr lang="zh-CN" altLang="en-US" strike="noStrike" noProof="1"/>
-                </a:p>
-              </p:txBody>
-            </p:sp>
-            <p:sp>
-              <p:nvSpPr>
-                <p:cNvPr id="35" name="圆角矩形 34"/>
-                <p:cNvSpPr/>
-                <p:nvPr/>
-              </p:nvSpPr>
-              <p:spPr>
-                <a:xfrm rot="16200000" flipV="1">
-                  <a:off x="12072988" y="618134"/>
-                  <a:ext cx="85626" cy="152392"/>
-                </a:xfrm>
-                <a:prstGeom prst="roundRect">
-                  <a:avLst>
-                    <a:gd name="adj" fmla="val 5039"/>
-                  </a:avLst>
-                </a:prstGeom>
-                <a:solidFill>
-                  <a:srgbClr val="2F5597"/>
-                </a:solidFill>
-                <a:ln>
-                  <a:noFill/>
-                </a:ln>
-                <a:effectLst>
-                  <a:outerShdw blurRad="50800" dist="38100" dir="5400000" algn="t" rotWithShape="0">
-                    <a:prstClr val="black">
-                      <a:alpha val="40000"/>
-                    </a:prstClr>
-                  </a:outerShdw>
-                </a:effectLst>
-              </p:spPr>
-              <p:style>
-                <a:lnRef idx="2">
-                  <a:schemeClr val="accent1">
-                    <a:shade val="50000"/>
-                  </a:schemeClr>
-                </a:lnRef>
-                <a:fillRef idx="1">
-                  <a:schemeClr val="accent1"/>
-                </a:fillRef>
-                <a:effectRef idx="0">
-                  <a:schemeClr val="accent1"/>
-                </a:effectRef>
-                <a:fontRef idx="minor">
-                  <a:schemeClr val="lt1"/>
-                </a:fontRef>
-              </p:style>
-              <p:txBody>
-                <a:bodyPr rtlCol="0" anchor="ctr"/>
-                <a:lstStyle/>
-                <a:p>
-                  <a:pPr algn="ctr" fontAlgn="auto"/>
-                  <a:endParaRPr lang="zh-CN" altLang="en-US" strike="noStrike" noProof="1"/>
-                </a:p>
-              </p:txBody>
-            </p:sp>
-            <p:sp>
-              <p:nvSpPr>
-                <p:cNvPr id="36" name="圆角矩形 35"/>
-                <p:cNvSpPr/>
-                <p:nvPr/>
-              </p:nvSpPr>
-              <p:spPr>
-                <a:xfrm rot="16200000" flipV="1">
-                  <a:off x="12072988" y="321750"/>
-                  <a:ext cx="85626" cy="152392"/>
-                </a:xfrm>
-                <a:prstGeom prst="roundRect">
-                  <a:avLst>
-                    <a:gd name="adj" fmla="val 5039"/>
-                  </a:avLst>
-                </a:prstGeom>
-                <a:solidFill>
-                  <a:srgbClr val="4472C4"/>
-                </a:solidFill>
-                <a:ln>
-                  <a:noFill/>
-                </a:ln>
-                <a:effectLst>
-                  <a:outerShdw blurRad="50800" dist="38100" dir="5400000" algn="t" rotWithShape="0">
-                    <a:prstClr val="black">
-                      <a:alpha val="40000"/>
-                    </a:prstClr>
-                  </a:outerShdw>
-                </a:effectLst>
-              </p:spPr>
-              <p:style>
-                <a:lnRef idx="2">
-                  <a:schemeClr val="accent1">
-                    <a:shade val="50000"/>
-                  </a:schemeClr>
-                </a:lnRef>
-                <a:fillRef idx="1">
-                  <a:schemeClr val="accent1"/>
-                </a:fillRef>
-                <a:effectRef idx="0">
-                  <a:schemeClr val="accent1"/>
-                </a:effectRef>
-                <a:fontRef idx="minor">
-                  <a:schemeClr val="lt1"/>
-                </a:fontRef>
-              </p:style>
-              <p:txBody>
-                <a:bodyPr rtlCol="0" anchor="ctr"/>
-                <a:lstStyle/>
-                <a:p>
-                  <a:pPr algn="ctr" fontAlgn="auto"/>
-                  <a:endParaRPr lang="zh-CN" altLang="en-US" strike="noStrike" noProof="1"/>
-                </a:p>
-              </p:txBody>
-            </p:sp>
-            <p:sp>
-              <p:nvSpPr>
-                <p:cNvPr id="37" name="圆角矩形 36"/>
-                <p:cNvSpPr/>
-                <p:nvPr/>
-              </p:nvSpPr>
-              <p:spPr>
-                <a:xfrm rot="16200000" flipV="1">
-                  <a:off x="12072988" y="421763"/>
-                  <a:ext cx="85626" cy="152392"/>
-                </a:xfrm>
-                <a:prstGeom prst="roundRect">
-                  <a:avLst>
-                    <a:gd name="adj" fmla="val 5039"/>
-                  </a:avLst>
-                </a:prstGeom>
-                <a:solidFill>
-                  <a:srgbClr val="2F5597"/>
-                </a:solidFill>
-                <a:ln>
-                  <a:noFill/>
-                </a:ln>
-                <a:effectLst>
-                  <a:outerShdw blurRad="50800" dist="38100" dir="5400000" algn="t" rotWithShape="0">
-                    <a:prstClr val="black">
-                      <a:alpha val="40000"/>
-                    </a:prstClr>
-                  </a:outerShdw>
-                </a:effectLst>
-              </p:spPr>
-              <p:style>
-                <a:lnRef idx="2">
-                  <a:schemeClr val="accent1">
-                    <a:shade val="50000"/>
-                  </a:schemeClr>
-                </a:lnRef>
-                <a:fillRef idx="1">
-                  <a:schemeClr val="accent1"/>
-                </a:fillRef>
-                <a:effectRef idx="0">
-                  <a:schemeClr val="accent1"/>
-                </a:effectRef>
-                <a:fontRef idx="minor">
-                  <a:schemeClr val="lt1"/>
-                </a:fontRef>
-              </p:style>
-              <p:txBody>
-                <a:bodyPr rtlCol="0" anchor="ctr"/>
-                <a:lstStyle/>
-                <a:p>
-                  <a:pPr algn="ctr" fontAlgn="auto"/>
-                  <a:endParaRPr lang="zh-CN" altLang="en-US" strike="noStrike" noProof="1"/>
-                </a:p>
-              </p:txBody>
-            </p:sp>
-            <p:sp>
-              <p:nvSpPr>
-                <p:cNvPr id="38" name="圆角矩形 37"/>
-                <p:cNvSpPr/>
-                <p:nvPr/>
-              </p:nvSpPr>
-              <p:spPr>
-                <a:xfrm rot="16200000" flipV="1">
-                  <a:off x="12072987" y="219473"/>
-                  <a:ext cx="85626" cy="152392"/>
-                </a:xfrm>
-                <a:prstGeom prst="roundRect">
-                  <a:avLst>
-                    <a:gd name="adj" fmla="val 5039"/>
-                  </a:avLst>
-                </a:prstGeom>
-                <a:solidFill>
-                  <a:srgbClr val="2F5597"/>
-                </a:solidFill>
-                <a:ln>
-                  <a:noFill/>
-                </a:ln>
-                <a:effectLst>
-                  <a:outerShdw blurRad="50800" dist="38100" dir="5400000" algn="t" rotWithShape="0">
-                    <a:prstClr val="black">
-                      <a:alpha val="40000"/>
-                    </a:prstClr>
-                  </a:outerShdw>
-                </a:effectLst>
-              </p:spPr>
-              <p:style>
-                <a:lnRef idx="2">
-                  <a:schemeClr val="accent1">
-                    <a:shade val="50000"/>
-                  </a:schemeClr>
-                </a:lnRef>
-                <a:fillRef idx="1">
-                  <a:schemeClr val="accent1"/>
-                </a:fillRef>
-                <a:effectRef idx="0">
-                  <a:schemeClr val="accent1"/>
-                </a:effectRef>
-                <a:fontRef idx="minor">
-                  <a:schemeClr val="lt1"/>
-                </a:fontRef>
-              </p:style>
-              <p:txBody>
-                <a:bodyPr rtlCol="0" anchor="ctr"/>
-                <a:lstStyle/>
-                <a:p>
-                  <a:pPr algn="ctr" fontAlgn="auto"/>
-                  <a:endParaRPr lang="zh-CN" altLang="en-US" strike="noStrike" noProof="1"/>
-                </a:p>
-              </p:txBody>
-            </p:sp>
-          </p:grpSp>
-          <p:sp>
-            <p:nvSpPr>
-              <p:cNvPr id="32" name="圆角矩形 31"/>
-              <p:cNvSpPr/>
-              <p:nvPr/>
-            </p:nvSpPr>
-            <p:spPr>
-              <a:xfrm rot="16200000" flipV="1">
-                <a:off x="11457454" y="249508"/>
-                <a:ext cx="484416" cy="490985"/>
-              </a:xfrm>
-              <a:prstGeom prst="roundRect">
-                <a:avLst>
-                  <a:gd name="adj" fmla="val 5039"/>
-                </a:avLst>
-              </a:prstGeom>
-              <a:solidFill>
-                <a:schemeClr val="accent5"/>
-              </a:solidFill>
-              <a:ln>
-                <a:noFill/>
-              </a:ln>
-              <a:effectLst>
-                <a:outerShdw blurRad="50800" dist="38100" dir="5400000" algn="t" rotWithShape="0">
-                  <a:prstClr val="black">
-                    <a:alpha val="40000"/>
-                  </a:prstClr>
-                </a:outerShdw>
-              </a:effectLst>
-            </p:spPr>
-            <p:style>
-              <a:lnRef idx="2">
-                <a:schemeClr val="accent1">
-                  <a:shade val="50000"/>
-                </a:schemeClr>
-              </a:lnRef>
-              <a:fillRef idx="1">
-                <a:schemeClr val="accent1"/>
-              </a:fillRef>
-              <a:effectRef idx="0">
-                <a:schemeClr val="accent1"/>
-              </a:effectRef>
-              <a:fontRef idx="minor">
-                <a:schemeClr val="lt1"/>
-              </a:fontRef>
-            </p:style>
-            <p:txBody>
-              <a:bodyPr rtlCol="0" anchor="ctr"/>
-              <a:lstStyle/>
-              <a:p>
-                <a:pPr algn="ctr" fontAlgn="auto"/>
-                <a:endParaRPr lang="zh-CN" altLang="en-US" strike="noStrike" noProof="1"/>
-              </a:p>
-            </p:txBody>
-          </p:sp>
-        </p:grpSp>
-        <p:sp>
-          <p:nvSpPr>
-            <p:cNvPr id="5142" name="文本框 28"/>
-            <p:cNvSpPr txBox="1"/>
-            <p:nvPr/>
-          </p:nvSpPr>
-          <p:spPr>
-            <a:xfrm>
-              <a:off x="9284089" y="252855"/>
-              <a:ext cx="2170011" cy="791845"/>
-            </a:xfrm>
-            <a:prstGeom prst="rect">
-              <a:avLst/>
-            </a:prstGeom>
-            <a:noFill/>
-            <a:ln w="9525">
-              <a:noFill/>
-            </a:ln>
-          </p:spPr>
-          <p:txBody>
-            <a:bodyPr wrap="square" lIns="91438" tIns="45719" rIns="91438" bIns="45719" anchor="t">
-              <a:spAutoFit/>
-            </a:bodyPr>
-            <a:p>
-              <a:pPr algn="r"/>
-              <a:r>
-                <a:rPr lang="zh-CN" altLang="en-US" sz="1500" dirty="0">
-                  <a:solidFill>
-                    <a:srgbClr val="808080"/>
-                  </a:solidFill>
-                  <a:latin typeface="微软雅黑" panose="020B0503020204020204" pitchFamily="34" charset="-122"/>
-                  <a:ea typeface="微软雅黑" panose="020B0503020204020204" pitchFamily="34" charset="-122"/>
-                </a:rPr>
-                <a:t>重庆邮电大学 </a:t>
-              </a:r>
-              <a:endParaRPr lang="zh-CN" altLang="en-US" sz="1500" dirty="0">
-                <a:solidFill>
-                  <a:srgbClr val="808080"/>
-                </a:solidFill>
-                <a:latin typeface="微软雅黑" panose="020B0503020204020204" pitchFamily="34" charset="-122"/>
-                <a:ea typeface="微软雅黑" panose="020B0503020204020204" pitchFamily="34" charset="-122"/>
-              </a:endParaRPr>
-            </a:p>
-            <a:p>
-              <a:pPr algn="r"/>
-              <a:r>
-                <a:rPr lang="zh-CN" altLang="en-US" sz="1500" dirty="0">
-                  <a:solidFill>
-                    <a:srgbClr val="808080"/>
-                  </a:solidFill>
-                  <a:latin typeface="微软雅黑" panose="020B0503020204020204" pitchFamily="34" charset="-122"/>
-                  <a:ea typeface="微软雅黑" panose="020B0503020204020204" pitchFamily="34" charset="-122"/>
-                </a:rPr>
-                <a:t>计算机科学与技术学院      </a:t>
-              </a:r>
-              <a:endParaRPr lang="en-US" altLang="zh-CN" sz="1500" dirty="0">
-                <a:solidFill>
-                  <a:srgbClr val="808080"/>
-                </a:solidFill>
-                <a:latin typeface="微软雅黑" panose="020B0503020204020204" pitchFamily="34" charset="-122"/>
-                <a:ea typeface="微软雅黑" panose="020B0503020204020204" pitchFamily="34" charset="-122"/>
-              </a:endParaRPr>
-            </a:p>
-            <a:p>
-              <a:pPr algn="r"/>
-              <a:endParaRPr lang="zh-CN" altLang="en-US" sz="1500" dirty="0">
-                <a:solidFill>
-                  <a:srgbClr val="808080"/>
-                </a:solidFill>
-                <a:latin typeface="Segoe UI Semilight" panose="020B0402040204020203" pitchFamily="34" charset="0"/>
-                <a:ea typeface="微软雅黑" panose="020B0503020204020204" pitchFamily="34" charset="-122"/>
-              </a:endParaRPr>
-            </a:p>
-          </p:txBody>
-        </p:sp>
-      </p:grpSp>
-      <p:sp>
-        <p:nvSpPr>
-          <p:cNvPr id="5143" name="矩形 24"/>
-          <p:cNvSpPr/>
-          <p:nvPr/>
-        </p:nvSpPr>
-        <p:spPr>
-          <a:xfrm>
-            <a:off x="714375" y="339725"/>
-            <a:ext cx="774700" cy="230188"/>
-          </a:xfrm>
-          <a:prstGeom prst="rect">
-            <a:avLst/>
-          </a:prstGeom>
-          <a:noFill/>
-          <a:ln w="9525">
-            <a:noFill/>
-          </a:ln>
-        </p:spPr>
-        <p:txBody>
-          <a:bodyPr wrap="square" anchor="t">
-            <a:spAutoFit/>
-          </a:bodyPr>
-          <a:p>
-            <a:r>
-              <a:rPr lang="en-US" altLang="zh-CN" sz="100" dirty="0">
-                <a:solidFill>
-                  <a:schemeClr val="bg1"/>
-                </a:solidFill>
-                <a:latin typeface="Century Gothic" panose="020B0502020202020204" charset="0"/>
-                <a:ea typeface="微软雅黑" panose="020B0503020204020204" pitchFamily="34" charset="-122"/>
-              </a:rPr>
-              <a:t>PPT</a:t>
-            </a:r>
-            <a:r>
-              <a:rPr lang="zh-CN" altLang="en-US" sz="100" dirty="0">
-                <a:solidFill>
-                  <a:schemeClr val="bg1"/>
-                </a:solidFill>
-                <a:latin typeface="Century Gothic" panose="020B0502020202020204" charset="0"/>
-                <a:ea typeface="微软雅黑" panose="020B0503020204020204" pitchFamily="34" charset="-122"/>
-              </a:rPr>
-              <a:t>模板下载：</a:t>
-            </a:r>
-            <a:r>
-              <a:rPr lang="en-US" altLang="zh-CN" sz="100" dirty="0">
-                <a:solidFill>
-                  <a:schemeClr val="bg1"/>
-                </a:solidFill>
-                <a:latin typeface="Century Gothic" panose="020B0502020202020204" charset="0"/>
-                <a:ea typeface="微软雅黑" panose="020B0503020204020204" pitchFamily="34" charset="-122"/>
-              </a:rPr>
-              <a:t>www.1ppt.com/moban/     </a:t>
-            </a:r>
-            <a:r>
-              <a:rPr lang="zh-CN" altLang="en-US" sz="100" dirty="0">
-                <a:solidFill>
-                  <a:schemeClr val="bg1"/>
-                </a:solidFill>
-                <a:latin typeface="Century Gothic" panose="020B0502020202020204" charset="0"/>
-                <a:ea typeface="微软雅黑" panose="020B0503020204020204" pitchFamily="34" charset="-122"/>
-              </a:rPr>
-              <a:t>行业</a:t>
-            </a:r>
-            <a:r>
-              <a:rPr lang="en-US" altLang="zh-CN" sz="100" dirty="0">
-                <a:solidFill>
-                  <a:schemeClr val="bg1"/>
-                </a:solidFill>
-                <a:latin typeface="Century Gothic" panose="020B0502020202020204" charset="0"/>
-                <a:ea typeface="微软雅黑" panose="020B0503020204020204" pitchFamily="34" charset="-122"/>
-              </a:rPr>
-              <a:t>PPT</a:t>
-            </a:r>
-            <a:r>
-              <a:rPr lang="zh-CN" altLang="en-US" sz="100" dirty="0">
-                <a:solidFill>
-                  <a:schemeClr val="bg1"/>
-                </a:solidFill>
-                <a:latin typeface="Century Gothic" panose="020B0502020202020204" charset="0"/>
-                <a:ea typeface="微软雅黑" panose="020B0503020204020204" pitchFamily="34" charset="-122"/>
-              </a:rPr>
-              <a:t>模板：</a:t>
-            </a:r>
-            <a:r>
-              <a:rPr lang="en-US" altLang="zh-CN" sz="100" dirty="0">
-                <a:solidFill>
-                  <a:schemeClr val="bg1"/>
-                </a:solidFill>
-                <a:latin typeface="Century Gothic" panose="020B0502020202020204" charset="0"/>
-                <a:ea typeface="微软雅黑" panose="020B0503020204020204" pitchFamily="34" charset="-122"/>
-              </a:rPr>
-              <a:t>www.1ppt.com/hangye/ </a:t>
-            </a:r>
-            <a:endParaRPr lang="en-US" altLang="zh-CN" sz="100" dirty="0">
-              <a:solidFill>
-                <a:schemeClr val="bg1"/>
-              </a:solidFill>
-              <a:latin typeface="Century Gothic" panose="020B0502020202020204" charset="0"/>
-              <a:ea typeface="微软雅黑" panose="020B0503020204020204" pitchFamily="34" charset="-122"/>
-            </a:endParaRPr>
-          </a:p>
-          <a:p>
-            <a:r>
-              <a:rPr lang="zh-CN" altLang="en-US" sz="100" dirty="0">
-                <a:solidFill>
-                  <a:schemeClr val="bg1"/>
-                </a:solidFill>
-                <a:latin typeface="Century Gothic" panose="020B0502020202020204" charset="0"/>
-                <a:ea typeface="微软雅黑" panose="020B0503020204020204" pitchFamily="34" charset="-122"/>
-              </a:rPr>
-              <a:t>节日</a:t>
-            </a:r>
-            <a:r>
-              <a:rPr lang="en-US" altLang="zh-CN" sz="100" dirty="0">
-                <a:solidFill>
-                  <a:schemeClr val="bg1"/>
-                </a:solidFill>
-                <a:latin typeface="Century Gothic" panose="020B0502020202020204" charset="0"/>
-                <a:ea typeface="微软雅黑" panose="020B0503020204020204" pitchFamily="34" charset="-122"/>
-              </a:rPr>
-              <a:t>PPT</a:t>
-            </a:r>
-            <a:r>
-              <a:rPr lang="zh-CN" altLang="en-US" sz="100" dirty="0">
-                <a:solidFill>
-                  <a:schemeClr val="bg1"/>
-                </a:solidFill>
-                <a:latin typeface="Century Gothic" panose="020B0502020202020204" charset="0"/>
-                <a:ea typeface="微软雅黑" panose="020B0503020204020204" pitchFamily="34" charset="-122"/>
-              </a:rPr>
-              <a:t>模板：</a:t>
-            </a:r>
-            <a:r>
-              <a:rPr lang="en-US" altLang="zh-CN" sz="100" dirty="0">
-                <a:solidFill>
-                  <a:schemeClr val="bg1"/>
-                </a:solidFill>
-                <a:latin typeface="Century Gothic" panose="020B0502020202020204" charset="0"/>
-                <a:ea typeface="微软雅黑" panose="020B0503020204020204" pitchFamily="34" charset="-122"/>
-              </a:rPr>
-              <a:t>www.1ppt.com/jieri/           PPT</a:t>
-            </a:r>
-            <a:r>
-              <a:rPr lang="zh-CN" altLang="en-US" sz="100" dirty="0">
-                <a:solidFill>
-                  <a:schemeClr val="bg1"/>
-                </a:solidFill>
-                <a:latin typeface="Century Gothic" panose="020B0502020202020204" charset="0"/>
-                <a:ea typeface="微软雅黑" panose="020B0503020204020204" pitchFamily="34" charset="-122"/>
-              </a:rPr>
-              <a:t>素材下载：</a:t>
-            </a:r>
-            <a:r>
-              <a:rPr lang="en-US" altLang="zh-CN" sz="100" dirty="0">
-                <a:solidFill>
-                  <a:schemeClr val="bg1"/>
-                </a:solidFill>
-                <a:latin typeface="Century Gothic" panose="020B0502020202020204" charset="0"/>
-                <a:ea typeface="微软雅黑" panose="020B0503020204020204" pitchFamily="34" charset="-122"/>
-              </a:rPr>
-              <a:t>www.1ppt.com/sucai/</a:t>
-            </a:r>
-            <a:endParaRPr lang="en-US" altLang="zh-CN" sz="100" dirty="0">
-              <a:solidFill>
-                <a:schemeClr val="bg1"/>
-              </a:solidFill>
-              <a:latin typeface="Century Gothic" panose="020B0502020202020204" charset="0"/>
-              <a:ea typeface="微软雅黑" panose="020B0503020204020204" pitchFamily="34" charset="-122"/>
-            </a:endParaRPr>
-          </a:p>
-          <a:p>
-            <a:r>
-              <a:rPr lang="en-US" altLang="zh-CN" sz="100" dirty="0">
-                <a:solidFill>
-                  <a:schemeClr val="bg1"/>
-                </a:solidFill>
-                <a:latin typeface="Century Gothic" panose="020B0502020202020204" charset="0"/>
-                <a:ea typeface="微软雅黑" panose="020B0503020204020204" pitchFamily="34" charset="-122"/>
-              </a:rPr>
-              <a:t>PPT</a:t>
-            </a:r>
-            <a:r>
-              <a:rPr lang="zh-CN" altLang="en-US" sz="100" dirty="0">
-                <a:solidFill>
-                  <a:schemeClr val="bg1"/>
-                </a:solidFill>
-                <a:latin typeface="Century Gothic" panose="020B0502020202020204" charset="0"/>
-                <a:ea typeface="微软雅黑" panose="020B0503020204020204" pitchFamily="34" charset="-122"/>
-              </a:rPr>
-              <a:t>背景图片：</a:t>
-            </a:r>
-            <a:r>
-              <a:rPr lang="en-US" altLang="zh-CN" sz="100" dirty="0">
-                <a:solidFill>
-                  <a:schemeClr val="bg1"/>
-                </a:solidFill>
-                <a:latin typeface="Century Gothic" panose="020B0502020202020204" charset="0"/>
-                <a:ea typeface="微软雅黑" panose="020B0503020204020204" pitchFamily="34" charset="-122"/>
-              </a:rPr>
-              <a:t>www.1ppt.com/beijing/      PPT</a:t>
-            </a:r>
-            <a:r>
-              <a:rPr lang="zh-CN" altLang="en-US" sz="100" dirty="0">
-                <a:solidFill>
-                  <a:schemeClr val="bg1"/>
-                </a:solidFill>
-                <a:latin typeface="Century Gothic" panose="020B0502020202020204" charset="0"/>
-                <a:ea typeface="微软雅黑" panose="020B0503020204020204" pitchFamily="34" charset="-122"/>
-              </a:rPr>
-              <a:t>图表下载：</a:t>
-            </a:r>
-            <a:r>
-              <a:rPr lang="en-US" altLang="zh-CN" sz="100" dirty="0">
-                <a:solidFill>
-                  <a:schemeClr val="bg1"/>
-                </a:solidFill>
-                <a:latin typeface="Century Gothic" panose="020B0502020202020204" charset="0"/>
-                <a:ea typeface="微软雅黑" panose="020B0503020204020204" pitchFamily="34" charset="-122"/>
-              </a:rPr>
-              <a:t>www.1ppt.com/tubiao/      </a:t>
-            </a:r>
-            <a:endParaRPr lang="en-US" altLang="zh-CN" sz="100" dirty="0">
-              <a:solidFill>
-                <a:schemeClr val="bg1"/>
-              </a:solidFill>
-              <a:latin typeface="Century Gothic" panose="020B0502020202020204" charset="0"/>
-              <a:ea typeface="微软雅黑" panose="020B0503020204020204" pitchFamily="34" charset="-122"/>
-            </a:endParaRPr>
-          </a:p>
-          <a:p>
-            <a:r>
-              <a:rPr lang="zh-CN" altLang="en-US" sz="100" dirty="0">
-                <a:solidFill>
-                  <a:schemeClr val="bg1"/>
-                </a:solidFill>
-                <a:latin typeface="Century Gothic" panose="020B0502020202020204" charset="0"/>
-                <a:ea typeface="微软雅黑" panose="020B0503020204020204" pitchFamily="34" charset="-122"/>
-              </a:rPr>
-              <a:t>优秀</a:t>
-            </a:r>
-            <a:r>
-              <a:rPr lang="en-US" altLang="zh-CN" sz="100" dirty="0">
-                <a:solidFill>
-                  <a:schemeClr val="bg1"/>
-                </a:solidFill>
-                <a:latin typeface="Century Gothic" panose="020B0502020202020204" charset="0"/>
-                <a:ea typeface="微软雅黑" panose="020B0503020204020204" pitchFamily="34" charset="-122"/>
-              </a:rPr>
-              <a:t>PPT</a:t>
-            </a:r>
-            <a:r>
-              <a:rPr lang="zh-CN" altLang="en-US" sz="100" dirty="0">
-                <a:solidFill>
-                  <a:schemeClr val="bg1"/>
-                </a:solidFill>
-                <a:latin typeface="Century Gothic" panose="020B0502020202020204" charset="0"/>
-                <a:ea typeface="微软雅黑" panose="020B0503020204020204" pitchFamily="34" charset="-122"/>
-              </a:rPr>
-              <a:t>下载：</a:t>
-            </a:r>
-            <a:r>
-              <a:rPr lang="en-US" altLang="zh-CN" sz="100" dirty="0">
-                <a:solidFill>
-                  <a:schemeClr val="bg1"/>
-                </a:solidFill>
-                <a:latin typeface="Century Gothic" panose="020B0502020202020204" charset="0"/>
-                <a:ea typeface="微软雅黑" panose="020B0503020204020204" pitchFamily="34" charset="-122"/>
-              </a:rPr>
-              <a:t>www.1ppt.com/xiazai/        PPT</a:t>
-            </a:r>
-            <a:r>
-              <a:rPr lang="zh-CN" altLang="en-US" sz="100" dirty="0">
-                <a:solidFill>
-                  <a:schemeClr val="bg1"/>
-                </a:solidFill>
-                <a:latin typeface="Century Gothic" panose="020B0502020202020204" charset="0"/>
-                <a:ea typeface="微软雅黑" panose="020B0503020204020204" pitchFamily="34" charset="-122"/>
-              </a:rPr>
-              <a:t>教程： </a:t>
-            </a:r>
-            <a:r>
-              <a:rPr lang="en-US" altLang="zh-CN" sz="100" dirty="0">
-                <a:solidFill>
-                  <a:schemeClr val="bg1"/>
-                </a:solidFill>
-                <a:latin typeface="Century Gothic" panose="020B0502020202020204" charset="0"/>
-                <a:ea typeface="微软雅黑" panose="020B0503020204020204" pitchFamily="34" charset="-122"/>
-              </a:rPr>
-              <a:t>www.1ppt.com/powerpoint/      </a:t>
-            </a:r>
-            <a:endParaRPr lang="en-US" altLang="zh-CN" sz="100" dirty="0">
-              <a:solidFill>
-                <a:schemeClr val="bg1"/>
-              </a:solidFill>
-              <a:latin typeface="Century Gothic" panose="020B0502020202020204" charset="0"/>
-              <a:ea typeface="微软雅黑" panose="020B0503020204020204" pitchFamily="34" charset="-122"/>
-            </a:endParaRPr>
-          </a:p>
-          <a:p>
-            <a:r>
-              <a:rPr lang="en-US" altLang="zh-CN" sz="100" dirty="0">
-                <a:solidFill>
-                  <a:schemeClr val="bg1"/>
-                </a:solidFill>
-                <a:latin typeface="Century Gothic" panose="020B0502020202020204" charset="0"/>
-                <a:ea typeface="微软雅黑" panose="020B0503020204020204" pitchFamily="34" charset="-122"/>
-              </a:rPr>
-              <a:t>Word</a:t>
-            </a:r>
-            <a:r>
-              <a:rPr lang="zh-CN" altLang="en-US" sz="100" dirty="0">
-                <a:solidFill>
-                  <a:schemeClr val="bg1"/>
-                </a:solidFill>
-                <a:latin typeface="Century Gothic" panose="020B0502020202020204" charset="0"/>
-                <a:ea typeface="微软雅黑" panose="020B0503020204020204" pitchFamily="34" charset="-122"/>
-              </a:rPr>
-              <a:t>教程： </a:t>
-            </a:r>
-            <a:r>
-              <a:rPr lang="en-US" altLang="zh-CN" sz="100" dirty="0">
-                <a:solidFill>
-                  <a:schemeClr val="bg1"/>
-                </a:solidFill>
-                <a:latin typeface="Century Gothic" panose="020B0502020202020204" charset="0"/>
-                <a:ea typeface="微软雅黑" panose="020B0503020204020204" pitchFamily="34" charset="-122"/>
-              </a:rPr>
-              <a:t>www.1ppt.com/word/              Excel</a:t>
-            </a:r>
-            <a:r>
-              <a:rPr lang="zh-CN" altLang="en-US" sz="100" dirty="0">
-                <a:solidFill>
-                  <a:schemeClr val="bg1"/>
-                </a:solidFill>
-                <a:latin typeface="Century Gothic" panose="020B0502020202020204" charset="0"/>
-                <a:ea typeface="微软雅黑" panose="020B0503020204020204" pitchFamily="34" charset="-122"/>
-              </a:rPr>
-              <a:t>教程：</a:t>
-            </a:r>
-            <a:r>
-              <a:rPr lang="en-US" altLang="zh-CN" sz="100" dirty="0">
-                <a:solidFill>
-                  <a:schemeClr val="bg1"/>
-                </a:solidFill>
-                <a:latin typeface="Century Gothic" panose="020B0502020202020204" charset="0"/>
-                <a:ea typeface="微软雅黑" panose="020B0503020204020204" pitchFamily="34" charset="-122"/>
-              </a:rPr>
-              <a:t>www.1ppt.com/excel/  </a:t>
-            </a:r>
-            <a:endParaRPr lang="en-US" altLang="zh-CN" sz="100" dirty="0">
-              <a:solidFill>
-                <a:schemeClr val="bg1"/>
-              </a:solidFill>
-              <a:latin typeface="Century Gothic" panose="020B0502020202020204" charset="0"/>
-              <a:ea typeface="微软雅黑" panose="020B0503020204020204" pitchFamily="34" charset="-122"/>
-            </a:endParaRPr>
-          </a:p>
-          <a:p>
-            <a:r>
-              <a:rPr lang="zh-CN" altLang="en-US" sz="100" dirty="0">
-                <a:solidFill>
-                  <a:schemeClr val="bg1"/>
-                </a:solidFill>
-                <a:latin typeface="Century Gothic" panose="020B0502020202020204" charset="0"/>
-                <a:ea typeface="微软雅黑" panose="020B0503020204020204" pitchFamily="34" charset="-122"/>
-              </a:rPr>
-              <a:t>资料下载：</a:t>
-            </a:r>
-            <a:r>
-              <a:rPr lang="en-US" altLang="zh-CN" sz="100" dirty="0">
-                <a:solidFill>
-                  <a:schemeClr val="bg1"/>
-                </a:solidFill>
-                <a:latin typeface="Century Gothic" panose="020B0502020202020204" charset="0"/>
-                <a:ea typeface="微软雅黑" panose="020B0503020204020204" pitchFamily="34" charset="-122"/>
-              </a:rPr>
-              <a:t>www.1ppt.com/ziliao/                PPT</a:t>
-            </a:r>
-            <a:r>
-              <a:rPr lang="zh-CN" altLang="en-US" sz="100" dirty="0">
-                <a:solidFill>
-                  <a:schemeClr val="bg1"/>
-                </a:solidFill>
-                <a:latin typeface="Century Gothic" panose="020B0502020202020204" charset="0"/>
-                <a:ea typeface="微软雅黑" panose="020B0503020204020204" pitchFamily="34" charset="-122"/>
-              </a:rPr>
-              <a:t>课件下载：</a:t>
-            </a:r>
-            <a:r>
-              <a:rPr lang="en-US" altLang="zh-CN" sz="100" dirty="0">
-                <a:solidFill>
-                  <a:schemeClr val="bg1"/>
-                </a:solidFill>
-                <a:latin typeface="Century Gothic" panose="020B0502020202020204" charset="0"/>
-                <a:ea typeface="微软雅黑" panose="020B0503020204020204" pitchFamily="34" charset="-122"/>
-              </a:rPr>
-              <a:t>www.1ppt.com/kejian/ </a:t>
-            </a:r>
-            <a:endParaRPr lang="en-US" altLang="zh-CN" sz="100" dirty="0">
-              <a:solidFill>
-                <a:schemeClr val="bg1"/>
-              </a:solidFill>
-              <a:latin typeface="Century Gothic" panose="020B0502020202020204" charset="0"/>
-              <a:ea typeface="微软雅黑" panose="020B0503020204020204" pitchFamily="34" charset="-122"/>
-            </a:endParaRPr>
-          </a:p>
-          <a:p>
-            <a:r>
-              <a:rPr lang="zh-CN" altLang="en-US" sz="100" dirty="0">
-                <a:solidFill>
-                  <a:schemeClr val="bg1"/>
-                </a:solidFill>
-                <a:latin typeface="Century Gothic" panose="020B0502020202020204" charset="0"/>
-                <a:ea typeface="微软雅黑" panose="020B0503020204020204" pitchFamily="34" charset="-122"/>
-              </a:rPr>
-              <a:t>范文下载：</a:t>
-            </a:r>
-            <a:r>
-              <a:rPr lang="en-US" altLang="zh-CN" sz="100" dirty="0">
-                <a:solidFill>
-                  <a:schemeClr val="bg1"/>
-                </a:solidFill>
-                <a:latin typeface="Century Gothic" panose="020B0502020202020204" charset="0"/>
-                <a:ea typeface="微软雅黑" panose="020B0503020204020204" pitchFamily="34" charset="-122"/>
-              </a:rPr>
-              <a:t>www.1ppt.com/fanwen/             </a:t>
-            </a:r>
-            <a:r>
-              <a:rPr lang="zh-CN" altLang="en-US" sz="100" dirty="0">
-                <a:solidFill>
-                  <a:schemeClr val="bg1"/>
-                </a:solidFill>
-                <a:latin typeface="Century Gothic" panose="020B0502020202020204" charset="0"/>
-                <a:ea typeface="微软雅黑" panose="020B0503020204020204" pitchFamily="34" charset="-122"/>
-              </a:rPr>
-              <a:t>试卷下载：</a:t>
-            </a:r>
-            <a:r>
-              <a:rPr lang="en-US" altLang="zh-CN" sz="100" dirty="0">
-                <a:solidFill>
-                  <a:schemeClr val="bg1"/>
-                </a:solidFill>
-                <a:latin typeface="Century Gothic" panose="020B0502020202020204" charset="0"/>
-                <a:ea typeface="微软雅黑" panose="020B0503020204020204" pitchFamily="34" charset="-122"/>
-              </a:rPr>
-              <a:t>www.1ppt.com/shiti/  </a:t>
-            </a:r>
-            <a:endParaRPr lang="en-US" altLang="zh-CN" sz="100" dirty="0">
-              <a:solidFill>
-                <a:schemeClr val="bg1"/>
-              </a:solidFill>
-              <a:latin typeface="Century Gothic" panose="020B0502020202020204" charset="0"/>
-              <a:ea typeface="微软雅黑" panose="020B0503020204020204" pitchFamily="34" charset="-122"/>
-            </a:endParaRPr>
-          </a:p>
-          <a:p>
-            <a:r>
-              <a:rPr lang="zh-CN" altLang="en-US" sz="100" dirty="0">
-                <a:solidFill>
-                  <a:schemeClr val="bg1"/>
-                </a:solidFill>
-                <a:latin typeface="Century Gothic" panose="020B0502020202020204" charset="0"/>
-                <a:ea typeface="微软雅黑" panose="020B0503020204020204" pitchFamily="34" charset="-122"/>
-              </a:rPr>
-              <a:t>教案下载：</a:t>
-            </a:r>
-            <a:r>
-              <a:rPr lang="en-US" altLang="zh-CN" sz="100" dirty="0">
-                <a:solidFill>
-                  <a:schemeClr val="bg1"/>
-                </a:solidFill>
-                <a:latin typeface="Century Gothic" panose="020B0502020202020204" charset="0"/>
-                <a:ea typeface="微软雅黑" panose="020B0503020204020204" pitchFamily="34" charset="-122"/>
-              </a:rPr>
-              <a:t>www.1ppt.com/jiaoan/        PPT</a:t>
-            </a:r>
-            <a:r>
-              <a:rPr lang="zh-CN" altLang="en-US" sz="100" dirty="0">
-                <a:solidFill>
-                  <a:schemeClr val="bg1"/>
-                </a:solidFill>
-                <a:latin typeface="Century Gothic" panose="020B0502020202020204" charset="0"/>
-                <a:ea typeface="微软雅黑" panose="020B0503020204020204" pitchFamily="34" charset="-122"/>
-              </a:rPr>
-              <a:t>论坛：</a:t>
-            </a:r>
-            <a:r>
-              <a:rPr lang="en-US" altLang="zh-CN" sz="100" dirty="0">
-                <a:solidFill>
-                  <a:schemeClr val="bg1"/>
-                </a:solidFill>
-                <a:latin typeface="Century Gothic" panose="020B0502020202020204" charset="0"/>
-                <a:ea typeface="微软雅黑" panose="020B0503020204020204" pitchFamily="34" charset="-122"/>
-              </a:rPr>
-              <a:t>www.1ppt.cn</a:t>
-            </a:r>
-            <a:endParaRPr lang="en-US" altLang="zh-CN" sz="100" dirty="0">
-              <a:solidFill>
-                <a:schemeClr val="bg1"/>
-              </a:solidFill>
-              <a:latin typeface="Century Gothic" panose="020B0502020202020204" charset="0"/>
-              <a:ea typeface="微软雅黑" panose="020B0503020204020204" pitchFamily="34" charset="-122"/>
-            </a:endParaRPr>
-          </a:p>
-          <a:p>
-            <a:r>
-              <a:rPr lang="en-US" altLang="zh-CN" sz="100" dirty="0">
-                <a:solidFill>
-                  <a:schemeClr val="bg1"/>
-                </a:solidFill>
-                <a:latin typeface="Century Gothic" panose="020B0502020202020204" charset="0"/>
-                <a:ea typeface="微软雅黑" panose="020B0503020204020204" pitchFamily="34" charset="-122"/>
-              </a:rPr>
-              <a:t> </a:t>
-            </a:r>
-            <a:endParaRPr lang="zh-CN" altLang="en-US" sz="100" dirty="0">
-              <a:solidFill>
-                <a:schemeClr val="bg1"/>
-              </a:solidFill>
-              <a:latin typeface="Century Gothic" panose="020B0502020202020204" charset="0"/>
-              <a:ea typeface="微软雅黑" panose="020B0503020204020204" pitchFamily="34" charset="-122"/>
-            </a:endParaRPr>
-          </a:p>
-        </p:txBody>
-      </p:sp>
-      <p:pic>
-        <p:nvPicPr>
-          <p:cNvPr id="2" name="图片 1" descr="图片1"/>
-          <p:cNvPicPr>
-            <a:picLocks noChangeAspect="1"/>
-          </p:cNvPicPr>
-          <p:nvPr/>
-        </p:nvPicPr>
-        <p:blipFill>
-          <a:blip r:embed="rId1"/>
-          <a:stretch>
-            <a:fillRect/>
-          </a:stretch>
-        </p:blipFill>
-        <p:spPr>
-          <a:xfrm>
-            <a:off x="11454130" y="246380"/>
-            <a:ext cx="478155" cy="478155"/>
-          </a:xfrm>
-          <a:prstGeom prst="rect">
-            <a:avLst/>
-          </a:prstGeom>
-        </p:spPr>
-      </p:pic>
-    </p:spTree>
-  </p:cSld>
-  <p:clrMapOvr>
-    <a:masterClrMapping/>
-  </p:clrMapOvr>
-  <p:transition>
-    <p:blinds dir="vert"/>
-  </p:transition>
-</p:sld>
-</file>
-
-<file path=ppt/slides/slide30.xml><?xml version="1.0" encoding="utf-8"?>
+<file path=ppt/slides/slide31.xml><?xml version="1.0" encoding="utf-8"?>
 <p:sld xmlns:a="http://schemas.openxmlformats.org/drawingml/2006/main" xmlns:r="http://schemas.openxmlformats.org/officeDocument/2006/relationships" xmlns:p="http://schemas.openxmlformats.org/presentationml/2006/main">
   <p:cSld>
     <p:spTree>
@@ -41292,13 +42476,13 @@
   <p:clrMapOvr>
     <a:masterClrMapping/>
   </p:clrMapOvr>
-  <p:transition>
+  <p:transition advTm="25381">
     <p:blinds dir="vert"/>
   </p:transition>
 </p:sld>
 </file>
 
-<file path=ppt/slides/slide31.xml><?xml version="1.0" encoding="utf-8"?>
+<file path=ppt/slides/slide32.xml><?xml version="1.0" encoding="utf-8"?>
 <p:sld xmlns:a="http://schemas.openxmlformats.org/drawingml/2006/main" xmlns:r="http://schemas.openxmlformats.org/officeDocument/2006/relationships" xmlns:p="http://schemas.openxmlformats.org/presentationml/2006/main">
   <p:cSld>
     <p:spTree>
@@ -42791,13 +43975,13 @@
   <p:clrMapOvr>
     <a:masterClrMapping/>
   </p:clrMapOvr>
-  <p:transition>
+  <p:transition advTm="6318">
     <p:blinds dir="vert"/>
   </p:transition>
 </p:sld>
 </file>
 
-<file path=ppt/slides/slide32.xml><?xml version="1.0" encoding="utf-8"?>
+<file path=ppt/slides/slide33.xml><?xml version="1.0" encoding="utf-8"?>
 <p:sld xmlns:a="http://schemas.openxmlformats.org/drawingml/2006/main" xmlns:r="http://schemas.openxmlformats.org/officeDocument/2006/relationships" xmlns:p="http://schemas.openxmlformats.org/presentationml/2006/main">
   <p:cSld>
     <p:spTree>
@@ -45290,13 +46474,13 @@
   <p:clrMapOvr>
     <a:masterClrMapping/>
   </p:clrMapOvr>
-  <p:transition>
+  <p:transition advTm="44086">
     <p:blinds dir="vert"/>
   </p:transition>
 </p:sld>
 </file>
 
-<file path=ppt/slides/slide33.xml><?xml version="1.0" encoding="utf-8"?>
+<file path=ppt/slides/slide34.xml><?xml version="1.0" encoding="utf-8"?>
 <p:sld xmlns:a="http://schemas.openxmlformats.org/drawingml/2006/main" xmlns:r="http://schemas.openxmlformats.org/officeDocument/2006/relationships" xmlns:p="http://schemas.openxmlformats.org/presentationml/2006/main">
   <p:cSld>
     <p:spTree>
@@ -46004,7 +47188,7 @@
         <p:spPr>
           <a:xfrm>
             <a:off x="703580" y="1035050"/>
-            <a:ext cx="3248660" cy="383540"/>
+            <a:ext cx="3248660" cy="460375"/>
           </a:xfrm>
           <a:prstGeom prst="rect">
             <a:avLst/>
@@ -46017,10 +47201,10 @@
           </a:bodyPr>
           <a:p>
             <a:r>
-              <a:rPr lang="zh-CN" altLang="en-US" b="1"/>
+              <a:rPr lang="zh-CN" altLang="en-US" sz="2400" b="1"/>
               <a:t>下一步工作：</a:t>
             </a:r>
-            <a:endParaRPr lang="zh-CN" altLang="en-US" b="1"/>
+            <a:endParaRPr lang="zh-CN" altLang="en-US" sz="2400" b="1"/>
           </a:p>
         </p:txBody>
       </p:sp>
@@ -46057,7 +47241,24 @@
                 <a:latin typeface="Arial" panose="020B0604020202020204" pitchFamily="34" charset="0"/>
                 <a:ea typeface="宋体" panose="02010600030101010101" pitchFamily="2" charset="-122"/>
               </a:rPr>
-              <a:t>在实际的工程项目中，多智能体系统的一致性控制不仅受时延的影响，还受通信噪声和外界事件的驱动的影响，本文研究只考虑了时延对多智能体系统加权一致性的影响，因此，下一步工作可考虑更多的外界可变因素，从而使我们的研究更适应实际应用。</a:t>
+              <a:t>在实际的工程项目中，多智能体系统的一致性控制不仅受时延的影响，还受</a:t>
+            </a:r>
+            <a:r>
+              <a:rPr lang="zh-CN" altLang="en-US" sz="2400">
+                <a:solidFill>
+                  <a:srgbClr val="FF0000"/>
+                </a:solidFill>
+                <a:latin typeface="Arial" panose="020B0604020202020204" pitchFamily="34" charset="0"/>
+                <a:ea typeface="宋体" panose="02010600030101010101" pitchFamily="2" charset="-122"/>
+              </a:rPr>
+              <a:t>通信噪声和外界事件的驱动</a:t>
+            </a:r>
+            <a:r>
+              <a:rPr lang="zh-CN" altLang="en-US" sz="2400">
+                <a:latin typeface="Arial" panose="020B0604020202020204" pitchFamily="34" charset="0"/>
+                <a:ea typeface="宋体" panose="02010600030101010101" pitchFamily="2" charset="-122"/>
+              </a:rPr>
+              <a:t>的影响，本文研究只考虑了时延对多智能体系统加权一致性的影响，因此，下一步工作可考虑更多的外界可变因素，从而使我们的研究更适应实际应用。</a:t>
             </a:r>
             <a:endParaRPr lang="zh-CN" altLang="en-US" sz="2400">
               <a:latin typeface="Arial" panose="020B0604020202020204" pitchFamily="34" charset="0"/>
@@ -46078,7 +47279,26 @@
                 <a:ea typeface="宋体" panose="02010600030101010101" pitchFamily="2" charset="-122"/>
                 <a:sym typeface="+mn-ea"/>
               </a:rPr>
-              <a:t>将文章中的相关理论研究应用到实际生活中。</a:t>
+              <a:t>将文章中的相关理论研究</a:t>
+            </a:r>
+            <a:r>
+              <a:rPr lang="zh-CN" altLang="en-US" sz="2400">
+                <a:solidFill>
+                  <a:srgbClr val="FF0000"/>
+                </a:solidFill>
+                <a:latin typeface="Arial" panose="020B0604020202020204" pitchFamily="34" charset="0"/>
+                <a:ea typeface="宋体" panose="02010600030101010101" pitchFamily="2" charset="-122"/>
+                <a:sym typeface="+mn-ea"/>
+              </a:rPr>
+              <a:t>应用到工程实践</a:t>
+            </a:r>
+            <a:r>
+              <a:rPr lang="zh-CN" altLang="en-US" sz="2400">
+                <a:latin typeface="Arial" panose="020B0604020202020204" pitchFamily="34" charset="0"/>
+                <a:ea typeface="宋体" panose="02010600030101010101" pitchFamily="2" charset="-122"/>
+                <a:sym typeface="+mn-ea"/>
+              </a:rPr>
+              <a:t>中。</a:t>
             </a:r>
             <a:endParaRPr lang="zh-CN" altLang="en-US" sz="2400">
               <a:latin typeface="Arial" panose="020B0604020202020204" pitchFamily="34" charset="0"/>
@@ -46092,13 +47312,13 @@
   <p:clrMapOvr>
     <a:masterClrMapping/>
   </p:clrMapOvr>
-  <p:transition>
+  <p:transition advTm="29906">
     <p:blinds dir="vert"/>
   </p:transition>
 </p:sld>
 </file>
 
-<file path=ppt/slides/slide34.xml><?xml version="1.0" encoding="utf-8"?>
+<file path=ppt/slides/slide35.xml><?xml version="1.0" encoding="utf-8"?>
 <p:sld xmlns:a="http://schemas.openxmlformats.org/drawingml/2006/main" xmlns:r="http://schemas.openxmlformats.org/officeDocument/2006/relationships" xmlns:p="http://schemas.openxmlformats.org/presentationml/2006/main">
   <p:cSld>
     <p:spTree>
@@ -46725,7 +47945,21 @@
                 <a:latin typeface="Arial" panose="020B0604020202020204" pitchFamily="34" charset="0"/>
                 <a:ea typeface="宋体" panose="02010600030101010101" pitchFamily="2" charset="-122"/>
               </a:rPr>
-              <a:t>检索</a:t>
+              <a:t>检索，</a:t>
+            </a:r>
+            <a:r>
+              <a:rPr lang="en-US" altLang="zh-CN" sz="2400">
+                <a:latin typeface="Arial" panose="020B0604020202020204" pitchFamily="34" charset="0"/>
+                <a:ea typeface="宋体" panose="02010600030101010101" pitchFamily="2" charset="-122"/>
+              </a:rPr>
+              <a:t>CPCI</a:t>
+            </a:r>
+            <a:r>
+              <a:rPr lang="zh-CN" altLang="zh-CN" sz="2400">
+                <a:latin typeface="Arial" panose="020B0604020202020204" pitchFamily="34" charset="0"/>
+                <a:ea typeface="宋体" panose="02010600030101010101" pitchFamily="2" charset="-122"/>
+              </a:rPr>
+              <a:t>检索号: BJ6CO</a:t>
             </a:r>
             <a:r>
               <a:rPr lang="en-US" altLang="zh-CN" sz="2400">
@@ -46852,13 +48086,13 @@
   <p:clrMapOvr>
     <a:masterClrMapping/>
   </p:clrMapOvr>
-  <p:transition>
+  <p:transition advTm="8783">
     <p:blinds dir="vert"/>
   </p:transition>
 </p:sld>
 </file>
 
-<file path=ppt/slides/slide35.xml><?xml version="1.0" encoding="utf-8"?>
+<file path=ppt/slides/slide36.xml><?xml version="1.0" encoding="utf-8"?>
 <p:sld xmlns:a="http://schemas.openxmlformats.org/drawingml/2006/main" xmlns:r="http://schemas.openxmlformats.org/officeDocument/2006/relationships" xmlns:p="http://schemas.openxmlformats.org/presentationml/2006/main">
   <p:cSld>
     <p:spTree>
@@ -47553,13 +48787,13 @@
   <p:clrMapOvr>
     <a:masterClrMapping/>
   </p:clrMapOvr>
-  <p:transition>
+  <p:transition advTm="2949">
     <p:blinds dir="vert"/>
   </p:transition>
 </p:sld>
 </file>
 
-<file path=ppt/slides/slide36.xml><?xml version="1.0" encoding="utf-8"?>
+<file path=ppt/slides/slide37.xml><?xml version="1.0" encoding="utf-8"?>
 <p:sld xmlns:a="http://schemas.openxmlformats.org/drawingml/2006/main" xmlns:r="http://schemas.openxmlformats.org/officeDocument/2006/relationships" xmlns:p="http://schemas.openxmlformats.org/presentationml/2006/main">
   <p:cSld>
     <p:spTree>
@@ -49096,7 +50330,7 @@
   <p:clrMapOvr>
     <a:masterClrMapping/>
   </p:clrMapOvr>
-  <p:transition>
+  <p:transition advTm="9594">
     <p:blinds dir="vert"/>
   </p:transition>
 </p:sld>
@@ -49934,7 +51168,7 @@
   <p:clrMapOvr>
     <a:masterClrMapping/>
   </p:clrMapOvr>
-  <p:transition>
+  <p:transition advTm="17082">
     <p:blinds dir="vert"/>
   </p:transition>
 </p:sld>
@@ -50646,7 +51880,7 @@
         <p:spPr>
           <a:xfrm>
             <a:off x="847725" y="2087245"/>
-            <a:ext cx="10650220" cy="3322955"/>
+            <a:ext cx="10650220" cy="3969385"/>
           </a:xfrm>
           <a:prstGeom prst="rect">
             <a:avLst/>
@@ -50703,7 +51937,7 @@
                   <a:srgbClr val="FF0000"/>
                 </a:solidFill>
               </a:rPr>
-              <a:t>使大量简单的智能体之间的协作取代单个的昂贵系统去完成一些复杂的任务</a:t>
+              <a:t>使大量简单的智能体进行协作，形成一个有机统一，从而取代单个的昂贵系统，进而完成一些更为复杂的任务。</a:t>
             </a:r>
             <a:endParaRPr lang="zh-CN" altLang="en-US" sz="2800">
               <a:solidFill>
@@ -50742,124 +51976,13 @@
   <p:clrMapOvr>
     <a:masterClrMapping/>
   </p:clrMapOvr>
-  <p:transition>
+  <p:transition advTm="32666">
     <p:blinds dir="vert"/>
   </p:transition>
   <p:timing>
     <p:tnLst>
       <p:par>
-        <p:cTn id="1" dur="indefinite" restart="never" nodeType="tmRoot">
-          <p:childTnLst>
-            <p:seq concurrent="1" nextAc="seek">
-              <p:cTn id="2" dur="indefinite" nodeType="mainSeq">
-                <p:childTnLst>
-                  <p:par>
-                    <p:cTn id="3" fill="hold">
-                      <p:stCondLst>
-                        <p:cond delay="indefinite"/>
-                      </p:stCondLst>
-                      <p:childTnLst>
-                        <p:par>
-                          <p:cTn id="4" fill="hold">
-                            <p:stCondLst>
-                              <p:cond delay="0"/>
-                            </p:stCondLst>
-                            <p:childTnLst>
-                              <p:par>
-                                <p:cTn id="5" presetID="16" presetClass="emph" presetSubtype="0" fill="hold" nodeType="clickEffect">
-                                  <p:stCondLst>
-                                    <p:cond delay="0"/>
-                                  </p:stCondLst>
-                                  <p:iterate type="lt">
-                                    <p:tmPct val="4000"/>
-                                  </p:iterate>
-                                  <p:childTnLst>
-                                    <p:set>
-                                      <p:cBhvr override="childStyle">
-                                        <p:cTn id="6" dur="500" fill="hold"/>
-                                        <p:tgtEl>
-                                          <p:spTgt spid="2">
-                                            <p:txEl>
-                                              <p:pRg st="2" end="2"/>
-                                            </p:txEl>
-                                          </p:spTgt>
-                                        </p:tgtEl>
-                                        <p:attrNameLst>
-                                          <p:attrName>style.color</p:attrName>
-                                        </p:attrNameLst>
-                                      </p:cBhvr>
-                                      <p:to>
-                                        <p:clrVal>
-                                          <a:schemeClr val="accent2"/>
-                                        </p:clrVal>
-                                      </p:to>
-                                    </p:set>
-                                    <p:set>
-                                      <p:cBhvr>
-                                        <p:cTn id="7" dur="500" fill="hold"/>
-                                        <p:tgtEl>
-                                          <p:spTgt spid="2">
-                                            <p:txEl>
-                                              <p:pRg st="2" end="2"/>
-                                            </p:txEl>
-                                          </p:spTgt>
-                                        </p:tgtEl>
-                                        <p:attrNameLst>
-                                          <p:attrName>fillcolor</p:attrName>
-                                        </p:attrNameLst>
-                                      </p:cBhvr>
-                                      <p:to>
-                                        <p:clrVal>
-                                          <a:schemeClr val="accent2"/>
-                                        </p:clrVal>
-                                      </p:to>
-                                    </p:set>
-                                    <p:set>
-                                      <p:cBhvr>
-                                        <p:cTn id="8" dur="500" fill="hold"/>
-                                        <p:tgtEl>
-                                          <p:spTgt spid="2">
-                                            <p:txEl>
-                                              <p:pRg st="2" end="2"/>
-                                            </p:txEl>
-                                          </p:spTgt>
-                                        </p:tgtEl>
-                                        <p:attrNameLst>
-                                          <p:attrName>fill.type</p:attrName>
-                                        </p:attrNameLst>
-                                      </p:cBhvr>
-                                      <p:to>
-                                        <p:strVal val="solid"/>
-                                      </p:to>
-                                    </p:set>
-                                  </p:childTnLst>
-                                </p:cTn>
-                              </p:par>
-                            </p:childTnLst>
-                          </p:cTn>
-                        </p:par>
-                      </p:childTnLst>
-                    </p:cTn>
-                  </p:par>
-                </p:childTnLst>
-              </p:cTn>
-              <p:prevCondLst>
-                <p:cond evt="onPrev" delay="0">
-                  <p:tgtEl>
-                    <p:sldTgt/>
-                  </p:tgtEl>
-                </p:cond>
-              </p:prevCondLst>
-              <p:nextCondLst>
-                <p:cond evt="onNext" delay="0">
-                  <p:tgtEl>
-                    <p:sldTgt/>
-                  </p:tgtEl>
-                </p:cond>
-              </p:nextCondLst>
-            </p:seq>
-          </p:childTnLst>
-        </p:cTn>
+        <p:cTn id="1" dur="indefinite" restart="never" nodeType="tmRoot"/>
       </p:par>
     </p:tnLst>
   </p:timing>
@@ -51709,7 +52832,7 @@
   <p:clrMapOvr>
     <a:masterClrMapping/>
   </p:clrMapOvr>
-  <p:transition>
+  <p:transition advTm="24523">
     <p:blinds dir="vert"/>
   </p:transition>
 </p:sld>
@@ -52464,12 +53587,20 @@
               <a:t>是指在没有中央控制或者全局通信的情况下，智能体之间通过局部的耦合作用，</a:t>
             </a:r>
             <a:r>
+              <a:rPr lang="zh-CN" altLang="en-US" sz="2400" b="1" noProof="1">
+                <a:latin typeface="+mn-lt"/>
+                <a:ea typeface="+mn-ea"/>
+                <a:cs typeface="+mn-cs"/>
+              </a:rPr>
+              <a:t>最终使得所有智能体的状态（如位移，速度，加速度）趋于一致</a:t>
+            </a:r>
+            <a:r>
               <a:rPr lang="zh-CN" altLang="en-US" sz="2400" noProof="1">
                 <a:latin typeface="+mn-lt"/>
                 <a:ea typeface="+mn-ea"/>
                 <a:cs typeface="+mn-cs"/>
               </a:rPr>
-              <a:t>最终使得所有智能体的状态（如位移，速度，加速度）趋于一致。</a:t>
+              <a:t>。</a:t>
             </a:r>
             <a:endParaRPr lang="zh-CN" altLang="en-US" sz="2800" noProof="1"/>
           </a:p>
@@ -52546,7 +53677,19 @@
                 <a:cs typeface="+mn-cs"/>
                 <a:sym typeface="+mn-ea"/>
               </a:rPr>
-              <a:t>是指在多智能体系统当中，设置控制协议决策函数，在控制协议的作用下，通过权重值的影响，系统最终收敛到任意指定的加权一致状态</a:t>
+              <a:t>是指在多智能体系统当中，设置控制协议决策函数，在控制协议的作用下，通过权重值的影响，系统最终收敛到</a:t>
+            </a:r>
+            <a:r>
+              <a:rPr lang="zh-CN" altLang="en-US" sz="2400" b="1" noProof="1">
+                <a:solidFill>
+                  <a:schemeClr val="tx1"/>
+                </a:solidFill>
+                <a:latin typeface="+mn-lt"/>
+                <a:ea typeface="+mn-ea"/>
+                <a:cs typeface="+mn-cs"/>
+                <a:sym typeface="+mn-ea"/>
+              </a:rPr>
+              <a:t>任意指定的加权一致状态</a:t>
             </a:r>
             <a:r>
               <a:rPr lang="zh-CN" altLang="en-US" noProof="1">
@@ -52625,19 +53768,40 @@
                 <a:cs typeface="+mn-cs"/>
                 <a:sym typeface="+mn-ea"/>
               </a:rPr>
-              <a:t>是指在一个环境中交互的多个智能体组成的复杂网络系统。通常，人们习惯于把个系统中的个体称之为节点，把个体彼此间的相互作用看成是节点与节点之间的连接关系。如此一来，由大量的智能体以及智能体间的连接就构成了</a:t>
-            </a:r>
-            <a:r>
-              <a:rPr lang="zh-CN" altLang="en-US" sz="2400" noProof="1">
-                <a:solidFill>
-                  <a:schemeClr val="tx1"/>
-                </a:solidFill>
+              <a:t>是指在一个环境中交互的多个智能体组成的复杂网络系统。通常，人们习惯于把个系统中的个体称之为节点，把个体彼此间的相互作用看成是节点与节点之间的连接关系。如此一来，</a:t>
+            </a:r>
+            <a:r>
+              <a:rPr lang="zh-CN" altLang="en-US" sz="2400" b="1" noProof="1">
                 <a:latin typeface="+mn-lt"/>
                 <a:ea typeface="+mn-ea"/>
                 <a:cs typeface="+mn-cs"/>
                 <a:sym typeface="+mn-ea"/>
               </a:rPr>
-              <a:t>多智能体系统。</a:t>
+              <a:t>由大量的智能体以及智能体间的连接就构成了</a:t>
+            </a:r>
+            <a:r>
+              <a:rPr lang="zh-CN" altLang="en-US" sz="2400" b="1" noProof="1">
+                <a:solidFill>
+                  <a:schemeClr val="tx1"/>
+                </a:solidFill>
+                <a:latin typeface="+mn-lt"/>
+                <a:ea typeface="+mn-ea"/>
+                <a:cs typeface="+mn-cs"/>
+                <a:sym typeface="+mn-ea"/>
+              </a:rPr>
+              <a:t>多智能体系统</a:t>
+            </a:r>
+            <a:r>
+              <a:rPr lang="zh-CN" altLang="en-US" sz="2400" noProof="1">
+                <a:solidFill>
+                  <a:schemeClr val="tx1"/>
+                </a:solidFill>
+                <a:latin typeface="+mn-lt"/>
+                <a:ea typeface="+mn-ea"/>
+                <a:cs typeface="+mn-cs"/>
+                <a:sym typeface="+mn-ea"/>
+              </a:rPr>
+              <a:t>。</a:t>
             </a:r>
             <a:endParaRPr lang="zh-CN" altLang="en-US" sz="2400" noProof="1">
               <a:solidFill>
@@ -52680,7 +53844,7 @@
   <p:clrMapOvr>
     <a:masterClrMapping/>
   </p:clrMapOvr>
-  <p:transition>
+  <p:transition advTm="36099">
     <p:blinds dir="vert"/>
   </p:transition>
 </p:sld>
@@ -53336,7 +54500,7 @@
         <p:spPr>
           <a:xfrm>
             <a:off x="628650" y="1044258"/>
-            <a:ext cx="7532370" cy="583565"/>
+            <a:ext cx="9982200" cy="583565"/>
           </a:xfrm>
           <a:prstGeom prst="rect">
             <a:avLst/>
@@ -53363,6 +54527,23 @@
                 <a:sym typeface="+mn-ea"/>
               </a:rPr>
               <a:t>为什么要研究</a:t>
+            </a:r>
+            <a:r>
+              <a:rPr lang="zh-CN" altLang="en-US" sz="3200" b="1" noProof="1" dirty="0" smtClean="0">
+                <a:solidFill>
+                  <a:srgbClr val="FF0000"/>
+                </a:solidFill>
+                <a:effectLst>
+                  <a:outerShdw blurRad="38100" dist="19050" dir="2700000" algn="tl" rotWithShape="0">
+                    <a:schemeClr val="dk1">
+                      <a:alpha val="40000"/>
+                    </a:schemeClr>
+                  </a:outerShdw>
+                </a:effectLst>
+                <a:ea typeface="宋体" panose="02010600030101010101" pitchFamily="2" charset="-122"/>
+                <a:sym typeface="+mn-ea"/>
+              </a:rPr>
+              <a:t>时延影响下的</a:t>
             </a:r>
             <a:r>
               <a:rPr lang="zh-CN" altLang="en-US" sz="3200" b="1" noProof="1" dirty="0" smtClean="0">
@@ -53467,7 +54648,7 @@
                 <a:ea typeface="+mn-ea"/>
                 <a:sym typeface="+mn-ea"/>
               </a:rPr>
-              <a:t>控制多智能体最终的收敛状态</a:t>
+              <a:t>控制多智能体最终收敛到特定的状态</a:t>
             </a:r>
             <a:r>
               <a:rPr lang="zh-CN" altLang="en-US" sz="2400" dirty="0">
@@ -53477,18 +54658,7 @@
                 <a:latin typeface="+mn-ea"/>
                 <a:ea typeface="+mn-ea"/>
               </a:rPr>
-              <a:t>，加权一致性可以很好的实现这一目标，所以研究</a:t>
-            </a:r>
-            <a:r>
-              <a:rPr lang="zh-CN" altLang="en-US" sz="2400" dirty="0">
-                <a:solidFill>
-                  <a:schemeClr val="tx1"/>
-                </a:solidFill>
-                <a:latin typeface="+mn-ea"/>
-                <a:ea typeface="+mn-ea"/>
-                <a:sym typeface="+mn-ea"/>
-              </a:rPr>
-              <a:t>多智能体最终的收敛状态非常必要</a:t>
+              <a:t>，加权一致性可以很好的实现这一目标</a:t>
             </a:r>
             <a:r>
               <a:rPr lang="zh-CN" altLang="en-US" sz="2400" dirty="0">
@@ -53569,7 +54739,7 @@
   <p:clrMapOvr>
     <a:masterClrMapping/>
   </p:clrMapOvr>
-  <p:transition>
+  <p:transition advTm="30982">
     <p:blinds dir="vert"/>
   </p:transition>
 </p:sld>
@@ -55070,7 +56240,7 @@
   <p:clrMapOvr>
     <a:masterClrMapping/>
   </p:clrMapOvr>
-  <p:transition>
+  <p:transition advTm="4493">
     <p:blinds dir="vert"/>
   </p:transition>
 </p:sld>
